--- a/Documents/PPT Project.pptx
+++ b/Documents/PPT Project.pptx
@@ -5,377 +5,25 @@
     <p:sldMasterId id="2147483648" r:id="rId2"/>
     <p:sldMasterId id="2147483661" r:id="rId3"/>
   </p:sldMasterIdLst>
-  <p:notesMasterIdLst>
-    <p:notesMasterId r:id="rId4"/>
-  </p:notesMasterIdLst>
   <p:sldIdLst>
-    <p:sldId id="256" r:id="rId5"/>
-    <p:sldId id="257" r:id="rId6"/>
-    <p:sldId id="258" r:id="rId7"/>
-    <p:sldId id="259" r:id="rId8"/>
-    <p:sldId id="260" r:id="rId9"/>
-    <p:sldId id="261" r:id="rId10"/>
-    <p:sldId id="262" r:id="rId11"/>
-    <p:sldId id="263" r:id="rId12"/>
-    <p:sldId id="264" r:id="rId13"/>
-    <p:sldId id="265" r:id="rId14"/>
-    <p:sldId id="266" r:id="rId15"/>
-    <p:sldId id="267" r:id="rId16"/>
-    <p:sldId id="268" r:id="rId17"/>
-    <p:sldId id="269" r:id="rId18"/>
-    <p:sldId id="270" r:id="rId19"/>
+    <p:sldId id="256" r:id="rId4"/>
+    <p:sldId id="257" r:id="rId5"/>
+    <p:sldId id="258" r:id="rId6"/>
+    <p:sldId id="259" r:id="rId7"/>
+    <p:sldId id="260" r:id="rId8"/>
+    <p:sldId id="261" r:id="rId9"/>
+    <p:sldId id="262" r:id="rId10"/>
+    <p:sldId id="263" r:id="rId11"/>
+    <p:sldId id="264" r:id="rId12"/>
+    <p:sldId id="265" r:id="rId13"/>
+    <p:sldId id="266" r:id="rId14"/>
+    <p:sldId id="267" r:id="rId15"/>
+    <p:sldId id="268" r:id="rId16"/>
+    <p:sldId id="269" r:id="rId17"/>
   </p:sldIdLst>
   <p:sldSz cx="12192000" cy="6858000"/>
   <p:notesSz cx="6858000" cy="9144000"/>
 </p:presentation>
-</file>
-
-<file path=ppt/notesMasters/notesMaster1.xml><?xml version="1.0" encoding="utf-8"?>
-<p:notesMaster xmlns:a="http://schemas.openxmlformats.org/drawingml/2006/main" xmlns:p="http://schemas.openxmlformats.org/presentationml/2006/main" xmlns:r="http://schemas.openxmlformats.org/officeDocument/2006/relationships" xmlns:p14="http://schemas.microsoft.com/office/powerpoint/2010/main" xmlns:p15="http://schemas.microsoft.com/office/powerpoint/2012/main" xmlns:mc="http://schemas.openxmlformats.org/markup-compatibility/2006">
-  <p:cSld>
-    <p:spTree>
-      <p:nvGrpSpPr>
-        <p:cNvPr id="1" name=""/>
-        <p:cNvGrpSpPr/>
-        <p:nvPr/>
-      </p:nvGrpSpPr>
-      <p:grpSpPr>
-        <a:xfrm>
-          <a:off x="0" y="0"/>
-          <a:ext cx="0" cy="0"/>
-          <a:chOff x="0" y="0"/>
-          <a:chExt cx="0" cy="0"/>
-        </a:xfrm>
-      </p:grpSpPr>
-      <p:sp>
-        <p:nvSpPr>
-          <p:cNvPr id="82" name="PlaceHolder 1"/>
-          <p:cNvSpPr>
-            <a:spLocks noGrp="1"/>
-          </p:cNvSpPr>
-          <p:nvPr>
-            <p:ph type="sldImg"/>
-          </p:nvPr>
-        </p:nvSpPr>
-        <p:spPr>
-          <a:xfrm>
-            <a:off x="216000" y="812520"/>
-            <a:ext cx="7127280" cy="4008960"/>
-          </a:xfrm>
-          <a:prstGeom prst="rect">
-            <a:avLst/>
-          </a:prstGeom>
-        </p:spPr>
-        <p:txBody>
-          <a:bodyPr lIns="0" rIns="0" tIns="0" bIns="0" anchor="ctr"/>
-          <a:p>
-            <a:r>
-              <a:rPr b="0" lang="en-US" sz="1800" spc="-1" strike="noStrike">
-                <a:solidFill>
-                  <a:srgbClr val="000000"/>
-                </a:solidFill>
-                <a:latin typeface="Calibri"/>
-              </a:rPr>
-              <a:t>Click to move the slide</a:t>
-            </a:r>
-            <a:endParaRPr b="0" lang="en-US" sz="1800" spc="-1" strike="noStrike">
-              <a:solidFill>
-                <a:srgbClr val="000000"/>
-              </a:solidFill>
-              <a:latin typeface="Calibri"/>
-            </a:endParaRPr>
-          </a:p>
-        </p:txBody>
-      </p:sp>
-      <p:sp>
-        <p:nvSpPr>
-          <p:cNvPr id="83" name="PlaceHolder 2"/>
-          <p:cNvSpPr>
-            <a:spLocks noGrp="1"/>
-          </p:cNvSpPr>
-          <p:nvPr>
-            <p:ph type="body"/>
-          </p:nvPr>
-        </p:nvSpPr>
-        <p:spPr>
-          <a:xfrm>
-            <a:off x="756000" y="5078520"/>
-            <a:ext cx="6047640" cy="4811040"/>
-          </a:xfrm>
-          <a:prstGeom prst="rect">
-            <a:avLst/>
-          </a:prstGeom>
-        </p:spPr>
-        <p:txBody>
-          <a:bodyPr lIns="0" rIns="0" tIns="0" bIns="0"/>
-          <a:p>
-            <a:r>
-              <a:rPr b="0" lang="en-IN" sz="2000" spc="-1" strike="noStrike">
-                <a:latin typeface="Arial"/>
-              </a:rPr>
-              <a:t>Click to edit the notes format</a:t>
-            </a:r>
-            <a:endParaRPr b="0" lang="en-IN" sz="2000" spc="-1" strike="noStrike">
-              <a:latin typeface="Arial"/>
-            </a:endParaRPr>
-          </a:p>
-        </p:txBody>
-      </p:sp>
-      <p:sp>
-        <p:nvSpPr>
-          <p:cNvPr id="84" name="PlaceHolder 3"/>
-          <p:cNvSpPr>
-            <a:spLocks noGrp="1"/>
-          </p:cNvSpPr>
-          <p:nvPr>
-            <p:ph type="hdr"/>
-          </p:nvPr>
-        </p:nvSpPr>
-        <p:spPr>
-          <a:xfrm>
-            <a:off x="0" y="0"/>
-            <a:ext cx="3280680" cy="534240"/>
-          </a:xfrm>
-          <a:prstGeom prst="rect">
-            <a:avLst/>
-          </a:prstGeom>
-        </p:spPr>
-        <p:txBody>
-          <a:bodyPr lIns="0" rIns="0" tIns="0" bIns="0"/>
-          <a:p>
-            <a:r>
-              <a:rPr b="0" lang="en-IN" sz="1400" spc="-1" strike="noStrike">
-                <a:latin typeface="Times New Roman"/>
-              </a:rPr>
-              <a:t>&lt;header&gt;</a:t>
-            </a:r>
-            <a:endParaRPr b="0" lang="en-IN" sz="1400" spc="-1" strike="noStrike">
-              <a:latin typeface="Times New Roman"/>
-            </a:endParaRPr>
-          </a:p>
-        </p:txBody>
-      </p:sp>
-      <p:sp>
-        <p:nvSpPr>
-          <p:cNvPr id="85" name="PlaceHolder 4"/>
-          <p:cNvSpPr>
-            <a:spLocks noGrp="1"/>
-          </p:cNvSpPr>
-          <p:nvPr>
-            <p:ph type="dt"/>
-          </p:nvPr>
-        </p:nvSpPr>
-        <p:spPr>
-          <a:xfrm>
-            <a:off x="4278960" y="0"/>
-            <a:ext cx="3280680" cy="534240"/>
-          </a:xfrm>
-          <a:prstGeom prst="rect">
-            <a:avLst/>
-          </a:prstGeom>
-        </p:spPr>
-        <p:txBody>
-          <a:bodyPr lIns="0" rIns="0" tIns="0" bIns="0"/>
-          <a:p>
-            <a:pPr algn="r"/>
-            <a:r>
-              <a:rPr b="0" lang="en-IN" sz="1400" spc="-1" strike="noStrike">
-                <a:latin typeface="Times New Roman"/>
-              </a:rPr>
-              <a:t>&lt;date/time&gt;</a:t>
-            </a:r>
-            <a:endParaRPr b="0" lang="en-IN" sz="1400" spc="-1" strike="noStrike">
-              <a:latin typeface="Times New Roman"/>
-            </a:endParaRPr>
-          </a:p>
-        </p:txBody>
-      </p:sp>
-      <p:sp>
-        <p:nvSpPr>
-          <p:cNvPr id="86" name="PlaceHolder 5"/>
-          <p:cNvSpPr>
-            <a:spLocks noGrp="1"/>
-          </p:cNvSpPr>
-          <p:nvPr>
-            <p:ph type="ftr"/>
-          </p:nvPr>
-        </p:nvSpPr>
-        <p:spPr>
-          <a:xfrm>
-            <a:off x="0" y="10157400"/>
-            <a:ext cx="3280680" cy="534240"/>
-          </a:xfrm>
-          <a:prstGeom prst="rect">
-            <a:avLst/>
-          </a:prstGeom>
-        </p:spPr>
-        <p:txBody>
-          <a:bodyPr lIns="0" rIns="0" tIns="0" bIns="0" anchor="b"/>
-          <a:p>
-            <a:r>
-              <a:rPr b="0" lang="en-IN" sz="1400" spc="-1" strike="noStrike">
-                <a:latin typeface="Times New Roman"/>
-              </a:rPr>
-              <a:t>&lt;footer&gt;</a:t>
-            </a:r>
-            <a:endParaRPr b="0" lang="en-IN" sz="1400" spc="-1" strike="noStrike">
-              <a:latin typeface="Times New Roman"/>
-            </a:endParaRPr>
-          </a:p>
-        </p:txBody>
-      </p:sp>
-      <p:sp>
-        <p:nvSpPr>
-          <p:cNvPr id="87" name="PlaceHolder 6"/>
-          <p:cNvSpPr>
-            <a:spLocks noGrp="1"/>
-          </p:cNvSpPr>
-          <p:nvPr>
-            <p:ph type="sldNum"/>
-          </p:nvPr>
-        </p:nvSpPr>
-        <p:spPr>
-          <a:xfrm>
-            <a:off x="4278960" y="10157400"/>
-            <a:ext cx="3280680" cy="534240"/>
-          </a:xfrm>
-          <a:prstGeom prst="rect">
-            <a:avLst/>
-          </a:prstGeom>
-        </p:spPr>
-        <p:txBody>
-          <a:bodyPr lIns="0" rIns="0" tIns="0" bIns="0" anchor="b"/>
-          <a:p>
-            <a:pPr algn="r"/>
-            <a:fld id="{8B8D10AC-E8AB-4736-BE3A-C45DE3CFB2FE}" type="slidenum">
-              <a:rPr b="0" lang="en-IN" sz="1400" spc="-1" strike="noStrike">
-                <a:latin typeface="Times New Roman"/>
-              </a:rPr>
-              <a:t>&lt;number&gt;</a:t>
-            </a:fld>
-            <a:endParaRPr b="0" lang="en-IN" sz="1400" spc="-1" strike="noStrike">
-              <a:latin typeface="Times New Roman"/>
-            </a:endParaRPr>
-          </a:p>
-        </p:txBody>
-      </p:sp>
-    </p:spTree>
-  </p:cSld>
-  <p:clrMap bg1="lt1" bg2="lt2" tx1="dk1" tx2="dk2" accent1="accent1" accent2="accent2" accent3="accent3" accent4="accent4" accent5="accent5" accent6="accent6" hlink="hlink" folHlink="folHlink"/>
-</p:notesMaster>
-</file>
-
-<file path=ppt/notesSlides/notesSlide8.xml><?xml version="1.0" encoding="utf-8"?>
-<p:notes xmlns:a="http://schemas.openxmlformats.org/drawingml/2006/main" xmlns:p="http://schemas.openxmlformats.org/presentationml/2006/main" xmlns:r="http://schemas.openxmlformats.org/officeDocument/2006/relationships" xmlns:p14="http://schemas.microsoft.com/office/powerpoint/2010/main" xmlns:p15="http://schemas.microsoft.com/office/powerpoint/2012/main" xmlns:mc="http://schemas.openxmlformats.org/markup-compatibility/2006">
-  <p:cSld>
-    <p:spTree>
-      <p:nvGrpSpPr>
-        <p:cNvPr id="1" name=""/>
-        <p:cNvGrpSpPr/>
-        <p:nvPr/>
-      </p:nvGrpSpPr>
-      <p:grpSpPr>
-        <a:xfrm>
-          <a:off x="0" y="0"/>
-          <a:ext cx="0" cy="0"/>
-          <a:chOff x="0" y="0"/>
-          <a:chExt cx="0" cy="0"/>
-        </a:xfrm>
-      </p:grpSpPr>
-      <p:sp>
-        <p:nvSpPr>
-          <p:cNvPr id="114" name="PlaceHolder 1"/>
-          <p:cNvSpPr>
-            <a:spLocks noGrp="1"/>
-          </p:cNvSpPr>
-          <p:nvPr>
-            <p:ph type="sldImg"/>
-          </p:nvPr>
-        </p:nvSpPr>
-        <p:spPr>
-          <a:xfrm>
-            <a:off x="685800" y="1143000"/>
-            <a:ext cx="5486040" cy="3085920"/>
-          </a:xfrm>
-          <a:prstGeom prst="rect">
-            <a:avLst/>
-          </a:prstGeom>
-        </p:spPr>
-      </p:sp>
-      <p:sp>
-        <p:nvSpPr>
-          <p:cNvPr id="115" name="PlaceHolder 2"/>
-          <p:cNvSpPr>
-            <a:spLocks noGrp="1"/>
-          </p:cNvSpPr>
-          <p:nvPr>
-            <p:ph type="body"/>
-          </p:nvPr>
-        </p:nvSpPr>
-        <p:spPr>
-          <a:xfrm>
-            <a:off x="685800" y="4400640"/>
-            <a:ext cx="5486040" cy="3600000"/>
-          </a:xfrm>
-          <a:prstGeom prst="rect">
-            <a:avLst/>
-          </a:prstGeom>
-        </p:spPr>
-        <p:txBody>
-          <a:bodyPr/>
-          <a:p>
-            <a:endParaRPr b="0" lang="en-IN" sz="2000" spc="-1" strike="noStrike">
-              <a:latin typeface="Arial"/>
-            </a:endParaRPr>
-          </a:p>
-        </p:txBody>
-      </p:sp>
-      <p:sp>
-        <p:nvSpPr>
-          <p:cNvPr id="116" name="TextShape 3"/>
-          <p:cNvSpPr txBox="1"/>
-          <p:nvPr/>
-        </p:nvSpPr>
-        <p:spPr>
-          <a:xfrm>
-            <a:off x="3884760" y="8685360"/>
-            <a:ext cx="2971440" cy="458280"/>
-          </a:xfrm>
-          <a:prstGeom prst="rect">
-            <a:avLst/>
-          </a:prstGeom>
-          <a:noFill/>
-          <a:ln>
-            <a:noFill/>
-          </a:ln>
-        </p:spPr>
-        <p:txBody>
-          <a:bodyPr anchor="b"/>
-          <a:p>
-            <a:pPr algn="r">
-              <a:lnSpc>
-                <a:spcPct val="100000"/>
-              </a:lnSpc>
-            </a:pPr>
-            <a:fld id="{B9AEEBC3-3968-420E-8BF6-16DF814DF23E}" type="slidenum">
-              <a:rPr b="0" lang="en-IN" sz="1200" spc="-1" strike="noStrike">
-                <a:solidFill>
-                  <a:srgbClr val="000000"/>
-                </a:solidFill>
-                <a:latin typeface="+mn-lt"/>
-                <a:ea typeface="+mn-ea"/>
-              </a:rPr>
-              <a:t>&lt;number&gt;</a:t>
-            </a:fld>
-            <a:endParaRPr b="0" lang="en-IN" sz="1200" spc="-1" strike="noStrike">
-              <a:latin typeface="Times New Roman"/>
-            </a:endParaRPr>
-          </a:p>
-        </p:txBody>
-      </p:sp>
-    </p:spTree>
-  </p:cSld>
-</p:notes>
 </file>
 
 <file path=ppt/slideLayouts/slideLayout1.xml><?xml version="1.0" encoding="utf-8"?>
@@ -419,7 +67,7 @@
       </p:grpSpPr>
       <p:sp>
         <p:nvSpPr>
-          <p:cNvPr id="26" name="PlaceHolder 1"/>
+          <p:cNvPr id="23" name="PlaceHolder 1"/>
           <p:cNvSpPr>
             <a:spLocks noGrp="1"/>
           </p:cNvSpPr>
@@ -429,8 +77,8 @@
         </p:nvSpPr>
         <p:spPr>
           <a:xfrm>
-            <a:off x="838080" y="365040"/>
-            <a:ext cx="10515240" cy="1325160"/>
+            <a:off x="609480" y="273600"/>
+            <a:ext cx="10972440" cy="1144800"/>
           </a:xfrm>
           <a:prstGeom prst="rect">
             <a:avLst/>
@@ -439,18 +87,16 @@
         <p:txBody>
           <a:bodyPr lIns="0" rIns="0" tIns="0" bIns="0" anchor="ctr"/>
           <a:p>
-            <a:endParaRPr b="0" lang="en-US" sz="1800" spc="-1" strike="noStrike">
-              <a:solidFill>
-                <a:srgbClr val="000000"/>
-              </a:solidFill>
-              <a:latin typeface="Calibri"/>
-            </a:endParaRPr>
-          </a:p>
-        </p:txBody>
-      </p:sp>
-      <p:sp>
-        <p:nvSpPr>
-          <p:cNvPr id="27" name="PlaceHolder 2"/>
+            <a:pPr algn="ctr"/>
+            <a:endParaRPr b="0" lang="en-IN" sz="4400" spc="-1" strike="noStrike">
+              <a:latin typeface="Arial"/>
+            </a:endParaRPr>
+          </a:p>
+        </p:txBody>
+      </p:sp>
+      <p:sp>
+        <p:nvSpPr>
+          <p:cNvPr id="24" name="PlaceHolder 2"/>
           <p:cNvSpPr>
             <a:spLocks noGrp="1"/>
           </p:cNvSpPr>
@@ -460,8 +106,8 @@
         </p:nvSpPr>
         <p:spPr>
           <a:xfrm>
-            <a:off x="838080" y="1825560"/>
-            <a:ext cx="10515240" cy="2075040"/>
+            <a:off x="609480" y="1604520"/>
+            <a:ext cx="10972440" cy="1896840"/>
           </a:xfrm>
           <a:prstGeom prst="rect">
             <a:avLst/>
@@ -472,18 +118,15 @@
             <a:normAutofit/>
           </a:bodyPr>
           <a:p>
-            <a:endParaRPr b="0" lang="en-US" sz="2800" spc="-1" strike="noStrike">
-              <a:solidFill>
-                <a:srgbClr val="000000"/>
-              </a:solidFill>
-              <a:latin typeface="Calibri"/>
-            </a:endParaRPr>
-          </a:p>
-        </p:txBody>
-      </p:sp>
-      <p:sp>
-        <p:nvSpPr>
-          <p:cNvPr id="28" name="PlaceHolder 3"/>
+            <a:endParaRPr b="0" lang="en-IN" sz="3200" spc="-1" strike="noStrike">
+              <a:latin typeface="Arial"/>
+            </a:endParaRPr>
+          </a:p>
+        </p:txBody>
+      </p:sp>
+      <p:sp>
+        <p:nvSpPr>
+          <p:cNvPr id="25" name="PlaceHolder 3"/>
           <p:cNvSpPr>
             <a:spLocks noGrp="1"/>
           </p:cNvSpPr>
@@ -493,8 +136,8 @@
         </p:nvSpPr>
         <p:spPr>
           <a:xfrm>
-            <a:off x="838080" y="4098240"/>
-            <a:ext cx="10515240" cy="2075040"/>
+            <a:off x="609480" y="3682080"/>
+            <a:ext cx="10972440" cy="1896840"/>
           </a:xfrm>
           <a:prstGeom prst="rect">
             <a:avLst/>
@@ -505,11 +148,8 @@
             <a:normAutofit/>
           </a:bodyPr>
           <a:p>
-            <a:endParaRPr b="0" lang="en-US" sz="2800" spc="-1" strike="noStrike">
-              <a:solidFill>
-                <a:srgbClr val="000000"/>
-              </a:solidFill>
-              <a:latin typeface="Calibri"/>
+            <a:endParaRPr b="0" lang="en-IN" sz="3200" spc="-1" strike="noStrike">
+              <a:latin typeface="Arial"/>
             </a:endParaRPr>
           </a:p>
         </p:txBody>
@@ -538,7 +178,7 @@
       </p:grpSpPr>
       <p:sp>
         <p:nvSpPr>
-          <p:cNvPr id="29" name="PlaceHolder 1"/>
+          <p:cNvPr id="26" name="PlaceHolder 1"/>
           <p:cNvSpPr>
             <a:spLocks noGrp="1"/>
           </p:cNvSpPr>
@@ -548,8 +188,8 @@
         </p:nvSpPr>
         <p:spPr>
           <a:xfrm>
-            <a:off x="838080" y="365040"/>
-            <a:ext cx="10515240" cy="1325160"/>
+            <a:off x="609480" y="273600"/>
+            <a:ext cx="10972440" cy="1144800"/>
           </a:xfrm>
           <a:prstGeom prst="rect">
             <a:avLst/>
@@ -558,18 +198,16 @@
         <p:txBody>
           <a:bodyPr lIns="0" rIns="0" tIns="0" bIns="0" anchor="ctr"/>
           <a:p>
-            <a:endParaRPr b="0" lang="en-US" sz="1800" spc="-1" strike="noStrike">
-              <a:solidFill>
-                <a:srgbClr val="000000"/>
-              </a:solidFill>
-              <a:latin typeface="Calibri"/>
-            </a:endParaRPr>
-          </a:p>
-        </p:txBody>
-      </p:sp>
-      <p:sp>
-        <p:nvSpPr>
-          <p:cNvPr id="30" name="PlaceHolder 2"/>
+            <a:pPr algn="ctr"/>
+            <a:endParaRPr b="0" lang="en-IN" sz="4400" spc="-1" strike="noStrike">
+              <a:latin typeface="Arial"/>
+            </a:endParaRPr>
+          </a:p>
+        </p:txBody>
+      </p:sp>
+      <p:sp>
+        <p:nvSpPr>
+          <p:cNvPr id="27" name="PlaceHolder 2"/>
           <p:cNvSpPr>
             <a:spLocks noGrp="1"/>
           </p:cNvSpPr>
@@ -579,8 +217,8 @@
         </p:nvSpPr>
         <p:spPr>
           <a:xfrm>
-            <a:off x="838080" y="1825560"/>
-            <a:ext cx="5131080" cy="2075040"/>
+            <a:off x="609480" y="1604520"/>
+            <a:ext cx="5354280" cy="1896840"/>
           </a:xfrm>
           <a:prstGeom prst="rect">
             <a:avLst/>
@@ -591,18 +229,15 @@
             <a:normAutofit/>
           </a:bodyPr>
           <a:p>
-            <a:endParaRPr b="0" lang="en-US" sz="2800" spc="-1" strike="noStrike">
-              <a:solidFill>
-                <a:srgbClr val="000000"/>
-              </a:solidFill>
-              <a:latin typeface="Calibri"/>
-            </a:endParaRPr>
-          </a:p>
-        </p:txBody>
-      </p:sp>
-      <p:sp>
-        <p:nvSpPr>
-          <p:cNvPr id="31" name="PlaceHolder 3"/>
+            <a:endParaRPr b="0" lang="en-IN" sz="3200" spc="-1" strike="noStrike">
+              <a:latin typeface="Arial"/>
+            </a:endParaRPr>
+          </a:p>
+        </p:txBody>
+      </p:sp>
+      <p:sp>
+        <p:nvSpPr>
+          <p:cNvPr id="28" name="PlaceHolder 3"/>
           <p:cNvSpPr>
             <a:spLocks noGrp="1"/>
           </p:cNvSpPr>
@@ -612,8 +247,8 @@
         </p:nvSpPr>
         <p:spPr>
           <a:xfrm>
-            <a:off x="6226200" y="1825560"/>
-            <a:ext cx="5131080" cy="2075040"/>
+            <a:off x="6231960" y="1604520"/>
+            <a:ext cx="5354280" cy="1896840"/>
           </a:xfrm>
           <a:prstGeom prst="rect">
             <a:avLst/>
@@ -624,18 +259,15 @@
             <a:normAutofit/>
           </a:bodyPr>
           <a:p>
-            <a:endParaRPr b="0" lang="en-US" sz="2800" spc="-1" strike="noStrike">
-              <a:solidFill>
-                <a:srgbClr val="000000"/>
-              </a:solidFill>
-              <a:latin typeface="Calibri"/>
-            </a:endParaRPr>
-          </a:p>
-        </p:txBody>
-      </p:sp>
-      <p:sp>
-        <p:nvSpPr>
-          <p:cNvPr id="32" name="PlaceHolder 4"/>
+            <a:endParaRPr b="0" lang="en-IN" sz="3200" spc="-1" strike="noStrike">
+              <a:latin typeface="Arial"/>
+            </a:endParaRPr>
+          </a:p>
+        </p:txBody>
+      </p:sp>
+      <p:sp>
+        <p:nvSpPr>
+          <p:cNvPr id="29" name="PlaceHolder 4"/>
           <p:cNvSpPr>
             <a:spLocks noGrp="1"/>
           </p:cNvSpPr>
@@ -645,8 +277,8 @@
         </p:nvSpPr>
         <p:spPr>
           <a:xfrm>
-            <a:off x="838080" y="4098240"/>
-            <a:ext cx="5131080" cy="2075040"/>
+            <a:off x="609480" y="3682080"/>
+            <a:ext cx="5354280" cy="1896840"/>
           </a:xfrm>
           <a:prstGeom prst="rect">
             <a:avLst/>
@@ -657,18 +289,15 @@
             <a:normAutofit/>
           </a:bodyPr>
           <a:p>
-            <a:endParaRPr b="0" lang="en-US" sz="2800" spc="-1" strike="noStrike">
-              <a:solidFill>
-                <a:srgbClr val="000000"/>
-              </a:solidFill>
-              <a:latin typeface="Calibri"/>
-            </a:endParaRPr>
-          </a:p>
-        </p:txBody>
-      </p:sp>
-      <p:sp>
-        <p:nvSpPr>
-          <p:cNvPr id="33" name="PlaceHolder 5"/>
+            <a:endParaRPr b="0" lang="en-IN" sz="3200" spc="-1" strike="noStrike">
+              <a:latin typeface="Arial"/>
+            </a:endParaRPr>
+          </a:p>
+        </p:txBody>
+      </p:sp>
+      <p:sp>
+        <p:nvSpPr>
+          <p:cNvPr id="30" name="PlaceHolder 5"/>
           <p:cNvSpPr>
             <a:spLocks noGrp="1"/>
           </p:cNvSpPr>
@@ -678,8 +307,8 @@
         </p:nvSpPr>
         <p:spPr>
           <a:xfrm>
-            <a:off x="6226200" y="4098240"/>
-            <a:ext cx="5131080" cy="2075040"/>
+            <a:off x="6231960" y="3682080"/>
+            <a:ext cx="5354280" cy="1896840"/>
           </a:xfrm>
           <a:prstGeom prst="rect">
             <a:avLst/>
@@ -690,11 +319,8 @@
             <a:normAutofit/>
           </a:bodyPr>
           <a:p>
-            <a:endParaRPr b="0" lang="en-US" sz="2800" spc="-1" strike="noStrike">
-              <a:solidFill>
-                <a:srgbClr val="000000"/>
-              </a:solidFill>
-              <a:latin typeface="Calibri"/>
+            <a:endParaRPr b="0" lang="en-IN" sz="3200" spc="-1" strike="noStrike">
+              <a:latin typeface="Arial"/>
             </a:endParaRPr>
           </a:p>
         </p:txBody>
@@ -723,7 +349,7 @@
       </p:grpSpPr>
       <p:sp>
         <p:nvSpPr>
-          <p:cNvPr id="34" name="PlaceHolder 1"/>
+          <p:cNvPr id="31" name="PlaceHolder 1"/>
           <p:cNvSpPr>
             <a:spLocks noGrp="1"/>
           </p:cNvSpPr>
@@ -733,8 +359,8 @@
         </p:nvSpPr>
         <p:spPr>
           <a:xfrm>
-            <a:off x="838080" y="365040"/>
-            <a:ext cx="10515240" cy="1325160"/>
+            <a:off x="609480" y="273600"/>
+            <a:ext cx="10972440" cy="1144800"/>
           </a:xfrm>
           <a:prstGeom prst="rect">
             <a:avLst/>
@@ -743,18 +369,16 @@
         <p:txBody>
           <a:bodyPr lIns="0" rIns="0" tIns="0" bIns="0" anchor="ctr"/>
           <a:p>
-            <a:endParaRPr b="0" lang="en-US" sz="1800" spc="-1" strike="noStrike">
-              <a:solidFill>
-                <a:srgbClr val="000000"/>
-              </a:solidFill>
-              <a:latin typeface="Calibri"/>
-            </a:endParaRPr>
-          </a:p>
-        </p:txBody>
-      </p:sp>
-      <p:sp>
-        <p:nvSpPr>
-          <p:cNvPr id="35" name="PlaceHolder 2"/>
+            <a:pPr algn="ctr"/>
+            <a:endParaRPr b="0" lang="en-IN" sz="4400" spc="-1" strike="noStrike">
+              <a:latin typeface="Arial"/>
+            </a:endParaRPr>
+          </a:p>
+        </p:txBody>
+      </p:sp>
+      <p:sp>
+        <p:nvSpPr>
+          <p:cNvPr id="32" name="PlaceHolder 2"/>
           <p:cNvSpPr>
             <a:spLocks noGrp="1"/>
           </p:cNvSpPr>
@@ -764,8 +388,8 @@
         </p:nvSpPr>
         <p:spPr>
           <a:xfrm>
-            <a:off x="838080" y="1825560"/>
-            <a:ext cx="3385800" cy="2075040"/>
+            <a:off x="609480" y="1604520"/>
+            <a:ext cx="3533040" cy="1896840"/>
           </a:xfrm>
           <a:prstGeom prst="rect">
             <a:avLst/>
@@ -776,18 +400,15 @@
             <a:normAutofit/>
           </a:bodyPr>
           <a:p>
-            <a:endParaRPr b="0" lang="en-US" sz="2800" spc="-1" strike="noStrike">
-              <a:solidFill>
-                <a:srgbClr val="000000"/>
-              </a:solidFill>
-              <a:latin typeface="Calibri"/>
-            </a:endParaRPr>
-          </a:p>
-        </p:txBody>
-      </p:sp>
-      <p:sp>
-        <p:nvSpPr>
-          <p:cNvPr id="36" name="PlaceHolder 3"/>
+            <a:endParaRPr b="0" lang="en-IN" sz="3200" spc="-1" strike="noStrike">
+              <a:latin typeface="Arial"/>
+            </a:endParaRPr>
+          </a:p>
+        </p:txBody>
+      </p:sp>
+      <p:sp>
+        <p:nvSpPr>
+          <p:cNvPr id="33" name="PlaceHolder 3"/>
           <p:cNvSpPr>
             <a:spLocks noGrp="1"/>
           </p:cNvSpPr>
@@ -797,8 +418,8 @@
         </p:nvSpPr>
         <p:spPr>
           <a:xfrm>
-            <a:off x="4393440" y="1825560"/>
-            <a:ext cx="3385800" cy="2075040"/>
+            <a:off x="4319640" y="1604520"/>
+            <a:ext cx="3533040" cy="1896840"/>
           </a:xfrm>
           <a:prstGeom prst="rect">
             <a:avLst/>
@@ -809,18 +430,15 @@
             <a:normAutofit/>
           </a:bodyPr>
           <a:p>
-            <a:endParaRPr b="0" lang="en-US" sz="2800" spc="-1" strike="noStrike">
-              <a:solidFill>
-                <a:srgbClr val="000000"/>
-              </a:solidFill>
-              <a:latin typeface="Calibri"/>
-            </a:endParaRPr>
-          </a:p>
-        </p:txBody>
-      </p:sp>
-      <p:sp>
-        <p:nvSpPr>
-          <p:cNvPr id="37" name="PlaceHolder 4"/>
+            <a:endParaRPr b="0" lang="en-IN" sz="3200" spc="-1" strike="noStrike">
+              <a:latin typeface="Arial"/>
+            </a:endParaRPr>
+          </a:p>
+        </p:txBody>
+      </p:sp>
+      <p:sp>
+        <p:nvSpPr>
+          <p:cNvPr id="34" name="PlaceHolder 4"/>
           <p:cNvSpPr>
             <a:spLocks noGrp="1"/>
           </p:cNvSpPr>
@@ -830,8 +448,8 @@
         </p:nvSpPr>
         <p:spPr>
           <a:xfrm>
-            <a:off x="7949160" y="1825560"/>
-            <a:ext cx="3385800" cy="2075040"/>
+            <a:off x="8029800" y="1604520"/>
+            <a:ext cx="3533040" cy="1896840"/>
           </a:xfrm>
           <a:prstGeom prst="rect">
             <a:avLst/>
@@ -842,18 +460,15 @@
             <a:normAutofit/>
           </a:bodyPr>
           <a:p>
-            <a:endParaRPr b="0" lang="en-US" sz="2800" spc="-1" strike="noStrike">
-              <a:solidFill>
-                <a:srgbClr val="000000"/>
-              </a:solidFill>
-              <a:latin typeface="Calibri"/>
-            </a:endParaRPr>
-          </a:p>
-        </p:txBody>
-      </p:sp>
-      <p:sp>
-        <p:nvSpPr>
-          <p:cNvPr id="38" name="PlaceHolder 5"/>
+            <a:endParaRPr b="0" lang="en-IN" sz="3200" spc="-1" strike="noStrike">
+              <a:latin typeface="Arial"/>
+            </a:endParaRPr>
+          </a:p>
+        </p:txBody>
+      </p:sp>
+      <p:sp>
+        <p:nvSpPr>
+          <p:cNvPr id="35" name="PlaceHolder 5"/>
           <p:cNvSpPr>
             <a:spLocks noGrp="1"/>
           </p:cNvSpPr>
@@ -863,8 +478,8 @@
         </p:nvSpPr>
         <p:spPr>
           <a:xfrm>
-            <a:off x="838080" y="4098240"/>
-            <a:ext cx="3385800" cy="2075040"/>
+            <a:off x="609480" y="3682080"/>
+            <a:ext cx="3533040" cy="1896840"/>
           </a:xfrm>
           <a:prstGeom prst="rect">
             <a:avLst/>
@@ -875,18 +490,15 @@
             <a:normAutofit/>
           </a:bodyPr>
           <a:p>
-            <a:endParaRPr b="0" lang="en-US" sz="2800" spc="-1" strike="noStrike">
-              <a:solidFill>
-                <a:srgbClr val="000000"/>
-              </a:solidFill>
-              <a:latin typeface="Calibri"/>
-            </a:endParaRPr>
-          </a:p>
-        </p:txBody>
-      </p:sp>
-      <p:sp>
-        <p:nvSpPr>
-          <p:cNvPr id="39" name="PlaceHolder 6"/>
+            <a:endParaRPr b="0" lang="en-IN" sz="3200" spc="-1" strike="noStrike">
+              <a:latin typeface="Arial"/>
+            </a:endParaRPr>
+          </a:p>
+        </p:txBody>
+      </p:sp>
+      <p:sp>
+        <p:nvSpPr>
+          <p:cNvPr id="36" name="PlaceHolder 6"/>
           <p:cNvSpPr>
             <a:spLocks noGrp="1"/>
           </p:cNvSpPr>
@@ -896,8 +508,8 @@
         </p:nvSpPr>
         <p:spPr>
           <a:xfrm>
-            <a:off x="4393440" y="4098240"/>
-            <a:ext cx="3385800" cy="2075040"/>
+            <a:off x="4319640" y="3682080"/>
+            <a:ext cx="3533040" cy="1896840"/>
           </a:xfrm>
           <a:prstGeom prst="rect">
             <a:avLst/>
@@ -908,18 +520,15 @@
             <a:normAutofit/>
           </a:bodyPr>
           <a:p>
-            <a:endParaRPr b="0" lang="en-US" sz="2800" spc="-1" strike="noStrike">
-              <a:solidFill>
-                <a:srgbClr val="000000"/>
-              </a:solidFill>
-              <a:latin typeface="Calibri"/>
-            </a:endParaRPr>
-          </a:p>
-        </p:txBody>
-      </p:sp>
-      <p:sp>
-        <p:nvSpPr>
-          <p:cNvPr id="40" name="PlaceHolder 7"/>
+            <a:endParaRPr b="0" lang="en-IN" sz="3200" spc="-1" strike="noStrike">
+              <a:latin typeface="Arial"/>
+            </a:endParaRPr>
+          </a:p>
+        </p:txBody>
+      </p:sp>
+      <p:sp>
+        <p:nvSpPr>
+          <p:cNvPr id="37" name="PlaceHolder 7"/>
           <p:cNvSpPr>
             <a:spLocks noGrp="1"/>
           </p:cNvSpPr>
@@ -929,8 +538,8 @@
         </p:nvSpPr>
         <p:spPr>
           <a:xfrm>
-            <a:off x="7949160" y="4098240"/>
-            <a:ext cx="3385800" cy="2075040"/>
+            <a:off x="8029800" y="3682080"/>
+            <a:ext cx="3533040" cy="1896840"/>
           </a:xfrm>
           <a:prstGeom prst="rect">
             <a:avLst/>
@@ -941,11 +550,8 @@
             <a:normAutofit/>
           </a:bodyPr>
           <a:p>
-            <a:endParaRPr b="0" lang="en-US" sz="2800" spc="-1" strike="noStrike">
-              <a:solidFill>
-                <a:srgbClr val="000000"/>
-              </a:solidFill>
-              <a:latin typeface="Calibri"/>
+            <a:endParaRPr b="0" lang="en-IN" sz="3200" spc="-1" strike="noStrike">
+              <a:latin typeface="Arial"/>
             </a:endParaRPr>
           </a:p>
         </p:txBody>
@@ -996,7 +602,7 @@
       </p:grpSpPr>
       <p:sp>
         <p:nvSpPr>
-          <p:cNvPr id="46" name="PlaceHolder 1"/>
+          <p:cNvPr id="40" name="PlaceHolder 1"/>
           <p:cNvSpPr>
             <a:spLocks noGrp="1"/>
           </p:cNvSpPr>
@@ -1006,8 +612,8 @@
         </p:nvSpPr>
         <p:spPr>
           <a:xfrm>
-            <a:off x="838080" y="365040"/>
-            <a:ext cx="10515240" cy="1325160"/>
+            <a:off x="609480" y="273600"/>
+            <a:ext cx="10972440" cy="1144800"/>
           </a:xfrm>
           <a:prstGeom prst="rect">
             <a:avLst/>
@@ -1016,18 +622,16 @@
         <p:txBody>
           <a:bodyPr lIns="0" rIns="0" tIns="0" bIns="0" anchor="ctr"/>
           <a:p>
-            <a:endParaRPr b="0" lang="en-US" sz="1800" spc="-1" strike="noStrike">
-              <a:solidFill>
-                <a:srgbClr val="000000"/>
-              </a:solidFill>
-              <a:latin typeface="Calibri"/>
-            </a:endParaRPr>
-          </a:p>
-        </p:txBody>
-      </p:sp>
-      <p:sp>
-        <p:nvSpPr>
-          <p:cNvPr id="47" name="PlaceHolder 2"/>
+            <a:pPr algn="ctr"/>
+            <a:endParaRPr b="0" lang="en-IN" sz="4400" spc="-1" strike="noStrike">
+              <a:latin typeface="Arial"/>
+            </a:endParaRPr>
+          </a:p>
+        </p:txBody>
+      </p:sp>
+      <p:sp>
+        <p:nvSpPr>
+          <p:cNvPr id="41" name="PlaceHolder 2"/>
           <p:cNvSpPr>
             <a:spLocks noGrp="1"/>
           </p:cNvSpPr>
@@ -1037,8 +641,8 @@
         </p:nvSpPr>
         <p:spPr>
           <a:xfrm>
-            <a:off x="838080" y="1825560"/>
-            <a:ext cx="10515240" cy="4350960"/>
+            <a:off x="609480" y="1604520"/>
+            <a:ext cx="10972440" cy="3977280"/>
           </a:xfrm>
           <a:prstGeom prst="rect">
             <a:avLst/>
@@ -1078,7 +682,7 @@
       </p:grpSpPr>
       <p:sp>
         <p:nvSpPr>
-          <p:cNvPr id="48" name="PlaceHolder 1"/>
+          <p:cNvPr id="42" name="PlaceHolder 1"/>
           <p:cNvSpPr>
             <a:spLocks noGrp="1"/>
           </p:cNvSpPr>
@@ -1088,8 +692,8 @@
         </p:nvSpPr>
         <p:spPr>
           <a:xfrm>
-            <a:off x="838080" y="365040"/>
-            <a:ext cx="10515240" cy="1325160"/>
+            <a:off x="609480" y="273600"/>
+            <a:ext cx="10972440" cy="1144800"/>
           </a:xfrm>
           <a:prstGeom prst="rect">
             <a:avLst/>
@@ -1098,18 +702,16 @@
         <p:txBody>
           <a:bodyPr lIns="0" rIns="0" tIns="0" bIns="0" anchor="ctr"/>
           <a:p>
-            <a:endParaRPr b="0" lang="en-US" sz="1800" spc="-1" strike="noStrike">
-              <a:solidFill>
-                <a:srgbClr val="000000"/>
-              </a:solidFill>
-              <a:latin typeface="Calibri"/>
-            </a:endParaRPr>
-          </a:p>
-        </p:txBody>
-      </p:sp>
-      <p:sp>
-        <p:nvSpPr>
-          <p:cNvPr id="49" name="PlaceHolder 2"/>
+            <a:pPr algn="ctr"/>
+            <a:endParaRPr b="0" lang="en-IN" sz="4400" spc="-1" strike="noStrike">
+              <a:latin typeface="Arial"/>
+            </a:endParaRPr>
+          </a:p>
+        </p:txBody>
+      </p:sp>
+      <p:sp>
+        <p:nvSpPr>
+          <p:cNvPr id="43" name="PlaceHolder 2"/>
           <p:cNvSpPr>
             <a:spLocks noGrp="1"/>
           </p:cNvSpPr>
@@ -1119,8 +721,8 @@
         </p:nvSpPr>
         <p:spPr>
           <a:xfrm>
-            <a:off x="838080" y="1825560"/>
-            <a:ext cx="10515240" cy="4350960"/>
+            <a:off x="609480" y="1604520"/>
+            <a:ext cx="10972440" cy="3977280"/>
           </a:xfrm>
           <a:prstGeom prst="rect">
             <a:avLst/>
@@ -1131,11 +733,8 @@
             <a:normAutofit/>
           </a:bodyPr>
           <a:p>
-            <a:endParaRPr b="0" lang="en-US" sz="2800" spc="-1" strike="noStrike">
-              <a:solidFill>
-                <a:srgbClr val="000000"/>
-              </a:solidFill>
-              <a:latin typeface="Calibri"/>
+            <a:endParaRPr b="0" lang="en-IN" sz="3200" spc="-1" strike="noStrike">
+              <a:latin typeface="Arial"/>
             </a:endParaRPr>
           </a:p>
         </p:txBody>
@@ -1164,7 +763,7 @@
       </p:grpSpPr>
       <p:sp>
         <p:nvSpPr>
-          <p:cNvPr id="50" name="PlaceHolder 1"/>
+          <p:cNvPr id="44" name="PlaceHolder 1"/>
           <p:cNvSpPr>
             <a:spLocks noGrp="1"/>
           </p:cNvSpPr>
@@ -1174,8 +773,8 @@
         </p:nvSpPr>
         <p:spPr>
           <a:xfrm>
-            <a:off x="838080" y="365040"/>
-            <a:ext cx="10515240" cy="1325160"/>
+            <a:off x="609480" y="273600"/>
+            <a:ext cx="10972440" cy="1144800"/>
           </a:xfrm>
           <a:prstGeom prst="rect">
             <a:avLst/>
@@ -1184,18 +783,16 @@
         <p:txBody>
           <a:bodyPr lIns="0" rIns="0" tIns="0" bIns="0" anchor="ctr"/>
           <a:p>
-            <a:endParaRPr b="0" lang="en-US" sz="1800" spc="-1" strike="noStrike">
-              <a:solidFill>
-                <a:srgbClr val="000000"/>
-              </a:solidFill>
-              <a:latin typeface="Calibri"/>
-            </a:endParaRPr>
-          </a:p>
-        </p:txBody>
-      </p:sp>
-      <p:sp>
-        <p:nvSpPr>
-          <p:cNvPr id="51" name="PlaceHolder 2"/>
+            <a:pPr algn="ctr"/>
+            <a:endParaRPr b="0" lang="en-IN" sz="4400" spc="-1" strike="noStrike">
+              <a:latin typeface="Arial"/>
+            </a:endParaRPr>
+          </a:p>
+        </p:txBody>
+      </p:sp>
+      <p:sp>
+        <p:nvSpPr>
+          <p:cNvPr id="45" name="PlaceHolder 2"/>
           <p:cNvSpPr>
             <a:spLocks noGrp="1"/>
           </p:cNvSpPr>
@@ -1205,8 +802,8 @@
         </p:nvSpPr>
         <p:spPr>
           <a:xfrm>
-            <a:off x="838080" y="1825560"/>
-            <a:ext cx="5131080" cy="4350960"/>
+            <a:off x="609480" y="1604520"/>
+            <a:ext cx="5354280" cy="3977280"/>
           </a:xfrm>
           <a:prstGeom prst="rect">
             <a:avLst/>
@@ -1217,18 +814,15 @@
             <a:normAutofit/>
           </a:bodyPr>
           <a:p>
-            <a:endParaRPr b="0" lang="en-US" sz="2800" spc="-1" strike="noStrike">
-              <a:solidFill>
-                <a:srgbClr val="000000"/>
-              </a:solidFill>
-              <a:latin typeface="Calibri"/>
-            </a:endParaRPr>
-          </a:p>
-        </p:txBody>
-      </p:sp>
-      <p:sp>
-        <p:nvSpPr>
-          <p:cNvPr id="52" name="PlaceHolder 3"/>
+            <a:endParaRPr b="0" lang="en-IN" sz="3200" spc="-1" strike="noStrike">
+              <a:latin typeface="Arial"/>
+            </a:endParaRPr>
+          </a:p>
+        </p:txBody>
+      </p:sp>
+      <p:sp>
+        <p:nvSpPr>
+          <p:cNvPr id="46" name="PlaceHolder 3"/>
           <p:cNvSpPr>
             <a:spLocks noGrp="1"/>
           </p:cNvSpPr>
@@ -1238,8 +832,8 @@
         </p:nvSpPr>
         <p:spPr>
           <a:xfrm>
-            <a:off x="6226200" y="1825560"/>
-            <a:ext cx="5131080" cy="4350960"/>
+            <a:off x="6231960" y="1604520"/>
+            <a:ext cx="5354280" cy="3977280"/>
           </a:xfrm>
           <a:prstGeom prst="rect">
             <a:avLst/>
@@ -1250,11 +844,8 @@
             <a:normAutofit/>
           </a:bodyPr>
           <a:p>
-            <a:endParaRPr b="0" lang="en-US" sz="2800" spc="-1" strike="noStrike">
-              <a:solidFill>
-                <a:srgbClr val="000000"/>
-              </a:solidFill>
-              <a:latin typeface="Calibri"/>
+            <a:endParaRPr b="0" lang="en-IN" sz="3200" spc="-1" strike="noStrike">
+              <a:latin typeface="Arial"/>
             </a:endParaRPr>
           </a:p>
         </p:txBody>
@@ -1283,7 +874,7 @@
       </p:grpSpPr>
       <p:sp>
         <p:nvSpPr>
-          <p:cNvPr id="53" name="PlaceHolder 1"/>
+          <p:cNvPr id="47" name="PlaceHolder 1"/>
           <p:cNvSpPr>
             <a:spLocks noGrp="1"/>
           </p:cNvSpPr>
@@ -1293,8 +884,8 @@
         </p:nvSpPr>
         <p:spPr>
           <a:xfrm>
-            <a:off x="838080" y="365040"/>
-            <a:ext cx="10515240" cy="1325160"/>
+            <a:off x="609480" y="273600"/>
+            <a:ext cx="10972440" cy="1144800"/>
           </a:xfrm>
           <a:prstGeom prst="rect">
             <a:avLst/>
@@ -1303,11 +894,9 @@
         <p:txBody>
           <a:bodyPr lIns="0" rIns="0" tIns="0" bIns="0" anchor="ctr"/>
           <a:p>
-            <a:endParaRPr b="0" lang="en-US" sz="1800" spc="-1" strike="noStrike">
-              <a:solidFill>
-                <a:srgbClr val="000000"/>
-              </a:solidFill>
-              <a:latin typeface="Calibri"/>
+            <a:pPr algn="ctr"/>
+            <a:endParaRPr b="0" lang="en-IN" sz="4400" spc="-1" strike="noStrike">
+              <a:latin typeface="Arial"/>
             </a:endParaRPr>
           </a:p>
         </p:txBody>
@@ -1336,7 +925,7 @@
       </p:grpSpPr>
       <p:sp>
         <p:nvSpPr>
-          <p:cNvPr id="54" name="PlaceHolder 1"/>
+          <p:cNvPr id="48" name="PlaceHolder 1"/>
           <p:cNvSpPr>
             <a:spLocks noGrp="1"/>
           </p:cNvSpPr>
@@ -1346,8 +935,8 @@
         </p:nvSpPr>
         <p:spPr>
           <a:xfrm>
-            <a:off x="838080" y="365040"/>
-            <a:ext cx="10515240" cy="6144120"/>
+            <a:off x="609480" y="273600"/>
+            <a:ext cx="10972440" cy="5307840"/>
           </a:xfrm>
           <a:prstGeom prst="rect">
             <a:avLst/>
@@ -1387,7 +976,7 @@
       </p:grpSpPr>
       <p:sp>
         <p:nvSpPr>
-          <p:cNvPr id="55" name="PlaceHolder 1"/>
+          <p:cNvPr id="49" name="PlaceHolder 1"/>
           <p:cNvSpPr>
             <a:spLocks noGrp="1"/>
           </p:cNvSpPr>
@@ -1397,8 +986,8 @@
         </p:nvSpPr>
         <p:spPr>
           <a:xfrm>
-            <a:off x="838080" y="365040"/>
-            <a:ext cx="10515240" cy="1325160"/>
+            <a:off x="609480" y="273600"/>
+            <a:ext cx="10972440" cy="1144800"/>
           </a:xfrm>
           <a:prstGeom prst="rect">
             <a:avLst/>
@@ -1407,18 +996,16 @@
         <p:txBody>
           <a:bodyPr lIns="0" rIns="0" tIns="0" bIns="0" anchor="ctr"/>
           <a:p>
-            <a:endParaRPr b="0" lang="en-US" sz="1800" spc="-1" strike="noStrike">
-              <a:solidFill>
-                <a:srgbClr val="000000"/>
-              </a:solidFill>
-              <a:latin typeface="Calibri"/>
-            </a:endParaRPr>
-          </a:p>
-        </p:txBody>
-      </p:sp>
-      <p:sp>
-        <p:nvSpPr>
-          <p:cNvPr id="56" name="PlaceHolder 2"/>
+            <a:pPr algn="ctr"/>
+            <a:endParaRPr b="0" lang="en-IN" sz="4400" spc="-1" strike="noStrike">
+              <a:latin typeface="Arial"/>
+            </a:endParaRPr>
+          </a:p>
+        </p:txBody>
+      </p:sp>
+      <p:sp>
+        <p:nvSpPr>
+          <p:cNvPr id="50" name="PlaceHolder 2"/>
           <p:cNvSpPr>
             <a:spLocks noGrp="1"/>
           </p:cNvSpPr>
@@ -1428,8 +1015,8 @@
         </p:nvSpPr>
         <p:spPr>
           <a:xfrm>
-            <a:off x="838080" y="1825560"/>
-            <a:ext cx="5131080" cy="2075040"/>
+            <a:off x="609480" y="1604520"/>
+            <a:ext cx="5354280" cy="1896840"/>
           </a:xfrm>
           <a:prstGeom prst="rect">
             <a:avLst/>
@@ -1440,18 +1027,15 @@
             <a:normAutofit/>
           </a:bodyPr>
           <a:p>
-            <a:endParaRPr b="0" lang="en-US" sz="2800" spc="-1" strike="noStrike">
-              <a:solidFill>
-                <a:srgbClr val="000000"/>
-              </a:solidFill>
-              <a:latin typeface="Calibri"/>
-            </a:endParaRPr>
-          </a:p>
-        </p:txBody>
-      </p:sp>
-      <p:sp>
-        <p:nvSpPr>
-          <p:cNvPr id="57" name="PlaceHolder 3"/>
+            <a:endParaRPr b="0" lang="en-IN" sz="3200" spc="-1" strike="noStrike">
+              <a:latin typeface="Arial"/>
+            </a:endParaRPr>
+          </a:p>
+        </p:txBody>
+      </p:sp>
+      <p:sp>
+        <p:nvSpPr>
+          <p:cNvPr id="51" name="PlaceHolder 3"/>
           <p:cNvSpPr>
             <a:spLocks noGrp="1"/>
           </p:cNvSpPr>
@@ -1461,8 +1045,8 @@
         </p:nvSpPr>
         <p:spPr>
           <a:xfrm>
-            <a:off x="6226200" y="1825560"/>
-            <a:ext cx="5131080" cy="4350960"/>
+            <a:off x="6231960" y="1604520"/>
+            <a:ext cx="5354280" cy="3977280"/>
           </a:xfrm>
           <a:prstGeom prst="rect">
             <a:avLst/>
@@ -1473,18 +1057,15 @@
             <a:normAutofit/>
           </a:bodyPr>
           <a:p>
-            <a:endParaRPr b="0" lang="en-US" sz="2800" spc="-1" strike="noStrike">
-              <a:solidFill>
-                <a:srgbClr val="000000"/>
-              </a:solidFill>
-              <a:latin typeface="Calibri"/>
-            </a:endParaRPr>
-          </a:p>
-        </p:txBody>
-      </p:sp>
-      <p:sp>
-        <p:nvSpPr>
-          <p:cNvPr id="58" name="PlaceHolder 4"/>
+            <a:endParaRPr b="0" lang="en-IN" sz="3200" spc="-1" strike="noStrike">
+              <a:latin typeface="Arial"/>
+            </a:endParaRPr>
+          </a:p>
+        </p:txBody>
+      </p:sp>
+      <p:sp>
+        <p:nvSpPr>
+          <p:cNvPr id="52" name="PlaceHolder 4"/>
           <p:cNvSpPr>
             <a:spLocks noGrp="1"/>
           </p:cNvSpPr>
@@ -1494,8 +1075,8 @@
         </p:nvSpPr>
         <p:spPr>
           <a:xfrm>
-            <a:off x="838080" y="4098240"/>
-            <a:ext cx="5131080" cy="2075040"/>
+            <a:off x="609480" y="3682080"/>
+            <a:ext cx="5354280" cy="1896840"/>
           </a:xfrm>
           <a:prstGeom prst="rect">
             <a:avLst/>
@@ -1506,11 +1087,8 @@
             <a:normAutofit/>
           </a:bodyPr>
           <a:p>
-            <a:endParaRPr b="0" lang="en-US" sz="2800" spc="-1" strike="noStrike">
-              <a:solidFill>
-                <a:srgbClr val="000000"/>
-              </a:solidFill>
-              <a:latin typeface="Calibri"/>
+            <a:endParaRPr b="0" lang="en-IN" sz="3200" spc="-1" strike="noStrike">
+              <a:latin typeface="Arial"/>
             </a:endParaRPr>
           </a:p>
         </p:txBody>
@@ -1539,7 +1117,7 @@
       </p:grpSpPr>
       <p:sp>
         <p:nvSpPr>
-          <p:cNvPr id="5" name="PlaceHolder 1"/>
+          <p:cNvPr id="2" name="PlaceHolder 1"/>
           <p:cNvSpPr>
             <a:spLocks noGrp="1"/>
           </p:cNvSpPr>
@@ -1549,8 +1127,8 @@
         </p:nvSpPr>
         <p:spPr>
           <a:xfrm>
-            <a:off x="838080" y="365040"/>
-            <a:ext cx="10515240" cy="1325160"/>
+            <a:off x="609480" y="273600"/>
+            <a:ext cx="10972440" cy="1144800"/>
           </a:xfrm>
           <a:prstGeom prst="rect">
             <a:avLst/>
@@ -1559,18 +1137,16 @@
         <p:txBody>
           <a:bodyPr lIns="0" rIns="0" tIns="0" bIns="0" anchor="ctr"/>
           <a:p>
-            <a:endParaRPr b="0" lang="en-US" sz="1800" spc="-1" strike="noStrike">
-              <a:solidFill>
-                <a:srgbClr val="000000"/>
-              </a:solidFill>
-              <a:latin typeface="Calibri"/>
-            </a:endParaRPr>
-          </a:p>
-        </p:txBody>
-      </p:sp>
-      <p:sp>
-        <p:nvSpPr>
-          <p:cNvPr id="6" name="PlaceHolder 2"/>
+            <a:pPr algn="ctr"/>
+            <a:endParaRPr b="0" lang="en-IN" sz="4400" spc="-1" strike="noStrike">
+              <a:latin typeface="Arial"/>
+            </a:endParaRPr>
+          </a:p>
+        </p:txBody>
+      </p:sp>
+      <p:sp>
+        <p:nvSpPr>
+          <p:cNvPr id="3" name="PlaceHolder 2"/>
           <p:cNvSpPr>
             <a:spLocks noGrp="1"/>
           </p:cNvSpPr>
@@ -1580,8 +1156,8 @@
         </p:nvSpPr>
         <p:spPr>
           <a:xfrm>
-            <a:off x="838080" y="1825560"/>
-            <a:ext cx="10515240" cy="4350960"/>
+            <a:off x="609480" y="1604520"/>
+            <a:ext cx="10972440" cy="3977280"/>
           </a:xfrm>
           <a:prstGeom prst="rect">
             <a:avLst/>
@@ -1621,7 +1197,7 @@
       </p:grpSpPr>
       <p:sp>
         <p:nvSpPr>
-          <p:cNvPr id="59" name="PlaceHolder 1"/>
+          <p:cNvPr id="53" name="PlaceHolder 1"/>
           <p:cNvSpPr>
             <a:spLocks noGrp="1"/>
           </p:cNvSpPr>
@@ -1631,8 +1207,8 @@
         </p:nvSpPr>
         <p:spPr>
           <a:xfrm>
-            <a:off x="838080" y="365040"/>
-            <a:ext cx="10515240" cy="1325160"/>
+            <a:off x="609480" y="273600"/>
+            <a:ext cx="10972440" cy="1144800"/>
           </a:xfrm>
           <a:prstGeom prst="rect">
             <a:avLst/>
@@ -1641,18 +1217,16 @@
         <p:txBody>
           <a:bodyPr lIns="0" rIns="0" tIns="0" bIns="0" anchor="ctr"/>
           <a:p>
-            <a:endParaRPr b="0" lang="en-US" sz="1800" spc="-1" strike="noStrike">
-              <a:solidFill>
-                <a:srgbClr val="000000"/>
-              </a:solidFill>
-              <a:latin typeface="Calibri"/>
-            </a:endParaRPr>
-          </a:p>
-        </p:txBody>
-      </p:sp>
-      <p:sp>
-        <p:nvSpPr>
-          <p:cNvPr id="60" name="PlaceHolder 2"/>
+            <a:pPr algn="ctr"/>
+            <a:endParaRPr b="0" lang="en-IN" sz="4400" spc="-1" strike="noStrike">
+              <a:latin typeface="Arial"/>
+            </a:endParaRPr>
+          </a:p>
+        </p:txBody>
+      </p:sp>
+      <p:sp>
+        <p:nvSpPr>
+          <p:cNvPr id="54" name="PlaceHolder 2"/>
           <p:cNvSpPr>
             <a:spLocks noGrp="1"/>
           </p:cNvSpPr>
@@ -1662,8 +1236,8 @@
         </p:nvSpPr>
         <p:spPr>
           <a:xfrm>
-            <a:off x="838080" y="1825560"/>
-            <a:ext cx="5131080" cy="4350960"/>
+            <a:off x="609480" y="1604520"/>
+            <a:ext cx="5354280" cy="3977280"/>
           </a:xfrm>
           <a:prstGeom prst="rect">
             <a:avLst/>
@@ -1674,18 +1248,15 @@
             <a:normAutofit/>
           </a:bodyPr>
           <a:p>
-            <a:endParaRPr b="0" lang="en-US" sz="2800" spc="-1" strike="noStrike">
-              <a:solidFill>
-                <a:srgbClr val="000000"/>
-              </a:solidFill>
-              <a:latin typeface="Calibri"/>
-            </a:endParaRPr>
-          </a:p>
-        </p:txBody>
-      </p:sp>
-      <p:sp>
-        <p:nvSpPr>
-          <p:cNvPr id="61" name="PlaceHolder 3"/>
+            <a:endParaRPr b="0" lang="en-IN" sz="3200" spc="-1" strike="noStrike">
+              <a:latin typeface="Arial"/>
+            </a:endParaRPr>
+          </a:p>
+        </p:txBody>
+      </p:sp>
+      <p:sp>
+        <p:nvSpPr>
+          <p:cNvPr id="55" name="PlaceHolder 3"/>
           <p:cNvSpPr>
             <a:spLocks noGrp="1"/>
           </p:cNvSpPr>
@@ -1695,8 +1266,8 @@
         </p:nvSpPr>
         <p:spPr>
           <a:xfrm>
-            <a:off x="6226200" y="1825560"/>
-            <a:ext cx="5131080" cy="2075040"/>
+            <a:off x="6231960" y="1604520"/>
+            <a:ext cx="5354280" cy="1896840"/>
           </a:xfrm>
           <a:prstGeom prst="rect">
             <a:avLst/>
@@ -1707,18 +1278,15 @@
             <a:normAutofit/>
           </a:bodyPr>
           <a:p>
-            <a:endParaRPr b="0" lang="en-US" sz="2800" spc="-1" strike="noStrike">
-              <a:solidFill>
-                <a:srgbClr val="000000"/>
-              </a:solidFill>
-              <a:latin typeface="Calibri"/>
-            </a:endParaRPr>
-          </a:p>
-        </p:txBody>
-      </p:sp>
-      <p:sp>
-        <p:nvSpPr>
-          <p:cNvPr id="62" name="PlaceHolder 4"/>
+            <a:endParaRPr b="0" lang="en-IN" sz="3200" spc="-1" strike="noStrike">
+              <a:latin typeface="Arial"/>
+            </a:endParaRPr>
+          </a:p>
+        </p:txBody>
+      </p:sp>
+      <p:sp>
+        <p:nvSpPr>
+          <p:cNvPr id="56" name="PlaceHolder 4"/>
           <p:cNvSpPr>
             <a:spLocks noGrp="1"/>
           </p:cNvSpPr>
@@ -1728,8 +1296,8 @@
         </p:nvSpPr>
         <p:spPr>
           <a:xfrm>
-            <a:off x="6226200" y="4098240"/>
-            <a:ext cx="5131080" cy="2075040"/>
+            <a:off x="6231960" y="3682080"/>
+            <a:ext cx="5354280" cy="1896840"/>
           </a:xfrm>
           <a:prstGeom prst="rect">
             <a:avLst/>
@@ -1740,11 +1308,8 @@
             <a:normAutofit/>
           </a:bodyPr>
           <a:p>
-            <a:endParaRPr b="0" lang="en-US" sz="2800" spc="-1" strike="noStrike">
-              <a:solidFill>
-                <a:srgbClr val="000000"/>
-              </a:solidFill>
-              <a:latin typeface="Calibri"/>
+            <a:endParaRPr b="0" lang="en-IN" sz="3200" spc="-1" strike="noStrike">
+              <a:latin typeface="Arial"/>
             </a:endParaRPr>
           </a:p>
         </p:txBody>
@@ -1773,7 +1338,7 @@
       </p:grpSpPr>
       <p:sp>
         <p:nvSpPr>
-          <p:cNvPr id="63" name="PlaceHolder 1"/>
+          <p:cNvPr id="57" name="PlaceHolder 1"/>
           <p:cNvSpPr>
             <a:spLocks noGrp="1"/>
           </p:cNvSpPr>
@@ -1783,8 +1348,8 @@
         </p:nvSpPr>
         <p:spPr>
           <a:xfrm>
-            <a:off x="838080" y="365040"/>
-            <a:ext cx="10515240" cy="1325160"/>
+            <a:off x="609480" y="273600"/>
+            <a:ext cx="10972440" cy="1144800"/>
           </a:xfrm>
           <a:prstGeom prst="rect">
             <a:avLst/>
@@ -1793,18 +1358,16 @@
         <p:txBody>
           <a:bodyPr lIns="0" rIns="0" tIns="0" bIns="0" anchor="ctr"/>
           <a:p>
-            <a:endParaRPr b="0" lang="en-US" sz="1800" spc="-1" strike="noStrike">
-              <a:solidFill>
-                <a:srgbClr val="000000"/>
-              </a:solidFill>
-              <a:latin typeface="Calibri"/>
-            </a:endParaRPr>
-          </a:p>
-        </p:txBody>
-      </p:sp>
-      <p:sp>
-        <p:nvSpPr>
-          <p:cNvPr id="64" name="PlaceHolder 2"/>
+            <a:pPr algn="ctr"/>
+            <a:endParaRPr b="0" lang="en-IN" sz="4400" spc="-1" strike="noStrike">
+              <a:latin typeface="Arial"/>
+            </a:endParaRPr>
+          </a:p>
+        </p:txBody>
+      </p:sp>
+      <p:sp>
+        <p:nvSpPr>
+          <p:cNvPr id="58" name="PlaceHolder 2"/>
           <p:cNvSpPr>
             <a:spLocks noGrp="1"/>
           </p:cNvSpPr>
@@ -1814,8 +1377,8 @@
         </p:nvSpPr>
         <p:spPr>
           <a:xfrm>
-            <a:off x="838080" y="1825560"/>
-            <a:ext cx="5131080" cy="2075040"/>
+            <a:off x="609480" y="1604520"/>
+            <a:ext cx="5354280" cy="1896840"/>
           </a:xfrm>
           <a:prstGeom prst="rect">
             <a:avLst/>
@@ -1826,18 +1389,15 @@
             <a:normAutofit/>
           </a:bodyPr>
           <a:p>
-            <a:endParaRPr b="0" lang="en-US" sz="2800" spc="-1" strike="noStrike">
-              <a:solidFill>
-                <a:srgbClr val="000000"/>
-              </a:solidFill>
-              <a:latin typeface="Calibri"/>
-            </a:endParaRPr>
-          </a:p>
-        </p:txBody>
-      </p:sp>
-      <p:sp>
-        <p:nvSpPr>
-          <p:cNvPr id="65" name="PlaceHolder 3"/>
+            <a:endParaRPr b="0" lang="en-IN" sz="3200" spc="-1" strike="noStrike">
+              <a:latin typeface="Arial"/>
+            </a:endParaRPr>
+          </a:p>
+        </p:txBody>
+      </p:sp>
+      <p:sp>
+        <p:nvSpPr>
+          <p:cNvPr id="59" name="PlaceHolder 3"/>
           <p:cNvSpPr>
             <a:spLocks noGrp="1"/>
           </p:cNvSpPr>
@@ -1847,8 +1407,8 @@
         </p:nvSpPr>
         <p:spPr>
           <a:xfrm>
-            <a:off x="6226200" y="1825560"/>
-            <a:ext cx="5131080" cy="2075040"/>
+            <a:off x="6231960" y="1604520"/>
+            <a:ext cx="5354280" cy="1896840"/>
           </a:xfrm>
           <a:prstGeom prst="rect">
             <a:avLst/>
@@ -1859,18 +1419,15 @@
             <a:normAutofit/>
           </a:bodyPr>
           <a:p>
-            <a:endParaRPr b="0" lang="en-US" sz="2800" spc="-1" strike="noStrike">
-              <a:solidFill>
-                <a:srgbClr val="000000"/>
-              </a:solidFill>
-              <a:latin typeface="Calibri"/>
-            </a:endParaRPr>
-          </a:p>
-        </p:txBody>
-      </p:sp>
-      <p:sp>
-        <p:nvSpPr>
-          <p:cNvPr id="66" name="PlaceHolder 4"/>
+            <a:endParaRPr b="0" lang="en-IN" sz="3200" spc="-1" strike="noStrike">
+              <a:latin typeface="Arial"/>
+            </a:endParaRPr>
+          </a:p>
+        </p:txBody>
+      </p:sp>
+      <p:sp>
+        <p:nvSpPr>
+          <p:cNvPr id="60" name="PlaceHolder 4"/>
           <p:cNvSpPr>
             <a:spLocks noGrp="1"/>
           </p:cNvSpPr>
@@ -1880,8 +1437,8 @@
         </p:nvSpPr>
         <p:spPr>
           <a:xfrm>
-            <a:off x="838080" y="4098240"/>
-            <a:ext cx="10515240" cy="2075040"/>
+            <a:off x="609480" y="3682080"/>
+            <a:ext cx="10972440" cy="1896840"/>
           </a:xfrm>
           <a:prstGeom prst="rect">
             <a:avLst/>
@@ -1892,11 +1449,8 @@
             <a:normAutofit/>
           </a:bodyPr>
           <a:p>
-            <a:endParaRPr b="0" lang="en-US" sz="2800" spc="-1" strike="noStrike">
-              <a:solidFill>
-                <a:srgbClr val="000000"/>
-              </a:solidFill>
-              <a:latin typeface="Calibri"/>
+            <a:endParaRPr b="0" lang="en-IN" sz="3200" spc="-1" strike="noStrike">
+              <a:latin typeface="Arial"/>
             </a:endParaRPr>
           </a:p>
         </p:txBody>
@@ -1925,7 +1479,7 @@
       </p:grpSpPr>
       <p:sp>
         <p:nvSpPr>
-          <p:cNvPr id="67" name="PlaceHolder 1"/>
+          <p:cNvPr id="61" name="PlaceHolder 1"/>
           <p:cNvSpPr>
             <a:spLocks noGrp="1"/>
           </p:cNvSpPr>
@@ -1935,8 +1489,8 @@
         </p:nvSpPr>
         <p:spPr>
           <a:xfrm>
-            <a:off x="838080" y="365040"/>
-            <a:ext cx="10515240" cy="1325160"/>
+            <a:off x="609480" y="273600"/>
+            <a:ext cx="10972440" cy="1144800"/>
           </a:xfrm>
           <a:prstGeom prst="rect">
             <a:avLst/>
@@ -1945,18 +1499,16 @@
         <p:txBody>
           <a:bodyPr lIns="0" rIns="0" tIns="0" bIns="0" anchor="ctr"/>
           <a:p>
-            <a:endParaRPr b="0" lang="en-US" sz="1800" spc="-1" strike="noStrike">
-              <a:solidFill>
-                <a:srgbClr val="000000"/>
-              </a:solidFill>
-              <a:latin typeface="Calibri"/>
-            </a:endParaRPr>
-          </a:p>
-        </p:txBody>
-      </p:sp>
-      <p:sp>
-        <p:nvSpPr>
-          <p:cNvPr id="68" name="PlaceHolder 2"/>
+            <a:pPr algn="ctr"/>
+            <a:endParaRPr b="0" lang="en-IN" sz="4400" spc="-1" strike="noStrike">
+              <a:latin typeface="Arial"/>
+            </a:endParaRPr>
+          </a:p>
+        </p:txBody>
+      </p:sp>
+      <p:sp>
+        <p:nvSpPr>
+          <p:cNvPr id="62" name="PlaceHolder 2"/>
           <p:cNvSpPr>
             <a:spLocks noGrp="1"/>
           </p:cNvSpPr>
@@ -1966,8 +1518,8 @@
         </p:nvSpPr>
         <p:spPr>
           <a:xfrm>
-            <a:off x="838080" y="1825560"/>
-            <a:ext cx="10515240" cy="2075040"/>
+            <a:off x="609480" y="1604520"/>
+            <a:ext cx="10972440" cy="1896840"/>
           </a:xfrm>
           <a:prstGeom prst="rect">
             <a:avLst/>
@@ -1978,18 +1530,15 @@
             <a:normAutofit/>
           </a:bodyPr>
           <a:p>
-            <a:endParaRPr b="0" lang="en-US" sz="2800" spc="-1" strike="noStrike">
-              <a:solidFill>
-                <a:srgbClr val="000000"/>
-              </a:solidFill>
-              <a:latin typeface="Calibri"/>
-            </a:endParaRPr>
-          </a:p>
-        </p:txBody>
-      </p:sp>
-      <p:sp>
-        <p:nvSpPr>
-          <p:cNvPr id="69" name="PlaceHolder 3"/>
+            <a:endParaRPr b="0" lang="en-IN" sz="3200" spc="-1" strike="noStrike">
+              <a:latin typeface="Arial"/>
+            </a:endParaRPr>
+          </a:p>
+        </p:txBody>
+      </p:sp>
+      <p:sp>
+        <p:nvSpPr>
+          <p:cNvPr id="63" name="PlaceHolder 3"/>
           <p:cNvSpPr>
             <a:spLocks noGrp="1"/>
           </p:cNvSpPr>
@@ -1999,8 +1548,8 @@
         </p:nvSpPr>
         <p:spPr>
           <a:xfrm>
-            <a:off x="838080" y="4098240"/>
-            <a:ext cx="10515240" cy="2075040"/>
+            <a:off x="609480" y="3682080"/>
+            <a:ext cx="10972440" cy="1896840"/>
           </a:xfrm>
           <a:prstGeom prst="rect">
             <a:avLst/>
@@ -2011,11 +1560,8 @@
             <a:normAutofit/>
           </a:bodyPr>
           <a:p>
-            <a:endParaRPr b="0" lang="en-US" sz="2800" spc="-1" strike="noStrike">
-              <a:solidFill>
-                <a:srgbClr val="000000"/>
-              </a:solidFill>
-              <a:latin typeface="Calibri"/>
+            <a:endParaRPr b="0" lang="en-IN" sz="3200" spc="-1" strike="noStrike">
+              <a:latin typeface="Arial"/>
             </a:endParaRPr>
           </a:p>
         </p:txBody>
@@ -2044,7 +1590,7 @@
       </p:grpSpPr>
       <p:sp>
         <p:nvSpPr>
-          <p:cNvPr id="70" name="PlaceHolder 1"/>
+          <p:cNvPr id="64" name="PlaceHolder 1"/>
           <p:cNvSpPr>
             <a:spLocks noGrp="1"/>
           </p:cNvSpPr>
@@ -2054,8 +1600,8 @@
         </p:nvSpPr>
         <p:spPr>
           <a:xfrm>
-            <a:off x="838080" y="365040"/>
-            <a:ext cx="10515240" cy="1325160"/>
+            <a:off x="609480" y="273600"/>
+            <a:ext cx="10972440" cy="1144800"/>
           </a:xfrm>
           <a:prstGeom prst="rect">
             <a:avLst/>
@@ -2064,18 +1610,16 @@
         <p:txBody>
           <a:bodyPr lIns="0" rIns="0" tIns="0" bIns="0" anchor="ctr"/>
           <a:p>
-            <a:endParaRPr b="0" lang="en-US" sz="1800" spc="-1" strike="noStrike">
-              <a:solidFill>
-                <a:srgbClr val="000000"/>
-              </a:solidFill>
-              <a:latin typeface="Calibri"/>
-            </a:endParaRPr>
-          </a:p>
-        </p:txBody>
-      </p:sp>
-      <p:sp>
-        <p:nvSpPr>
-          <p:cNvPr id="71" name="PlaceHolder 2"/>
+            <a:pPr algn="ctr"/>
+            <a:endParaRPr b="0" lang="en-IN" sz="4400" spc="-1" strike="noStrike">
+              <a:latin typeface="Arial"/>
+            </a:endParaRPr>
+          </a:p>
+        </p:txBody>
+      </p:sp>
+      <p:sp>
+        <p:nvSpPr>
+          <p:cNvPr id="65" name="PlaceHolder 2"/>
           <p:cNvSpPr>
             <a:spLocks noGrp="1"/>
           </p:cNvSpPr>
@@ -2085,8 +1629,8 @@
         </p:nvSpPr>
         <p:spPr>
           <a:xfrm>
-            <a:off x="838080" y="1825560"/>
-            <a:ext cx="5131080" cy="2075040"/>
+            <a:off x="609480" y="1604520"/>
+            <a:ext cx="5354280" cy="1896840"/>
           </a:xfrm>
           <a:prstGeom prst="rect">
             <a:avLst/>
@@ -2097,18 +1641,15 @@
             <a:normAutofit/>
           </a:bodyPr>
           <a:p>
-            <a:endParaRPr b="0" lang="en-US" sz="2800" spc="-1" strike="noStrike">
-              <a:solidFill>
-                <a:srgbClr val="000000"/>
-              </a:solidFill>
-              <a:latin typeface="Calibri"/>
-            </a:endParaRPr>
-          </a:p>
-        </p:txBody>
-      </p:sp>
-      <p:sp>
-        <p:nvSpPr>
-          <p:cNvPr id="72" name="PlaceHolder 3"/>
+            <a:endParaRPr b="0" lang="en-IN" sz="3200" spc="-1" strike="noStrike">
+              <a:latin typeface="Arial"/>
+            </a:endParaRPr>
+          </a:p>
+        </p:txBody>
+      </p:sp>
+      <p:sp>
+        <p:nvSpPr>
+          <p:cNvPr id="66" name="PlaceHolder 3"/>
           <p:cNvSpPr>
             <a:spLocks noGrp="1"/>
           </p:cNvSpPr>
@@ -2118,8 +1659,8 @@
         </p:nvSpPr>
         <p:spPr>
           <a:xfrm>
-            <a:off x="6226200" y="1825560"/>
-            <a:ext cx="5131080" cy="2075040"/>
+            <a:off x="6231960" y="1604520"/>
+            <a:ext cx="5354280" cy="1896840"/>
           </a:xfrm>
           <a:prstGeom prst="rect">
             <a:avLst/>
@@ -2130,18 +1671,15 @@
             <a:normAutofit/>
           </a:bodyPr>
           <a:p>
-            <a:endParaRPr b="0" lang="en-US" sz="2800" spc="-1" strike="noStrike">
-              <a:solidFill>
-                <a:srgbClr val="000000"/>
-              </a:solidFill>
-              <a:latin typeface="Calibri"/>
-            </a:endParaRPr>
-          </a:p>
-        </p:txBody>
-      </p:sp>
-      <p:sp>
-        <p:nvSpPr>
-          <p:cNvPr id="73" name="PlaceHolder 4"/>
+            <a:endParaRPr b="0" lang="en-IN" sz="3200" spc="-1" strike="noStrike">
+              <a:latin typeface="Arial"/>
+            </a:endParaRPr>
+          </a:p>
+        </p:txBody>
+      </p:sp>
+      <p:sp>
+        <p:nvSpPr>
+          <p:cNvPr id="67" name="PlaceHolder 4"/>
           <p:cNvSpPr>
             <a:spLocks noGrp="1"/>
           </p:cNvSpPr>
@@ -2151,8 +1689,8 @@
         </p:nvSpPr>
         <p:spPr>
           <a:xfrm>
-            <a:off x="838080" y="4098240"/>
-            <a:ext cx="5131080" cy="2075040"/>
+            <a:off x="609480" y="3682080"/>
+            <a:ext cx="5354280" cy="1896840"/>
           </a:xfrm>
           <a:prstGeom prst="rect">
             <a:avLst/>
@@ -2163,18 +1701,15 @@
             <a:normAutofit/>
           </a:bodyPr>
           <a:p>
-            <a:endParaRPr b="0" lang="en-US" sz="2800" spc="-1" strike="noStrike">
-              <a:solidFill>
-                <a:srgbClr val="000000"/>
-              </a:solidFill>
-              <a:latin typeface="Calibri"/>
-            </a:endParaRPr>
-          </a:p>
-        </p:txBody>
-      </p:sp>
-      <p:sp>
-        <p:nvSpPr>
-          <p:cNvPr id="74" name="PlaceHolder 5"/>
+            <a:endParaRPr b="0" lang="en-IN" sz="3200" spc="-1" strike="noStrike">
+              <a:latin typeface="Arial"/>
+            </a:endParaRPr>
+          </a:p>
+        </p:txBody>
+      </p:sp>
+      <p:sp>
+        <p:nvSpPr>
+          <p:cNvPr id="68" name="PlaceHolder 5"/>
           <p:cNvSpPr>
             <a:spLocks noGrp="1"/>
           </p:cNvSpPr>
@@ -2184,8 +1719,8 @@
         </p:nvSpPr>
         <p:spPr>
           <a:xfrm>
-            <a:off x="6226200" y="4098240"/>
-            <a:ext cx="5131080" cy="2075040"/>
+            <a:off x="6231960" y="3682080"/>
+            <a:ext cx="5354280" cy="1896840"/>
           </a:xfrm>
           <a:prstGeom prst="rect">
             <a:avLst/>
@@ -2196,11 +1731,8 @@
             <a:normAutofit/>
           </a:bodyPr>
           <a:p>
-            <a:endParaRPr b="0" lang="en-US" sz="2800" spc="-1" strike="noStrike">
-              <a:solidFill>
-                <a:srgbClr val="000000"/>
-              </a:solidFill>
-              <a:latin typeface="Calibri"/>
+            <a:endParaRPr b="0" lang="en-IN" sz="3200" spc="-1" strike="noStrike">
+              <a:latin typeface="Arial"/>
             </a:endParaRPr>
           </a:p>
         </p:txBody>
@@ -2229,7 +1761,7 @@
       </p:grpSpPr>
       <p:sp>
         <p:nvSpPr>
-          <p:cNvPr id="75" name="PlaceHolder 1"/>
+          <p:cNvPr id="69" name="PlaceHolder 1"/>
           <p:cNvSpPr>
             <a:spLocks noGrp="1"/>
           </p:cNvSpPr>
@@ -2239,8 +1771,8 @@
         </p:nvSpPr>
         <p:spPr>
           <a:xfrm>
-            <a:off x="838080" y="365040"/>
-            <a:ext cx="10515240" cy="1325160"/>
+            <a:off x="609480" y="273600"/>
+            <a:ext cx="10972440" cy="1144800"/>
           </a:xfrm>
           <a:prstGeom prst="rect">
             <a:avLst/>
@@ -2249,18 +1781,16 @@
         <p:txBody>
           <a:bodyPr lIns="0" rIns="0" tIns="0" bIns="0" anchor="ctr"/>
           <a:p>
-            <a:endParaRPr b="0" lang="en-US" sz="1800" spc="-1" strike="noStrike">
-              <a:solidFill>
-                <a:srgbClr val="000000"/>
-              </a:solidFill>
-              <a:latin typeface="Calibri"/>
-            </a:endParaRPr>
-          </a:p>
-        </p:txBody>
-      </p:sp>
-      <p:sp>
-        <p:nvSpPr>
-          <p:cNvPr id="76" name="PlaceHolder 2"/>
+            <a:pPr algn="ctr"/>
+            <a:endParaRPr b="0" lang="en-IN" sz="4400" spc="-1" strike="noStrike">
+              <a:latin typeface="Arial"/>
+            </a:endParaRPr>
+          </a:p>
+        </p:txBody>
+      </p:sp>
+      <p:sp>
+        <p:nvSpPr>
+          <p:cNvPr id="70" name="PlaceHolder 2"/>
           <p:cNvSpPr>
             <a:spLocks noGrp="1"/>
           </p:cNvSpPr>
@@ -2270,8 +1800,8 @@
         </p:nvSpPr>
         <p:spPr>
           <a:xfrm>
-            <a:off x="838080" y="1825560"/>
-            <a:ext cx="3385800" cy="2075040"/>
+            <a:off x="609480" y="1604520"/>
+            <a:ext cx="3533040" cy="1896840"/>
           </a:xfrm>
           <a:prstGeom prst="rect">
             <a:avLst/>
@@ -2282,18 +1812,15 @@
             <a:normAutofit/>
           </a:bodyPr>
           <a:p>
-            <a:endParaRPr b="0" lang="en-US" sz="2800" spc="-1" strike="noStrike">
-              <a:solidFill>
-                <a:srgbClr val="000000"/>
-              </a:solidFill>
-              <a:latin typeface="Calibri"/>
-            </a:endParaRPr>
-          </a:p>
-        </p:txBody>
-      </p:sp>
-      <p:sp>
-        <p:nvSpPr>
-          <p:cNvPr id="77" name="PlaceHolder 3"/>
+            <a:endParaRPr b="0" lang="en-IN" sz="3200" spc="-1" strike="noStrike">
+              <a:latin typeface="Arial"/>
+            </a:endParaRPr>
+          </a:p>
+        </p:txBody>
+      </p:sp>
+      <p:sp>
+        <p:nvSpPr>
+          <p:cNvPr id="71" name="PlaceHolder 3"/>
           <p:cNvSpPr>
             <a:spLocks noGrp="1"/>
           </p:cNvSpPr>
@@ -2303,8 +1830,8 @@
         </p:nvSpPr>
         <p:spPr>
           <a:xfrm>
-            <a:off x="4393440" y="1825560"/>
-            <a:ext cx="3385800" cy="2075040"/>
+            <a:off x="4319640" y="1604520"/>
+            <a:ext cx="3533040" cy="1896840"/>
           </a:xfrm>
           <a:prstGeom prst="rect">
             <a:avLst/>
@@ -2315,18 +1842,15 @@
             <a:normAutofit/>
           </a:bodyPr>
           <a:p>
-            <a:endParaRPr b="0" lang="en-US" sz="2800" spc="-1" strike="noStrike">
-              <a:solidFill>
-                <a:srgbClr val="000000"/>
-              </a:solidFill>
-              <a:latin typeface="Calibri"/>
-            </a:endParaRPr>
-          </a:p>
-        </p:txBody>
-      </p:sp>
-      <p:sp>
-        <p:nvSpPr>
-          <p:cNvPr id="78" name="PlaceHolder 4"/>
+            <a:endParaRPr b="0" lang="en-IN" sz="3200" spc="-1" strike="noStrike">
+              <a:latin typeface="Arial"/>
+            </a:endParaRPr>
+          </a:p>
+        </p:txBody>
+      </p:sp>
+      <p:sp>
+        <p:nvSpPr>
+          <p:cNvPr id="72" name="PlaceHolder 4"/>
           <p:cNvSpPr>
             <a:spLocks noGrp="1"/>
           </p:cNvSpPr>
@@ -2336,8 +1860,8 @@
         </p:nvSpPr>
         <p:spPr>
           <a:xfrm>
-            <a:off x="7949160" y="1825560"/>
-            <a:ext cx="3385800" cy="2075040"/>
+            <a:off x="8029800" y="1604520"/>
+            <a:ext cx="3533040" cy="1896840"/>
           </a:xfrm>
           <a:prstGeom prst="rect">
             <a:avLst/>
@@ -2348,18 +1872,15 @@
             <a:normAutofit/>
           </a:bodyPr>
           <a:p>
-            <a:endParaRPr b="0" lang="en-US" sz="2800" spc="-1" strike="noStrike">
-              <a:solidFill>
-                <a:srgbClr val="000000"/>
-              </a:solidFill>
-              <a:latin typeface="Calibri"/>
-            </a:endParaRPr>
-          </a:p>
-        </p:txBody>
-      </p:sp>
-      <p:sp>
-        <p:nvSpPr>
-          <p:cNvPr id="79" name="PlaceHolder 5"/>
+            <a:endParaRPr b="0" lang="en-IN" sz="3200" spc="-1" strike="noStrike">
+              <a:latin typeface="Arial"/>
+            </a:endParaRPr>
+          </a:p>
+        </p:txBody>
+      </p:sp>
+      <p:sp>
+        <p:nvSpPr>
+          <p:cNvPr id="73" name="PlaceHolder 5"/>
           <p:cNvSpPr>
             <a:spLocks noGrp="1"/>
           </p:cNvSpPr>
@@ -2369,8 +1890,8 @@
         </p:nvSpPr>
         <p:spPr>
           <a:xfrm>
-            <a:off x="838080" y="4098240"/>
-            <a:ext cx="3385800" cy="2075040"/>
+            <a:off x="609480" y="3682080"/>
+            <a:ext cx="3533040" cy="1896840"/>
           </a:xfrm>
           <a:prstGeom prst="rect">
             <a:avLst/>
@@ -2381,18 +1902,15 @@
             <a:normAutofit/>
           </a:bodyPr>
           <a:p>
-            <a:endParaRPr b="0" lang="en-US" sz="2800" spc="-1" strike="noStrike">
-              <a:solidFill>
-                <a:srgbClr val="000000"/>
-              </a:solidFill>
-              <a:latin typeface="Calibri"/>
-            </a:endParaRPr>
-          </a:p>
-        </p:txBody>
-      </p:sp>
-      <p:sp>
-        <p:nvSpPr>
-          <p:cNvPr id="80" name="PlaceHolder 6"/>
+            <a:endParaRPr b="0" lang="en-IN" sz="3200" spc="-1" strike="noStrike">
+              <a:latin typeface="Arial"/>
+            </a:endParaRPr>
+          </a:p>
+        </p:txBody>
+      </p:sp>
+      <p:sp>
+        <p:nvSpPr>
+          <p:cNvPr id="74" name="PlaceHolder 6"/>
           <p:cNvSpPr>
             <a:spLocks noGrp="1"/>
           </p:cNvSpPr>
@@ -2402,8 +1920,8 @@
         </p:nvSpPr>
         <p:spPr>
           <a:xfrm>
-            <a:off x="4393440" y="4098240"/>
-            <a:ext cx="3385800" cy="2075040"/>
+            <a:off x="4319640" y="3682080"/>
+            <a:ext cx="3533040" cy="1896840"/>
           </a:xfrm>
           <a:prstGeom prst="rect">
             <a:avLst/>
@@ -2414,18 +1932,15 @@
             <a:normAutofit/>
           </a:bodyPr>
           <a:p>
-            <a:endParaRPr b="0" lang="en-US" sz="2800" spc="-1" strike="noStrike">
-              <a:solidFill>
-                <a:srgbClr val="000000"/>
-              </a:solidFill>
-              <a:latin typeface="Calibri"/>
-            </a:endParaRPr>
-          </a:p>
-        </p:txBody>
-      </p:sp>
-      <p:sp>
-        <p:nvSpPr>
-          <p:cNvPr id="81" name="PlaceHolder 7"/>
+            <a:endParaRPr b="0" lang="en-IN" sz="3200" spc="-1" strike="noStrike">
+              <a:latin typeface="Arial"/>
+            </a:endParaRPr>
+          </a:p>
+        </p:txBody>
+      </p:sp>
+      <p:sp>
+        <p:nvSpPr>
+          <p:cNvPr id="75" name="PlaceHolder 7"/>
           <p:cNvSpPr>
             <a:spLocks noGrp="1"/>
           </p:cNvSpPr>
@@ -2435,8 +1950,8 @@
         </p:nvSpPr>
         <p:spPr>
           <a:xfrm>
-            <a:off x="7949160" y="4098240"/>
-            <a:ext cx="3385800" cy="2075040"/>
+            <a:off x="8029800" y="3682080"/>
+            <a:ext cx="3533040" cy="1896840"/>
           </a:xfrm>
           <a:prstGeom prst="rect">
             <a:avLst/>
@@ -2447,11 +1962,8 @@
             <a:normAutofit/>
           </a:bodyPr>
           <a:p>
-            <a:endParaRPr b="0" lang="en-US" sz="2800" spc="-1" strike="noStrike">
-              <a:solidFill>
-                <a:srgbClr val="000000"/>
-              </a:solidFill>
-              <a:latin typeface="Calibri"/>
+            <a:endParaRPr b="0" lang="en-IN" sz="3200" spc="-1" strike="noStrike">
+              <a:latin typeface="Arial"/>
             </a:endParaRPr>
           </a:p>
         </p:txBody>
@@ -2480,7 +1992,7 @@
       </p:grpSpPr>
       <p:sp>
         <p:nvSpPr>
-          <p:cNvPr id="7" name="PlaceHolder 1"/>
+          <p:cNvPr id="4" name="PlaceHolder 1"/>
           <p:cNvSpPr>
             <a:spLocks noGrp="1"/>
           </p:cNvSpPr>
@@ -2490,8 +2002,8 @@
         </p:nvSpPr>
         <p:spPr>
           <a:xfrm>
-            <a:off x="838080" y="365040"/>
-            <a:ext cx="10515240" cy="1325160"/>
+            <a:off x="609480" y="273600"/>
+            <a:ext cx="10972440" cy="1144800"/>
           </a:xfrm>
           <a:prstGeom prst="rect">
             <a:avLst/>
@@ -2500,18 +2012,16 @@
         <p:txBody>
           <a:bodyPr lIns="0" rIns="0" tIns="0" bIns="0" anchor="ctr"/>
           <a:p>
-            <a:endParaRPr b="0" lang="en-US" sz="1800" spc="-1" strike="noStrike">
-              <a:solidFill>
-                <a:srgbClr val="000000"/>
-              </a:solidFill>
-              <a:latin typeface="Calibri"/>
-            </a:endParaRPr>
-          </a:p>
-        </p:txBody>
-      </p:sp>
-      <p:sp>
-        <p:nvSpPr>
-          <p:cNvPr id="8" name="PlaceHolder 2"/>
+            <a:pPr algn="ctr"/>
+            <a:endParaRPr b="0" lang="en-IN" sz="4400" spc="-1" strike="noStrike">
+              <a:latin typeface="Arial"/>
+            </a:endParaRPr>
+          </a:p>
+        </p:txBody>
+      </p:sp>
+      <p:sp>
+        <p:nvSpPr>
+          <p:cNvPr id="5" name="PlaceHolder 2"/>
           <p:cNvSpPr>
             <a:spLocks noGrp="1"/>
           </p:cNvSpPr>
@@ -2521,8 +2031,8 @@
         </p:nvSpPr>
         <p:spPr>
           <a:xfrm>
-            <a:off x="838080" y="1825560"/>
-            <a:ext cx="10515240" cy="4350960"/>
+            <a:off x="609480" y="1604520"/>
+            <a:ext cx="10972440" cy="3977280"/>
           </a:xfrm>
           <a:prstGeom prst="rect">
             <a:avLst/>
@@ -2533,11 +2043,8 @@
             <a:normAutofit/>
           </a:bodyPr>
           <a:p>
-            <a:endParaRPr b="0" lang="en-US" sz="2800" spc="-1" strike="noStrike">
-              <a:solidFill>
-                <a:srgbClr val="000000"/>
-              </a:solidFill>
-              <a:latin typeface="Calibri"/>
+            <a:endParaRPr b="0" lang="en-IN" sz="3200" spc="-1" strike="noStrike">
+              <a:latin typeface="Arial"/>
             </a:endParaRPr>
           </a:p>
         </p:txBody>
@@ -2566,7 +2073,7 @@
       </p:grpSpPr>
       <p:sp>
         <p:nvSpPr>
-          <p:cNvPr id="9" name="PlaceHolder 1"/>
+          <p:cNvPr id="6" name="PlaceHolder 1"/>
           <p:cNvSpPr>
             <a:spLocks noGrp="1"/>
           </p:cNvSpPr>
@@ -2576,8 +2083,8 @@
         </p:nvSpPr>
         <p:spPr>
           <a:xfrm>
-            <a:off x="838080" y="365040"/>
-            <a:ext cx="10515240" cy="1325160"/>
+            <a:off x="609480" y="273600"/>
+            <a:ext cx="10972440" cy="1144800"/>
           </a:xfrm>
           <a:prstGeom prst="rect">
             <a:avLst/>
@@ -2586,18 +2093,16 @@
         <p:txBody>
           <a:bodyPr lIns="0" rIns="0" tIns="0" bIns="0" anchor="ctr"/>
           <a:p>
-            <a:endParaRPr b="0" lang="en-US" sz="1800" spc="-1" strike="noStrike">
-              <a:solidFill>
-                <a:srgbClr val="000000"/>
-              </a:solidFill>
-              <a:latin typeface="Calibri"/>
-            </a:endParaRPr>
-          </a:p>
-        </p:txBody>
-      </p:sp>
-      <p:sp>
-        <p:nvSpPr>
-          <p:cNvPr id="10" name="PlaceHolder 2"/>
+            <a:pPr algn="ctr"/>
+            <a:endParaRPr b="0" lang="en-IN" sz="4400" spc="-1" strike="noStrike">
+              <a:latin typeface="Arial"/>
+            </a:endParaRPr>
+          </a:p>
+        </p:txBody>
+      </p:sp>
+      <p:sp>
+        <p:nvSpPr>
+          <p:cNvPr id="7" name="PlaceHolder 2"/>
           <p:cNvSpPr>
             <a:spLocks noGrp="1"/>
           </p:cNvSpPr>
@@ -2607,8 +2112,8 @@
         </p:nvSpPr>
         <p:spPr>
           <a:xfrm>
-            <a:off x="838080" y="1825560"/>
-            <a:ext cx="5131080" cy="4350960"/>
+            <a:off x="609480" y="1604520"/>
+            <a:ext cx="5354280" cy="3977280"/>
           </a:xfrm>
           <a:prstGeom prst="rect">
             <a:avLst/>
@@ -2619,18 +2124,15 @@
             <a:normAutofit/>
           </a:bodyPr>
           <a:p>
-            <a:endParaRPr b="0" lang="en-US" sz="2800" spc="-1" strike="noStrike">
-              <a:solidFill>
-                <a:srgbClr val="000000"/>
-              </a:solidFill>
-              <a:latin typeface="Calibri"/>
-            </a:endParaRPr>
-          </a:p>
-        </p:txBody>
-      </p:sp>
-      <p:sp>
-        <p:nvSpPr>
-          <p:cNvPr id="11" name="PlaceHolder 3"/>
+            <a:endParaRPr b="0" lang="en-IN" sz="3200" spc="-1" strike="noStrike">
+              <a:latin typeface="Arial"/>
+            </a:endParaRPr>
+          </a:p>
+        </p:txBody>
+      </p:sp>
+      <p:sp>
+        <p:nvSpPr>
+          <p:cNvPr id="8" name="PlaceHolder 3"/>
           <p:cNvSpPr>
             <a:spLocks noGrp="1"/>
           </p:cNvSpPr>
@@ -2640,8 +2142,8 @@
         </p:nvSpPr>
         <p:spPr>
           <a:xfrm>
-            <a:off x="6226200" y="1825560"/>
-            <a:ext cx="5131080" cy="4350960"/>
+            <a:off x="6231960" y="1604520"/>
+            <a:ext cx="5354280" cy="3977280"/>
           </a:xfrm>
           <a:prstGeom prst="rect">
             <a:avLst/>
@@ -2652,11 +2154,8 @@
             <a:normAutofit/>
           </a:bodyPr>
           <a:p>
-            <a:endParaRPr b="0" lang="en-US" sz="2800" spc="-1" strike="noStrike">
-              <a:solidFill>
-                <a:srgbClr val="000000"/>
-              </a:solidFill>
-              <a:latin typeface="Calibri"/>
+            <a:endParaRPr b="0" lang="en-IN" sz="3200" spc="-1" strike="noStrike">
+              <a:latin typeface="Arial"/>
             </a:endParaRPr>
           </a:p>
         </p:txBody>
@@ -2685,7 +2184,7 @@
       </p:grpSpPr>
       <p:sp>
         <p:nvSpPr>
-          <p:cNvPr id="12" name="PlaceHolder 1"/>
+          <p:cNvPr id="9" name="PlaceHolder 1"/>
           <p:cNvSpPr>
             <a:spLocks noGrp="1"/>
           </p:cNvSpPr>
@@ -2695,8 +2194,8 @@
         </p:nvSpPr>
         <p:spPr>
           <a:xfrm>
-            <a:off x="838080" y="365040"/>
-            <a:ext cx="10515240" cy="1325160"/>
+            <a:off x="609480" y="273600"/>
+            <a:ext cx="10972440" cy="1144800"/>
           </a:xfrm>
           <a:prstGeom prst="rect">
             <a:avLst/>
@@ -2705,11 +2204,9 @@
         <p:txBody>
           <a:bodyPr lIns="0" rIns="0" tIns="0" bIns="0" anchor="ctr"/>
           <a:p>
-            <a:endParaRPr b="0" lang="en-US" sz="1800" spc="-1" strike="noStrike">
-              <a:solidFill>
-                <a:srgbClr val="000000"/>
-              </a:solidFill>
-              <a:latin typeface="Calibri"/>
+            <a:pPr algn="ctr"/>
+            <a:endParaRPr b="0" lang="en-IN" sz="4400" spc="-1" strike="noStrike">
+              <a:latin typeface="Arial"/>
             </a:endParaRPr>
           </a:p>
         </p:txBody>
@@ -2738,7 +2235,7 @@
       </p:grpSpPr>
       <p:sp>
         <p:nvSpPr>
-          <p:cNvPr id="13" name="PlaceHolder 1"/>
+          <p:cNvPr id="10" name="PlaceHolder 1"/>
           <p:cNvSpPr>
             <a:spLocks noGrp="1"/>
           </p:cNvSpPr>
@@ -2748,8 +2245,8 @@
         </p:nvSpPr>
         <p:spPr>
           <a:xfrm>
-            <a:off x="838080" y="365040"/>
-            <a:ext cx="10515240" cy="6144120"/>
+            <a:off x="609480" y="273600"/>
+            <a:ext cx="10972440" cy="5307840"/>
           </a:xfrm>
           <a:prstGeom prst="rect">
             <a:avLst/>
@@ -2789,7 +2286,7 @@
       </p:grpSpPr>
       <p:sp>
         <p:nvSpPr>
-          <p:cNvPr id="14" name="PlaceHolder 1"/>
+          <p:cNvPr id="11" name="PlaceHolder 1"/>
           <p:cNvSpPr>
             <a:spLocks noGrp="1"/>
           </p:cNvSpPr>
@@ -2799,8 +2296,8 @@
         </p:nvSpPr>
         <p:spPr>
           <a:xfrm>
-            <a:off x="838080" y="365040"/>
-            <a:ext cx="10515240" cy="1325160"/>
+            <a:off x="609480" y="273600"/>
+            <a:ext cx="10972440" cy="1144800"/>
           </a:xfrm>
           <a:prstGeom prst="rect">
             <a:avLst/>
@@ -2809,18 +2306,16 @@
         <p:txBody>
           <a:bodyPr lIns="0" rIns="0" tIns="0" bIns="0" anchor="ctr"/>
           <a:p>
-            <a:endParaRPr b="0" lang="en-US" sz="1800" spc="-1" strike="noStrike">
-              <a:solidFill>
-                <a:srgbClr val="000000"/>
-              </a:solidFill>
-              <a:latin typeface="Calibri"/>
-            </a:endParaRPr>
-          </a:p>
-        </p:txBody>
-      </p:sp>
-      <p:sp>
-        <p:nvSpPr>
-          <p:cNvPr id="15" name="PlaceHolder 2"/>
+            <a:pPr algn="ctr"/>
+            <a:endParaRPr b="0" lang="en-IN" sz="4400" spc="-1" strike="noStrike">
+              <a:latin typeface="Arial"/>
+            </a:endParaRPr>
+          </a:p>
+        </p:txBody>
+      </p:sp>
+      <p:sp>
+        <p:nvSpPr>
+          <p:cNvPr id="12" name="PlaceHolder 2"/>
           <p:cNvSpPr>
             <a:spLocks noGrp="1"/>
           </p:cNvSpPr>
@@ -2830,8 +2325,8 @@
         </p:nvSpPr>
         <p:spPr>
           <a:xfrm>
-            <a:off x="838080" y="1825560"/>
-            <a:ext cx="5131080" cy="2075040"/>
+            <a:off x="609480" y="1604520"/>
+            <a:ext cx="5354280" cy="1896840"/>
           </a:xfrm>
           <a:prstGeom prst="rect">
             <a:avLst/>
@@ -2842,18 +2337,15 @@
             <a:normAutofit/>
           </a:bodyPr>
           <a:p>
-            <a:endParaRPr b="0" lang="en-US" sz="2800" spc="-1" strike="noStrike">
-              <a:solidFill>
-                <a:srgbClr val="000000"/>
-              </a:solidFill>
-              <a:latin typeface="Calibri"/>
-            </a:endParaRPr>
-          </a:p>
-        </p:txBody>
-      </p:sp>
-      <p:sp>
-        <p:nvSpPr>
-          <p:cNvPr id="16" name="PlaceHolder 3"/>
+            <a:endParaRPr b="0" lang="en-IN" sz="3200" spc="-1" strike="noStrike">
+              <a:latin typeface="Arial"/>
+            </a:endParaRPr>
+          </a:p>
+        </p:txBody>
+      </p:sp>
+      <p:sp>
+        <p:nvSpPr>
+          <p:cNvPr id="13" name="PlaceHolder 3"/>
           <p:cNvSpPr>
             <a:spLocks noGrp="1"/>
           </p:cNvSpPr>
@@ -2863,8 +2355,8 @@
         </p:nvSpPr>
         <p:spPr>
           <a:xfrm>
-            <a:off x="6226200" y="1825560"/>
-            <a:ext cx="5131080" cy="4350960"/>
+            <a:off x="6231960" y="1604520"/>
+            <a:ext cx="5354280" cy="3977280"/>
           </a:xfrm>
           <a:prstGeom prst="rect">
             <a:avLst/>
@@ -2875,18 +2367,15 @@
             <a:normAutofit/>
           </a:bodyPr>
           <a:p>
-            <a:endParaRPr b="0" lang="en-US" sz="2800" spc="-1" strike="noStrike">
-              <a:solidFill>
-                <a:srgbClr val="000000"/>
-              </a:solidFill>
-              <a:latin typeface="Calibri"/>
-            </a:endParaRPr>
-          </a:p>
-        </p:txBody>
-      </p:sp>
-      <p:sp>
-        <p:nvSpPr>
-          <p:cNvPr id="17" name="PlaceHolder 4"/>
+            <a:endParaRPr b="0" lang="en-IN" sz="3200" spc="-1" strike="noStrike">
+              <a:latin typeface="Arial"/>
+            </a:endParaRPr>
+          </a:p>
+        </p:txBody>
+      </p:sp>
+      <p:sp>
+        <p:nvSpPr>
+          <p:cNvPr id="14" name="PlaceHolder 4"/>
           <p:cNvSpPr>
             <a:spLocks noGrp="1"/>
           </p:cNvSpPr>
@@ -2896,8 +2385,8 @@
         </p:nvSpPr>
         <p:spPr>
           <a:xfrm>
-            <a:off x="838080" y="4098240"/>
-            <a:ext cx="5131080" cy="2075040"/>
+            <a:off x="609480" y="3682080"/>
+            <a:ext cx="5354280" cy="1896840"/>
           </a:xfrm>
           <a:prstGeom prst="rect">
             <a:avLst/>
@@ -2908,11 +2397,8 @@
             <a:normAutofit/>
           </a:bodyPr>
           <a:p>
-            <a:endParaRPr b="0" lang="en-US" sz="2800" spc="-1" strike="noStrike">
-              <a:solidFill>
-                <a:srgbClr val="000000"/>
-              </a:solidFill>
-              <a:latin typeface="Calibri"/>
+            <a:endParaRPr b="0" lang="en-IN" sz="3200" spc="-1" strike="noStrike">
+              <a:latin typeface="Arial"/>
             </a:endParaRPr>
           </a:p>
         </p:txBody>
@@ -2941,7 +2427,7 @@
       </p:grpSpPr>
       <p:sp>
         <p:nvSpPr>
-          <p:cNvPr id="18" name="PlaceHolder 1"/>
+          <p:cNvPr id="15" name="PlaceHolder 1"/>
           <p:cNvSpPr>
             <a:spLocks noGrp="1"/>
           </p:cNvSpPr>
@@ -2951,8 +2437,8 @@
         </p:nvSpPr>
         <p:spPr>
           <a:xfrm>
-            <a:off x="838080" y="365040"/>
-            <a:ext cx="10515240" cy="1325160"/>
+            <a:off x="609480" y="273600"/>
+            <a:ext cx="10972440" cy="1144800"/>
           </a:xfrm>
           <a:prstGeom prst="rect">
             <a:avLst/>
@@ -2961,18 +2447,16 @@
         <p:txBody>
           <a:bodyPr lIns="0" rIns="0" tIns="0" bIns="0" anchor="ctr"/>
           <a:p>
-            <a:endParaRPr b="0" lang="en-US" sz="1800" spc="-1" strike="noStrike">
-              <a:solidFill>
-                <a:srgbClr val="000000"/>
-              </a:solidFill>
-              <a:latin typeface="Calibri"/>
-            </a:endParaRPr>
-          </a:p>
-        </p:txBody>
-      </p:sp>
-      <p:sp>
-        <p:nvSpPr>
-          <p:cNvPr id="19" name="PlaceHolder 2"/>
+            <a:pPr algn="ctr"/>
+            <a:endParaRPr b="0" lang="en-IN" sz="4400" spc="-1" strike="noStrike">
+              <a:latin typeface="Arial"/>
+            </a:endParaRPr>
+          </a:p>
+        </p:txBody>
+      </p:sp>
+      <p:sp>
+        <p:nvSpPr>
+          <p:cNvPr id="16" name="PlaceHolder 2"/>
           <p:cNvSpPr>
             <a:spLocks noGrp="1"/>
           </p:cNvSpPr>
@@ -2982,8 +2466,8 @@
         </p:nvSpPr>
         <p:spPr>
           <a:xfrm>
-            <a:off x="838080" y="1825560"/>
-            <a:ext cx="5131080" cy="4350960"/>
+            <a:off x="609480" y="1604520"/>
+            <a:ext cx="5354280" cy="3977280"/>
           </a:xfrm>
           <a:prstGeom prst="rect">
             <a:avLst/>
@@ -2994,18 +2478,15 @@
             <a:normAutofit/>
           </a:bodyPr>
           <a:p>
-            <a:endParaRPr b="0" lang="en-US" sz="2800" spc="-1" strike="noStrike">
-              <a:solidFill>
-                <a:srgbClr val="000000"/>
-              </a:solidFill>
-              <a:latin typeface="Calibri"/>
-            </a:endParaRPr>
-          </a:p>
-        </p:txBody>
-      </p:sp>
-      <p:sp>
-        <p:nvSpPr>
-          <p:cNvPr id="20" name="PlaceHolder 3"/>
+            <a:endParaRPr b="0" lang="en-IN" sz="3200" spc="-1" strike="noStrike">
+              <a:latin typeface="Arial"/>
+            </a:endParaRPr>
+          </a:p>
+        </p:txBody>
+      </p:sp>
+      <p:sp>
+        <p:nvSpPr>
+          <p:cNvPr id="17" name="PlaceHolder 3"/>
           <p:cNvSpPr>
             <a:spLocks noGrp="1"/>
           </p:cNvSpPr>
@@ -3015,8 +2496,8 @@
         </p:nvSpPr>
         <p:spPr>
           <a:xfrm>
-            <a:off x="6226200" y="1825560"/>
-            <a:ext cx="5131080" cy="2075040"/>
+            <a:off x="6231960" y="1604520"/>
+            <a:ext cx="5354280" cy="1896840"/>
           </a:xfrm>
           <a:prstGeom prst="rect">
             <a:avLst/>
@@ -3027,18 +2508,15 @@
             <a:normAutofit/>
           </a:bodyPr>
           <a:p>
-            <a:endParaRPr b="0" lang="en-US" sz="2800" spc="-1" strike="noStrike">
-              <a:solidFill>
-                <a:srgbClr val="000000"/>
-              </a:solidFill>
-              <a:latin typeface="Calibri"/>
-            </a:endParaRPr>
-          </a:p>
-        </p:txBody>
-      </p:sp>
-      <p:sp>
-        <p:nvSpPr>
-          <p:cNvPr id="21" name="PlaceHolder 4"/>
+            <a:endParaRPr b="0" lang="en-IN" sz="3200" spc="-1" strike="noStrike">
+              <a:latin typeface="Arial"/>
+            </a:endParaRPr>
+          </a:p>
+        </p:txBody>
+      </p:sp>
+      <p:sp>
+        <p:nvSpPr>
+          <p:cNvPr id="18" name="PlaceHolder 4"/>
           <p:cNvSpPr>
             <a:spLocks noGrp="1"/>
           </p:cNvSpPr>
@@ -3048,8 +2526,8 @@
         </p:nvSpPr>
         <p:spPr>
           <a:xfrm>
-            <a:off x="6226200" y="4098240"/>
-            <a:ext cx="5131080" cy="2075040"/>
+            <a:off x="6231960" y="3682080"/>
+            <a:ext cx="5354280" cy="1896840"/>
           </a:xfrm>
           <a:prstGeom prst="rect">
             <a:avLst/>
@@ -3060,11 +2538,8 @@
             <a:normAutofit/>
           </a:bodyPr>
           <a:p>
-            <a:endParaRPr b="0" lang="en-US" sz="2800" spc="-1" strike="noStrike">
-              <a:solidFill>
-                <a:srgbClr val="000000"/>
-              </a:solidFill>
-              <a:latin typeface="Calibri"/>
+            <a:endParaRPr b="0" lang="en-IN" sz="3200" spc="-1" strike="noStrike">
+              <a:latin typeface="Arial"/>
             </a:endParaRPr>
           </a:p>
         </p:txBody>
@@ -3093,7 +2568,7 @@
       </p:grpSpPr>
       <p:sp>
         <p:nvSpPr>
-          <p:cNvPr id="22" name="PlaceHolder 1"/>
+          <p:cNvPr id="19" name="PlaceHolder 1"/>
           <p:cNvSpPr>
             <a:spLocks noGrp="1"/>
           </p:cNvSpPr>
@@ -3103,8 +2578,8 @@
         </p:nvSpPr>
         <p:spPr>
           <a:xfrm>
-            <a:off x="838080" y="365040"/>
-            <a:ext cx="10515240" cy="1325160"/>
+            <a:off x="609480" y="273600"/>
+            <a:ext cx="10972440" cy="1144800"/>
           </a:xfrm>
           <a:prstGeom prst="rect">
             <a:avLst/>
@@ -3113,18 +2588,16 @@
         <p:txBody>
           <a:bodyPr lIns="0" rIns="0" tIns="0" bIns="0" anchor="ctr"/>
           <a:p>
-            <a:endParaRPr b="0" lang="en-US" sz="1800" spc="-1" strike="noStrike">
-              <a:solidFill>
-                <a:srgbClr val="000000"/>
-              </a:solidFill>
-              <a:latin typeface="Calibri"/>
-            </a:endParaRPr>
-          </a:p>
-        </p:txBody>
-      </p:sp>
-      <p:sp>
-        <p:nvSpPr>
-          <p:cNvPr id="23" name="PlaceHolder 2"/>
+            <a:pPr algn="ctr"/>
+            <a:endParaRPr b="0" lang="en-IN" sz="4400" spc="-1" strike="noStrike">
+              <a:latin typeface="Arial"/>
+            </a:endParaRPr>
+          </a:p>
+        </p:txBody>
+      </p:sp>
+      <p:sp>
+        <p:nvSpPr>
+          <p:cNvPr id="20" name="PlaceHolder 2"/>
           <p:cNvSpPr>
             <a:spLocks noGrp="1"/>
           </p:cNvSpPr>
@@ -3134,8 +2607,8 @@
         </p:nvSpPr>
         <p:spPr>
           <a:xfrm>
-            <a:off x="838080" y="1825560"/>
-            <a:ext cx="5131080" cy="2075040"/>
+            <a:off x="609480" y="1604520"/>
+            <a:ext cx="5354280" cy="1896840"/>
           </a:xfrm>
           <a:prstGeom prst="rect">
             <a:avLst/>
@@ -3146,18 +2619,15 @@
             <a:normAutofit/>
           </a:bodyPr>
           <a:p>
-            <a:endParaRPr b="0" lang="en-US" sz="2800" spc="-1" strike="noStrike">
-              <a:solidFill>
-                <a:srgbClr val="000000"/>
-              </a:solidFill>
-              <a:latin typeface="Calibri"/>
-            </a:endParaRPr>
-          </a:p>
-        </p:txBody>
-      </p:sp>
-      <p:sp>
-        <p:nvSpPr>
-          <p:cNvPr id="24" name="PlaceHolder 3"/>
+            <a:endParaRPr b="0" lang="en-IN" sz="3200" spc="-1" strike="noStrike">
+              <a:latin typeface="Arial"/>
+            </a:endParaRPr>
+          </a:p>
+        </p:txBody>
+      </p:sp>
+      <p:sp>
+        <p:nvSpPr>
+          <p:cNvPr id="21" name="PlaceHolder 3"/>
           <p:cNvSpPr>
             <a:spLocks noGrp="1"/>
           </p:cNvSpPr>
@@ -3167,8 +2637,8 @@
         </p:nvSpPr>
         <p:spPr>
           <a:xfrm>
-            <a:off x="6226200" y="1825560"/>
-            <a:ext cx="5131080" cy="2075040"/>
+            <a:off x="6231960" y="1604520"/>
+            <a:ext cx="5354280" cy="1896840"/>
           </a:xfrm>
           <a:prstGeom prst="rect">
             <a:avLst/>
@@ -3179,18 +2649,15 @@
             <a:normAutofit/>
           </a:bodyPr>
           <a:p>
-            <a:endParaRPr b="0" lang="en-US" sz="2800" spc="-1" strike="noStrike">
-              <a:solidFill>
-                <a:srgbClr val="000000"/>
-              </a:solidFill>
-              <a:latin typeface="Calibri"/>
-            </a:endParaRPr>
-          </a:p>
-        </p:txBody>
-      </p:sp>
-      <p:sp>
-        <p:nvSpPr>
-          <p:cNvPr id="25" name="PlaceHolder 4"/>
+            <a:endParaRPr b="0" lang="en-IN" sz="3200" spc="-1" strike="noStrike">
+              <a:latin typeface="Arial"/>
+            </a:endParaRPr>
+          </a:p>
+        </p:txBody>
+      </p:sp>
+      <p:sp>
+        <p:nvSpPr>
+          <p:cNvPr id="22" name="PlaceHolder 4"/>
           <p:cNvSpPr>
             <a:spLocks noGrp="1"/>
           </p:cNvSpPr>
@@ -3200,8 +2667,8 @@
         </p:nvSpPr>
         <p:spPr>
           <a:xfrm>
-            <a:off x="838080" y="4098240"/>
-            <a:ext cx="10515240" cy="2075040"/>
+            <a:off x="609480" y="3682080"/>
+            <a:ext cx="10972440" cy="1896840"/>
           </a:xfrm>
           <a:prstGeom prst="rect">
             <a:avLst/>
@@ -3212,11 +2679,8 @@
             <a:normAutofit/>
           </a:bodyPr>
           <a:p>
-            <a:endParaRPr b="0" lang="en-US" sz="2800" spc="-1" strike="noStrike">
-              <a:solidFill>
-                <a:srgbClr val="000000"/>
-              </a:solidFill>
-              <a:latin typeface="Calibri"/>
+            <a:endParaRPr b="0" lang="en-IN" sz="3200" spc="-1" strike="noStrike">
+              <a:latin typeface="Arial"/>
             </a:endParaRPr>
           </a:p>
         </p:txBody>
@@ -3262,44 +2726,24 @@
         </p:nvSpPr>
         <p:spPr>
           <a:xfrm>
-            <a:off x="1523880" y="1122480"/>
-            <a:ext cx="9143640" cy="2387160"/>
-          </a:xfrm>
-          <a:prstGeom prst="rect">
-            <a:avLst/>
-          </a:prstGeom>
-        </p:spPr>
-        <p:txBody>
-          <a:bodyPr anchor="b"/>
-          <a:p>
-            <a:pPr algn="ctr">
-              <a:lnSpc>
-                <a:spcPct val="90000"/>
-              </a:lnSpc>
-            </a:pPr>
+            <a:off x="838080" y="365040"/>
+            <a:ext cx="10514880" cy="1324800"/>
+          </a:xfrm>
+          <a:prstGeom prst="rect">
+            <a:avLst/>
+          </a:prstGeom>
+        </p:spPr>
+        <p:txBody>
+          <a:bodyPr lIns="0" rIns="0" tIns="0" bIns="0" anchor="ctr"/>
+          <a:p>
             <a:r>
-              <a:rPr b="0" lang="en-US" sz="6000" spc="-1" strike="noStrike">
-                <a:solidFill>
-                  <a:srgbClr val="000000"/>
-                </a:solidFill>
-                <a:latin typeface="Calibri Light"/>
+              <a:rPr b="0" lang="en-IN" sz="1800" spc="-1" strike="noStrike">
+                <a:latin typeface="Arial"/>
               </a:rPr>
-              <a:t>Click to edit Master title </a:t>
+              <a:t>Click to edit the title text format</a:t>
             </a:r>
-            <a:r>
-              <a:rPr b="0" lang="en-US" sz="6000" spc="-1" strike="noStrike">
-                <a:solidFill>
-                  <a:srgbClr val="000000"/>
-                </a:solidFill>
-                <a:latin typeface="Calibri Light"/>
-              </a:rPr>
-              <a:t>style</a:t>
-            </a:r>
-            <a:endParaRPr b="0" lang="en-US" sz="6000" spc="-1" strike="noStrike">
-              <a:solidFill>
-                <a:srgbClr val="000000"/>
-              </a:solidFill>
-              <a:latin typeface="Calibri"/>
+            <a:endParaRPr b="0" lang="en-IN" sz="1800" spc="-1" strike="noStrike">
+              <a:latin typeface="Arial"/>
             </a:endParaRPr>
           </a:p>
         </p:txBody>
@@ -3307,118 +2751,6 @@
       <p:sp>
         <p:nvSpPr>
           <p:cNvPr id="1" name="PlaceHolder 2"/>
-          <p:cNvSpPr>
-            <a:spLocks noGrp="1"/>
-          </p:cNvSpPr>
-          <p:nvPr>
-            <p:ph type="dt"/>
-          </p:nvPr>
-        </p:nvSpPr>
-        <p:spPr>
-          <a:xfrm>
-            <a:off x="838080" y="6356520"/>
-            <a:ext cx="2742840" cy="364680"/>
-          </a:xfrm>
-          <a:prstGeom prst="rect">
-            <a:avLst/>
-          </a:prstGeom>
-        </p:spPr>
-        <p:txBody>
-          <a:bodyPr anchor="ctr"/>
-          <a:p>
-            <a:pPr>
-              <a:lnSpc>
-                <a:spcPct val="100000"/>
-              </a:lnSpc>
-            </a:pPr>
-            <a:fld id="{6B8D2D6F-D7E2-405E-9444-A23642BBBA7D}" type="datetime">
-              <a:rPr b="0" lang="en-IN" sz="1200" spc="-1" strike="noStrike">
-                <a:solidFill>
-                  <a:srgbClr val="8b8b8b"/>
-                </a:solidFill>
-                <a:latin typeface="Calibri"/>
-              </a:rPr>
-              <a:t>31/03/20</a:t>
-            </a:fld>
-            <a:endParaRPr b="0" lang="en-IN" sz="1200" spc="-1" strike="noStrike">
-              <a:latin typeface="Times New Roman"/>
-            </a:endParaRPr>
-          </a:p>
-        </p:txBody>
-      </p:sp>
-      <p:sp>
-        <p:nvSpPr>
-          <p:cNvPr id="2" name="PlaceHolder 3"/>
-          <p:cNvSpPr>
-            <a:spLocks noGrp="1"/>
-          </p:cNvSpPr>
-          <p:nvPr>
-            <p:ph type="ftr"/>
-          </p:nvPr>
-        </p:nvSpPr>
-        <p:spPr>
-          <a:xfrm>
-            <a:off x="4038480" y="6356520"/>
-            <a:ext cx="4114440" cy="364680"/>
-          </a:xfrm>
-          <a:prstGeom prst="rect">
-            <a:avLst/>
-          </a:prstGeom>
-        </p:spPr>
-        <p:txBody>
-          <a:bodyPr anchor="ctr"/>
-          <a:p>
-            <a:endParaRPr b="0" lang="en-IN" sz="2400" spc="-1" strike="noStrike">
-              <a:latin typeface="Times New Roman"/>
-            </a:endParaRPr>
-          </a:p>
-        </p:txBody>
-      </p:sp>
-      <p:sp>
-        <p:nvSpPr>
-          <p:cNvPr id="3" name="PlaceHolder 4"/>
-          <p:cNvSpPr>
-            <a:spLocks noGrp="1"/>
-          </p:cNvSpPr>
-          <p:nvPr>
-            <p:ph type="sldNum"/>
-          </p:nvPr>
-        </p:nvSpPr>
-        <p:spPr>
-          <a:xfrm>
-            <a:off x="8610480" y="6356520"/>
-            <a:ext cx="2742840" cy="364680"/>
-          </a:xfrm>
-          <a:prstGeom prst="rect">
-            <a:avLst/>
-          </a:prstGeom>
-        </p:spPr>
-        <p:txBody>
-          <a:bodyPr anchor="ctr"/>
-          <a:p>
-            <a:pPr algn="r">
-              <a:lnSpc>
-                <a:spcPct val="100000"/>
-              </a:lnSpc>
-            </a:pPr>
-            <a:fld id="{00A71732-569C-4D3D-85D2-6DDA7FC46AFF}" type="slidenum">
-              <a:rPr b="0" lang="en-IN" sz="1200" spc="-1" strike="noStrike">
-                <a:solidFill>
-                  <a:srgbClr val="8b8b8b"/>
-                </a:solidFill>
-                <a:latin typeface="Calibri"/>
-              </a:rPr>
-              <a:t>&lt;number&gt;</a:t>
-            </a:fld>
-            <a:endParaRPr b="0" lang="en-IN" sz="1200" spc="-1" strike="noStrike">
-              <a:latin typeface="Times New Roman"/>
-            </a:endParaRPr>
-          </a:p>
-        </p:txBody>
-      </p:sp>
-      <p:sp>
-        <p:nvSpPr>
-          <p:cNvPr id="4" name="PlaceHolder 5"/>
           <p:cNvSpPr>
             <a:spLocks noGrp="1"/>
           </p:cNvSpPr>
@@ -3452,19 +2784,13 @@
               <a:buChar char=""/>
             </a:pPr>
             <a:r>
-              <a:rPr b="0" lang="en-US" sz="2800" spc="-1" strike="noStrike">
-                <a:solidFill>
-                  <a:srgbClr val="000000"/>
-                </a:solidFill>
-                <a:latin typeface="Calibri"/>
+              <a:rPr b="0" lang="en-IN" sz="3200" spc="-1" strike="noStrike">
+                <a:latin typeface="Arial"/>
               </a:rPr>
               <a:t>Click to edit the outline text format</a:t>
             </a:r>
-            <a:endParaRPr b="0" lang="en-US" sz="2800" spc="-1" strike="noStrike">
-              <a:solidFill>
-                <a:srgbClr val="000000"/>
-              </a:solidFill>
-              <a:latin typeface="Calibri"/>
+            <a:endParaRPr b="0" lang="en-IN" sz="3200" spc="-1" strike="noStrike">
+              <a:latin typeface="Arial"/>
             </a:endParaRPr>
           </a:p>
           <a:p>
@@ -3480,19 +2806,13 @@
               <a:buChar char=""/>
             </a:pPr>
             <a:r>
-              <a:rPr b="0" lang="en-US" sz="2000" spc="-1" strike="noStrike">
-                <a:solidFill>
-                  <a:srgbClr val="000000"/>
-                </a:solidFill>
-                <a:latin typeface="Calibri"/>
+              <a:rPr b="0" lang="en-IN" sz="2800" spc="-1" strike="noStrike">
+                <a:latin typeface="Arial"/>
               </a:rPr>
               <a:t>Second Outline Level</a:t>
             </a:r>
-            <a:endParaRPr b="0" lang="en-US" sz="2000" spc="-1" strike="noStrike">
-              <a:solidFill>
-                <a:srgbClr val="000000"/>
-              </a:solidFill>
-              <a:latin typeface="Calibri"/>
+            <a:endParaRPr b="0" lang="en-IN" sz="2800" spc="-1" strike="noStrike">
+              <a:latin typeface="Arial"/>
             </a:endParaRPr>
           </a:p>
           <a:p>
@@ -3508,19 +2828,13 @@
               <a:buChar char=""/>
             </a:pPr>
             <a:r>
-              <a:rPr b="0" lang="en-US" sz="1800" spc="-1" strike="noStrike">
-                <a:solidFill>
-                  <a:srgbClr val="000000"/>
-                </a:solidFill>
-                <a:latin typeface="Calibri"/>
+              <a:rPr b="0" lang="en-IN" sz="2400" spc="-1" strike="noStrike">
+                <a:latin typeface="Arial"/>
               </a:rPr>
               <a:t>Third Outline Level</a:t>
             </a:r>
-            <a:endParaRPr b="0" lang="en-US" sz="1800" spc="-1" strike="noStrike">
-              <a:solidFill>
-                <a:srgbClr val="000000"/>
-              </a:solidFill>
-              <a:latin typeface="Calibri"/>
+            <a:endParaRPr b="0" lang="en-IN" sz="2400" spc="-1" strike="noStrike">
+              <a:latin typeface="Arial"/>
             </a:endParaRPr>
           </a:p>
           <a:p>
@@ -3536,19 +2850,13 @@
               <a:buChar char=""/>
             </a:pPr>
             <a:r>
-              <a:rPr b="0" lang="en-US" sz="1800" spc="-1" strike="noStrike">
-                <a:solidFill>
-                  <a:srgbClr val="000000"/>
-                </a:solidFill>
-                <a:latin typeface="Calibri"/>
+              <a:rPr b="0" lang="en-IN" sz="2000" spc="-1" strike="noStrike">
+                <a:latin typeface="Arial"/>
               </a:rPr>
               <a:t>Fourth Outline Level</a:t>
             </a:r>
-            <a:endParaRPr b="0" lang="en-US" sz="1800" spc="-1" strike="noStrike">
-              <a:solidFill>
-                <a:srgbClr val="000000"/>
-              </a:solidFill>
-              <a:latin typeface="Calibri"/>
+            <a:endParaRPr b="0" lang="en-IN" sz="2000" spc="-1" strike="noStrike">
+              <a:latin typeface="Arial"/>
             </a:endParaRPr>
           </a:p>
           <a:p>
@@ -3564,19 +2872,13 @@
               <a:buChar char=""/>
             </a:pPr>
             <a:r>
-              <a:rPr b="0" lang="en-US" sz="2000" spc="-1" strike="noStrike">
-                <a:solidFill>
-                  <a:srgbClr val="000000"/>
-                </a:solidFill>
-                <a:latin typeface="Calibri"/>
+              <a:rPr b="0" lang="en-IN" sz="2000" spc="-1" strike="noStrike">
+                <a:latin typeface="Arial"/>
               </a:rPr>
               <a:t>Fifth Outline Level</a:t>
             </a:r>
-            <a:endParaRPr b="0" lang="en-US" sz="2000" spc="-1" strike="noStrike">
-              <a:solidFill>
-                <a:srgbClr val="000000"/>
-              </a:solidFill>
-              <a:latin typeface="Calibri"/>
+            <a:endParaRPr b="0" lang="en-IN" sz="2000" spc="-1" strike="noStrike">
+              <a:latin typeface="Arial"/>
             </a:endParaRPr>
           </a:p>
           <a:p>
@@ -3592,19 +2894,13 @@
               <a:buChar char=""/>
             </a:pPr>
             <a:r>
-              <a:rPr b="0" lang="en-US" sz="2000" spc="-1" strike="noStrike">
-                <a:solidFill>
-                  <a:srgbClr val="000000"/>
-                </a:solidFill>
-                <a:latin typeface="Calibri"/>
+              <a:rPr b="0" lang="en-IN" sz="2000" spc="-1" strike="noStrike">
+                <a:latin typeface="Arial"/>
               </a:rPr>
               <a:t>Sixth Outline Level</a:t>
             </a:r>
-            <a:endParaRPr b="0" lang="en-US" sz="2000" spc="-1" strike="noStrike">
-              <a:solidFill>
-                <a:srgbClr val="000000"/>
-              </a:solidFill>
-              <a:latin typeface="Calibri"/>
+            <a:endParaRPr b="0" lang="en-IN" sz="2000" spc="-1" strike="noStrike">
+              <a:latin typeface="Arial"/>
             </a:endParaRPr>
           </a:p>
           <a:p>
@@ -3620,19 +2916,13 @@
               <a:buChar char=""/>
             </a:pPr>
             <a:r>
-              <a:rPr b="0" lang="en-US" sz="2000" spc="-1" strike="noStrike">
-                <a:solidFill>
-                  <a:srgbClr val="000000"/>
-                </a:solidFill>
-                <a:latin typeface="Calibri"/>
+              <a:rPr b="0" lang="en-IN" sz="2000" spc="-1" strike="noStrike">
+                <a:latin typeface="Arial"/>
               </a:rPr>
               <a:t>Seventh Outline Level</a:t>
             </a:r>
-            <a:endParaRPr b="0" lang="en-US" sz="2000" spc="-1" strike="noStrike">
-              <a:solidFill>
-                <a:srgbClr val="000000"/>
-              </a:solidFill>
-              <a:latin typeface="Calibri"/>
+            <a:endParaRPr b="0" lang="en-IN" sz="2000" spc="-1" strike="noStrike">
+              <a:latin typeface="Arial"/>
             </a:endParaRPr>
           </a:p>
         </p:txBody>
@@ -3683,7 +2973,7 @@
       </p:grpSpPr>
       <p:sp>
         <p:nvSpPr>
-          <p:cNvPr id="41" name="PlaceHolder 1"/>
+          <p:cNvPr id="38" name="PlaceHolder 1"/>
           <p:cNvSpPr>
             <a:spLocks noGrp="1"/>
           </p:cNvSpPr>
@@ -3693,60 +2983,44 @@
         </p:nvSpPr>
         <p:spPr>
           <a:xfrm>
-            <a:off x="838080" y="365040"/>
-            <a:ext cx="10515240" cy="1325160"/>
-          </a:xfrm>
-          <a:prstGeom prst="rect">
-            <a:avLst/>
-          </a:prstGeom>
-        </p:spPr>
-        <p:txBody>
-          <a:bodyPr anchor="ctr"/>
-          <a:p>
-            <a:pPr>
-              <a:lnSpc>
-                <a:spcPct val="90000"/>
-              </a:lnSpc>
-            </a:pPr>
+            <a:off x="609480" y="273600"/>
+            <a:ext cx="10972440" cy="1144800"/>
+          </a:xfrm>
+          <a:prstGeom prst="rect">
+            <a:avLst/>
+          </a:prstGeom>
+        </p:spPr>
+        <p:txBody>
+          <a:bodyPr lIns="0" rIns="0" tIns="0" bIns="0" anchor="ctr"/>
+          <a:p>
+            <a:pPr algn="ctr"/>
             <a:r>
-              <a:rPr b="0" lang="en-US" sz="4400" spc="-1" strike="noStrike">
-                <a:solidFill>
-                  <a:srgbClr val="000000"/>
-                </a:solidFill>
-                <a:latin typeface="Calibri Light"/>
+              <a:rPr b="0" lang="en-IN" sz="4400" spc="-1" strike="noStrike">
+                <a:latin typeface="Arial"/>
               </a:rPr>
               <a:t>Click to edit </a:t>
             </a:r>
             <a:r>
-              <a:rPr b="0" lang="en-US" sz="4400" spc="-1" strike="noStrike">
-                <a:solidFill>
-                  <a:srgbClr val="000000"/>
-                </a:solidFill>
-                <a:latin typeface="Calibri Light"/>
+              <a:rPr b="0" lang="en-IN" sz="4400" spc="-1" strike="noStrike">
+                <a:latin typeface="Arial"/>
               </a:rPr>
-              <a:t>Master title </a:t>
+              <a:t>the title text </a:t>
             </a:r>
             <a:r>
-              <a:rPr b="0" lang="en-US" sz="4400" spc="-1" strike="noStrike">
-                <a:solidFill>
-                  <a:srgbClr val="000000"/>
-                </a:solidFill>
-                <a:latin typeface="Calibri Light"/>
+              <a:rPr b="0" lang="en-IN" sz="4400" spc="-1" strike="noStrike">
+                <a:latin typeface="Arial"/>
               </a:rPr>
-              <a:t>style</a:t>
+              <a:t>format</a:t>
             </a:r>
-            <a:endParaRPr b="0" lang="en-US" sz="4400" spc="-1" strike="noStrike">
-              <a:solidFill>
-                <a:srgbClr val="000000"/>
-              </a:solidFill>
-              <a:latin typeface="Calibri"/>
-            </a:endParaRPr>
-          </a:p>
-        </p:txBody>
-      </p:sp>
-      <p:sp>
-        <p:nvSpPr>
-          <p:cNvPr id="42" name="PlaceHolder 2"/>
+            <a:endParaRPr b="0" lang="en-IN" sz="4400" spc="-1" strike="noStrike">
+              <a:latin typeface="Arial"/>
+            </a:endParaRPr>
+          </a:p>
+        </p:txBody>
+      </p:sp>
+      <p:sp>
+        <p:nvSpPr>
+          <p:cNvPr id="39" name="PlaceHolder 2"/>
           <p:cNvSpPr>
             <a:spLocks noGrp="1"/>
           </p:cNvSpPr>
@@ -3756,275 +3030,169 @@
         </p:nvSpPr>
         <p:spPr>
           <a:xfrm>
-            <a:off x="838080" y="1825560"/>
-            <a:ext cx="10515240" cy="4350960"/>
-          </a:xfrm>
-          <a:prstGeom prst="rect">
-            <a:avLst/>
-          </a:prstGeom>
-        </p:spPr>
-        <p:txBody>
-          <a:bodyPr/>
-          <a:p>
-            <a:pPr marL="228600" indent="-228240">
-              <a:lnSpc>
-                <a:spcPct val="90000"/>
-              </a:lnSpc>
+            <a:off x="609480" y="1604520"/>
+            <a:ext cx="10972440" cy="3977280"/>
+          </a:xfrm>
+          <a:prstGeom prst="rect">
+            <a:avLst/>
+          </a:prstGeom>
+        </p:spPr>
+        <p:txBody>
+          <a:bodyPr lIns="0" rIns="0" tIns="0" bIns="0">
+            <a:normAutofit/>
+          </a:bodyPr>
+          <a:p>
+            <a:pPr marL="432000" indent="-324000">
               <a:spcBef>
-                <a:spcPts val="1001"/>
+                <a:spcPts val="1417"/>
               </a:spcBef>
               <a:buClr>
                 <a:srgbClr val="000000"/>
               </a:buClr>
-              <a:buFont typeface="Arial"/>
-              <a:buChar char="•"/>
+              <a:buSzPct val="45000"/>
+              <a:buFont typeface="Wingdings" charset="2"/>
+              <a:buChar char=""/>
             </a:pPr>
             <a:r>
-              <a:rPr b="0" lang="en-US" sz="2800" spc="-1" strike="noStrike">
-                <a:solidFill>
-                  <a:srgbClr val="000000"/>
-                </a:solidFill>
-                <a:latin typeface="Calibri"/>
+              <a:rPr b="0" lang="en-IN" sz="3200" spc="-1" strike="noStrike">
+                <a:latin typeface="Arial"/>
               </a:rPr>
-              <a:t>Click to edit Master text styles</a:t>
+              <a:t>Click to edit the outline text format</a:t>
             </a:r>
-            <a:endParaRPr b="0" lang="en-US" sz="2800" spc="-1" strike="noStrike">
-              <a:solidFill>
-                <a:srgbClr val="000000"/>
-              </a:solidFill>
-              <a:latin typeface="Calibri"/>
-            </a:endParaRPr>
-          </a:p>
-          <a:p>
-            <a:pPr lvl="1" marL="685800" indent="-228240">
-              <a:lnSpc>
-                <a:spcPct val="90000"/>
-              </a:lnSpc>
+            <a:endParaRPr b="0" lang="en-IN" sz="3200" spc="-1" strike="noStrike">
+              <a:latin typeface="Arial"/>
+            </a:endParaRPr>
+          </a:p>
+          <a:p>
+            <a:pPr lvl="1" marL="864000" indent="-324000">
               <a:spcBef>
-                <a:spcPts val="499"/>
+                <a:spcPts val="1134"/>
               </a:spcBef>
               <a:buClr>
                 <a:srgbClr val="000000"/>
               </a:buClr>
-              <a:buFont typeface="Arial"/>
-              <a:buChar char="•"/>
+              <a:buSzPct val="75000"/>
+              <a:buFont typeface="Symbol" charset="2"/>
+              <a:buChar char=""/>
             </a:pPr>
             <a:r>
-              <a:rPr b="0" lang="en-US" sz="2400" spc="-1" strike="noStrike">
-                <a:solidFill>
-                  <a:srgbClr val="000000"/>
-                </a:solidFill>
-                <a:latin typeface="Calibri"/>
+              <a:rPr b="0" lang="en-IN" sz="2800" spc="-1" strike="noStrike">
+                <a:latin typeface="Arial"/>
               </a:rPr>
-              <a:t>Second level</a:t>
+              <a:t>Second Outline Level</a:t>
             </a:r>
-            <a:endParaRPr b="0" lang="en-US" sz="2400" spc="-1" strike="noStrike">
-              <a:solidFill>
-                <a:srgbClr val="000000"/>
-              </a:solidFill>
-              <a:latin typeface="Calibri"/>
-            </a:endParaRPr>
-          </a:p>
-          <a:p>
-            <a:pPr lvl="2" marL="1143000" indent="-228240">
-              <a:lnSpc>
-                <a:spcPct val="90000"/>
-              </a:lnSpc>
+            <a:endParaRPr b="0" lang="en-IN" sz="2800" spc="-1" strike="noStrike">
+              <a:latin typeface="Arial"/>
+            </a:endParaRPr>
+          </a:p>
+          <a:p>
+            <a:pPr lvl="2" marL="1296000" indent="-288000">
               <a:spcBef>
-                <a:spcPts val="499"/>
+                <a:spcPts val="850"/>
               </a:spcBef>
               <a:buClr>
                 <a:srgbClr val="000000"/>
               </a:buClr>
-              <a:buFont typeface="Arial"/>
-              <a:buChar char="•"/>
+              <a:buSzPct val="45000"/>
+              <a:buFont typeface="Wingdings" charset="2"/>
+              <a:buChar char=""/>
             </a:pPr>
             <a:r>
-              <a:rPr b="0" lang="en-US" sz="2000" spc="-1" strike="noStrike">
-                <a:solidFill>
-                  <a:srgbClr val="000000"/>
-                </a:solidFill>
-                <a:latin typeface="Calibri"/>
+              <a:rPr b="0" lang="en-IN" sz="2400" spc="-1" strike="noStrike">
+                <a:latin typeface="Arial"/>
               </a:rPr>
-              <a:t>Third level</a:t>
+              <a:t>Third Outline Level</a:t>
             </a:r>
-            <a:endParaRPr b="0" lang="en-US" sz="2000" spc="-1" strike="noStrike">
-              <a:solidFill>
-                <a:srgbClr val="000000"/>
-              </a:solidFill>
-              <a:latin typeface="Calibri"/>
-            </a:endParaRPr>
-          </a:p>
-          <a:p>
-            <a:pPr lvl="3" marL="1600200" indent="-228240">
-              <a:lnSpc>
-                <a:spcPct val="90000"/>
-              </a:lnSpc>
+            <a:endParaRPr b="0" lang="en-IN" sz="2400" spc="-1" strike="noStrike">
+              <a:latin typeface="Arial"/>
+            </a:endParaRPr>
+          </a:p>
+          <a:p>
+            <a:pPr lvl="3" marL="1728000" indent="-216000">
               <a:spcBef>
-                <a:spcPts val="499"/>
+                <a:spcPts val="567"/>
               </a:spcBef>
               <a:buClr>
                 <a:srgbClr val="000000"/>
               </a:buClr>
-              <a:buFont typeface="Arial"/>
-              <a:buChar char="•"/>
+              <a:buSzPct val="75000"/>
+              <a:buFont typeface="Symbol" charset="2"/>
+              <a:buChar char=""/>
             </a:pPr>
             <a:r>
-              <a:rPr b="0" lang="en-US" sz="1800" spc="-1" strike="noStrike">
-                <a:solidFill>
-                  <a:srgbClr val="000000"/>
-                </a:solidFill>
-                <a:latin typeface="Calibri"/>
+              <a:rPr b="0" lang="en-IN" sz="2000" spc="-1" strike="noStrike">
+                <a:latin typeface="Arial"/>
               </a:rPr>
-              <a:t>Fourth level</a:t>
+              <a:t>Fourth Outline Level</a:t>
             </a:r>
-            <a:endParaRPr b="0" lang="en-US" sz="1800" spc="-1" strike="noStrike">
-              <a:solidFill>
-                <a:srgbClr val="000000"/>
-              </a:solidFill>
-              <a:latin typeface="Calibri"/>
-            </a:endParaRPr>
-          </a:p>
-          <a:p>
-            <a:pPr lvl="4" marL="2057400" indent="-228240">
-              <a:lnSpc>
-                <a:spcPct val="90000"/>
-              </a:lnSpc>
+            <a:endParaRPr b="0" lang="en-IN" sz="2000" spc="-1" strike="noStrike">
+              <a:latin typeface="Arial"/>
+            </a:endParaRPr>
+          </a:p>
+          <a:p>
+            <a:pPr lvl="4" marL="2160000" indent="-216000">
               <a:spcBef>
-                <a:spcPts val="499"/>
+                <a:spcPts val="283"/>
               </a:spcBef>
               <a:buClr>
                 <a:srgbClr val="000000"/>
               </a:buClr>
-              <a:buFont typeface="Arial"/>
-              <a:buChar char="•"/>
+              <a:buSzPct val="45000"/>
+              <a:buFont typeface="Wingdings" charset="2"/>
+              <a:buChar char=""/>
             </a:pPr>
             <a:r>
-              <a:rPr b="0" lang="en-US" sz="1800" spc="-1" strike="noStrike">
-                <a:solidFill>
-                  <a:srgbClr val="000000"/>
-                </a:solidFill>
-                <a:latin typeface="Calibri"/>
+              <a:rPr b="0" lang="en-IN" sz="2000" spc="-1" strike="noStrike">
+                <a:latin typeface="Arial"/>
               </a:rPr>
-              <a:t>Fifth level</a:t>
+              <a:t>Fifth Outline Level</a:t>
             </a:r>
-            <a:endParaRPr b="0" lang="en-US" sz="1800" spc="-1" strike="noStrike">
-              <a:solidFill>
+            <a:endParaRPr b="0" lang="en-IN" sz="2000" spc="-1" strike="noStrike">
+              <a:latin typeface="Arial"/>
+            </a:endParaRPr>
+          </a:p>
+          <a:p>
+            <a:pPr lvl="5" marL="2592000" indent="-216000">
+              <a:spcBef>
+                <a:spcPts val="283"/>
+              </a:spcBef>
+              <a:buClr>
                 <a:srgbClr val="000000"/>
-              </a:solidFill>
-              <a:latin typeface="Calibri"/>
-            </a:endParaRPr>
-          </a:p>
-        </p:txBody>
-      </p:sp>
-      <p:sp>
-        <p:nvSpPr>
-          <p:cNvPr id="43" name="PlaceHolder 3"/>
-          <p:cNvSpPr>
-            <a:spLocks noGrp="1"/>
-          </p:cNvSpPr>
-          <p:nvPr>
-            <p:ph type="dt"/>
-          </p:nvPr>
-        </p:nvSpPr>
-        <p:spPr>
-          <a:xfrm>
-            <a:off x="838080" y="6356520"/>
-            <a:ext cx="2742840" cy="364680"/>
-          </a:xfrm>
-          <a:prstGeom prst="rect">
-            <a:avLst/>
-          </a:prstGeom>
-        </p:spPr>
-        <p:txBody>
-          <a:bodyPr anchor="ctr"/>
-          <a:p>
-            <a:pPr>
-              <a:lnSpc>
-                <a:spcPct val="100000"/>
-              </a:lnSpc>
+              </a:buClr>
+              <a:buSzPct val="45000"/>
+              <a:buFont typeface="Wingdings" charset="2"/>
+              <a:buChar char=""/>
             </a:pPr>
-            <a:fld id="{ADD84517-9328-488B-A9C4-3588A75DF944}" type="datetime">
-              <a:rPr b="0" lang="en-IN" sz="1200" spc="-1" strike="noStrike">
-                <a:solidFill>
-                  <a:srgbClr val="8b8b8b"/>
-                </a:solidFill>
-                <a:latin typeface="Calibri"/>
+            <a:r>
+              <a:rPr b="0" lang="en-IN" sz="2000" spc="-1" strike="noStrike">
+                <a:latin typeface="Arial"/>
               </a:rPr>
-              <a:t>31/03/20</a:t>
-            </a:fld>
-            <a:endParaRPr b="0" lang="en-IN" sz="1200" spc="-1" strike="noStrike">
-              <a:latin typeface="Times New Roman"/>
-            </a:endParaRPr>
-          </a:p>
-        </p:txBody>
-      </p:sp>
-      <p:sp>
-        <p:nvSpPr>
-          <p:cNvPr id="44" name="PlaceHolder 4"/>
-          <p:cNvSpPr>
-            <a:spLocks noGrp="1"/>
-          </p:cNvSpPr>
-          <p:nvPr>
-            <p:ph type="ftr"/>
-          </p:nvPr>
-        </p:nvSpPr>
-        <p:spPr>
-          <a:xfrm>
-            <a:off x="4038480" y="6356520"/>
-            <a:ext cx="4114440" cy="364680"/>
-          </a:xfrm>
-          <a:prstGeom prst="rect">
-            <a:avLst/>
-          </a:prstGeom>
-        </p:spPr>
-        <p:txBody>
-          <a:bodyPr anchor="ctr"/>
-          <a:p>
-            <a:endParaRPr b="0" lang="en-IN" sz="2400" spc="-1" strike="noStrike">
-              <a:latin typeface="Times New Roman"/>
-            </a:endParaRPr>
-          </a:p>
-        </p:txBody>
-      </p:sp>
-      <p:sp>
-        <p:nvSpPr>
-          <p:cNvPr id="45" name="PlaceHolder 5"/>
-          <p:cNvSpPr>
-            <a:spLocks noGrp="1"/>
-          </p:cNvSpPr>
-          <p:nvPr>
-            <p:ph type="sldNum"/>
-          </p:nvPr>
-        </p:nvSpPr>
-        <p:spPr>
-          <a:xfrm>
-            <a:off x="8610480" y="6356520"/>
-            <a:ext cx="2742840" cy="364680"/>
-          </a:xfrm>
-          <a:prstGeom prst="rect">
-            <a:avLst/>
-          </a:prstGeom>
-        </p:spPr>
-        <p:txBody>
-          <a:bodyPr anchor="ctr"/>
-          <a:p>
-            <a:pPr algn="r">
-              <a:lnSpc>
-                <a:spcPct val="100000"/>
-              </a:lnSpc>
+              <a:t>Sixth Outline Level</a:t>
+            </a:r>
+            <a:endParaRPr b="0" lang="en-IN" sz="2000" spc="-1" strike="noStrike">
+              <a:latin typeface="Arial"/>
+            </a:endParaRPr>
+          </a:p>
+          <a:p>
+            <a:pPr lvl="6" marL="3024000" indent="-216000">
+              <a:spcBef>
+                <a:spcPts val="283"/>
+              </a:spcBef>
+              <a:buClr>
+                <a:srgbClr val="000000"/>
+              </a:buClr>
+              <a:buSzPct val="45000"/>
+              <a:buFont typeface="Wingdings" charset="2"/>
+              <a:buChar char=""/>
             </a:pPr>
-            <a:fld id="{748A959C-36C4-416E-A596-1ABB7EFED854}" type="slidenum">
-              <a:rPr b="0" lang="en-IN" sz="1200" spc="-1" strike="noStrike">
-                <a:solidFill>
-                  <a:srgbClr val="8b8b8b"/>
-                </a:solidFill>
-                <a:latin typeface="Calibri"/>
+            <a:r>
+              <a:rPr b="0" lang="en-IN" sz="2000" spc="-1" strike="noStrike">
+                <a:latin typeface="Arial"/>
               </a:rPr>
-              <a:t>&lt;number&gt;</a:t>
-            </a:fld>
-            <a:endParaRPr b="0" lang="en-IN" sz="1200" spc="-1" strike="noStrike">
-              <a:latin typeface="Times New Roman"/>
+              <a:t>Seventh Outline Level</a:t>
+            </a:r>
+            <a:endParaRPr b="0" lang="en-IN" sz="2000" spc="-1" strike="noStrike">
+              <a:latin typeface="Arial"/>
             </a:endParaRPr>
           </a:p>
         </p:txBody>
@@ -4068,14 +3236,14 @@
       </p:grpSpPr>
       <p:sp>
         <p:nvSpPr>
-          <p:cNvPr id="88" name="TextShape 1"/>
-          <p:cNvSpPr txBox="1"/>
+          <p:cNvPr id="76" name="CustomShape 1"/>
+          <p:cNvSpPr/>
           <p:nvPr/>
         </p:nvSpPr>
         <p:spPr>
           <a:xfrm>
             <a:off x="1523880" y="1122480"/>
-            <a:ext cx="9143640" cy="2387160"/>
+            <a:ext cx="9143280" cy="2386800"/>
           </a:xfrm>
           <a:prstGeom prst="rect">
             <a:avLst/>
@@ -4085,8 +3253,14 @@
             <a:noFill/>
           </a:ln>
         </p:spPr>
-        <p:txBody>
-          <a:bodyPr anchor="b"/>
+        <p:style>
+          <a:lnRef idx="0"/>
+          <a:fillRef idx="0"/>
+          <a:effectRef idx="0"/>
+          <a:fontRef idx="minor"/>
+        </p:style>
+        <p:txBody>
+          <a:bodyPr lIns="90000" rIns="90000" tIns="45000" bIns="45000" anchor="b"/>
           <a:p>
             <a:pPr algn="ctr">
               <a:lnSpc>
@@ -4094,7 +3268,7 @@
               </a:lnSpc>
             </a:pPr>
             <a:r>
-              <a:rPr b="0" lang="en-US" sz="6000" spc="-1" strike="noStrike">
+              <a:rPr b="0" lang="en-IN" sz="6000" spc="-1" strike="noStrike">
                 <a:solidFill>
                   <a:srgbClr val="000000"/>
                 </a:solidFill>
@@ -4102,25 +3276,22 @@
               </a:rPr>
               <a:t>KOORDYNATOR</a:t>
             </a:r>
-            <a:endParaRPr b="0" lang="en-US" sz="6000" spc="-1" strike="noStrike">
-              <a:solidFill>
-                <a:srgbClr val="000000"/>
-              </a:solidFill>
-              <a:latin typeface="Calibri"/>
-            </a:endParaRPr>
-          </a:p>
-        </p:txBody>
-      </p:sp>
-      <p:sp>
-        <p:nvSpPr>
-          <p:cNvPr id="89" name="TextShape 2"/>
-          <p:cNvSpPr txBox="1"/>
+            <a:endParaRPr b="0" lang="en-IN" sz="6000" spc="-1" strike="noStrike">
+              <a:latin typeface="Arial"/>
+            </a:endParaRPr>
+          </a:p>
+        </p:txBody>
+      </p:sp>
+      <p:sp>
+        <p:nvSpPr>
+          <p:cNvPr id="77" name="CustomShape 2"/>
+          <p:cNvSpPr/>
           <p:nvPr/>
         </p:nvSpPr>
         <p:spPr>
           <a:xfrm>
             <a:off x="1523880" y="3602160"/>
-            <a:ext cx="9143640" cy="1655280"/>
+            <a:ext cx="9143280" cy="1654920"/>
           </a:xfrm>
           <a:prstGeom prst="rect">
             <a:avLst/>
@@ -4130,8 +3301,14 @@
             <a:noFill/>
           </a:ln>
         </p:spPr>
-        <p:txBody>
-          <a:bodyPr/>
+        <p:style>
+          <a:lnRef idx="0"/>
+          <a:fillRef idx="0"/>
+          <a:effectRef idx="0"/>
+          <a:fontRef idx="minor"/>
+        </p:style>
+        <p:txBody>
+          <a:bodyPr lIns="90000" rIns="90000" tIns="45000" bIns="45000"/>
           <a:p>
             <a:pPr algn="ctr">
               <a:lnSpc>
@@ -4207,14 +3384,14 @@
       </p:grpSpPr>
       <p:sp>
         <p:nvSpPr>
-          <p:cNvPr id="104" name="TextShape 1"/>
-          <p:cNvSpPr txBox="1"/>
+          <p:cNvPr id="92" name="CustomShape 1"/>
+          <p:cNvSpPr/>
           <p:nvPr/>
         </p:nvSpPr>
         <p:spPr>
           <a:xfrm>
             <a:off x="838080" y="365040"/>
-            <a:ext cx="10515240" cy="1325160"/>
+            <a:ext cx="10514880" cy="1324800"/>
           </a:xfrm>
           <a:prstGeom prst="rect">
             <a:avLst/>
@@ -4224,8 +3401,14 @@
             <a:noFill/>
           </a:ln>
         </p:spPr>
-        <p:txBody>
-          <a:bodyPr anchor="ctr"/>
+        <p:style>
+          <a:lnRef idx="0"/>
+          <a:fillRef idx="0"/>
+          <a:effectRef idx="0"/>
+          <a:fontRef idx="minor"/>
+        </p:style>
+        <p:txBody>
+          <a:bodyPr lIns="90000" rIns="90000" tIns="45000" bIns="45000" anchor="ctr"/>
           <a:p>
             <a:pPr>
               <a:lnSpc>
@@ -4233,32 +3416,29 @@
               </a:lnSpc>
             </a:pPr>
             <a:r>
-              <a:rPr b="0" lang="en-US" sz="4400" spc="-1" strike="noStrike">
+              <a:rPr b="0" lang="en-IN" sz="4400" spc="-1" strike="noStrike">
                 <a:solidFill>
                   <a:srgbClr val="000000"/>
                 </a:solidFill>
                 <a:latin typeface="Calibri Light"/>
               </a:rPr>
-              <a:t>Participants</a:t>
+              <a:t>Volunteer</a:t>
             </a:r>
-            <a:endParaRPr b="0" lang="en-US" sz="4400" spc="-1" strike="noStrike">
-              <a:solidFill>
-                <a:srgbClr val="000000"/>
-              </a:solidFill>
-              <a:latin typeface="Calibri"/>
+            <a:endParaRPr b="0" lang="en-IN" sz="4400" spc="-1" strike="noStrike">
+              <a:latin typeface="Arial"/>
             </a:endParaRPr>
           </a:p>
         </p:txBody>
       </p:sp>
       <p:graphicFrame>
         <p:nvGraphicFramePr>
-          <p:cNvPr id="105" name="Table 2"/>
+          <p:cNvPr id="93" name="Table 2"/>
           <p:cNvGraphicFramePr/>
           <p:nvPr/>
         </p:nvGraphicFramePr>
         <p:xfrm>
           <a:off x="838080" y="1825560"/>
-          <a:ext cx="10515240" cy="2435400"/>
+          <a:ext cx="10514880" cy="2435040"/>
         </p:xfrm>
         <a:graphic>
           <a:graphicData uri="http://schemas.openxmlformats.org/drawingml/2006/table">
@@ -5172,10 +4352,10 @@
   <p:timing>
     <p:tnLst>
       <p:par>
-        <p:cTn id="13" dur="indefinite" restart="never" nodeType="tmRoot">
+        <p:cTn id="19" dur="indefinite" restart="never" nodeType="tmRoot">
           <p:childTnLst>
             <p:seq>
-              <p:cTn id="14" dur="indefinite" nodeType="mainSeq"/>
+              <p:cTn id="20" dur="indefinite" nodeType="mainSeq"/>
               <p:prevCondLst>
                 <p:cond delay="0" evt="onPrev">
                   <p:tgtEl>
@@ -5218,14 +4398,14 @@
       </p:grpSpPr>
       <p:sp>
         <p:nvSpPr>
-          <p:cNvPr id="106" name="TextShape 1"/>
-          <p:cNvSpPr txBox="1"/>
+          <p:cNvPr id="94" name="CustomShape 1"/>
+          <p:cNvSpPr/>
           <p:nvPr/>
         </p:nvSpPr>
         <p:spPr>
           <a:xfrm>
             <a:off x="838080" y="365040"/>
-            <a:ext cx="10515240" cy="1325160"/>
+            <a:ext cx="10514880" cy="1324800"/>
           </a:xfrm>
           <a:prstGeom prst="rect">
             <a:avLst/>
@@ -5235,8 +4415,14 @@
             <a:noFill/>
           </a:ln>
         </p:spPr>
-        <p:txBody>
-          <a:bodyPr anchor="ctr"/>
+        <p:style>
+          <a:lnRef idx="0"/>
+          <a:fillRef idx="0"/>
+          <a:effectRef idx="0"/>
+          <a:fontRef idx="minor"/>
+        </p:style>
+        <p:txBody>
+          <a:bodyPr lIns="90000" rIns="90000" tIns="45000" bIns="45000" anchor="ctr"/>
           <a:p>
             <a:pPr>
               <a:lnSpc>
@@ -5244,32 +4430,29 @@
               </a:lnSpc>
             </a:pPr>
             <a:r>
-              <a:rPr b="0" lang="en-US" sz="4400" spc="-1" strike="noStrike">
+              <a:rPr b="0" lang="en-IN" sz="4400" spc="-1" strike="noStrike">
                 <a:solidFill>
                   <a:srgbClr val="000000"/>
                 </a:solidFill>
                 <a:latin typeface="Calibri Light"/>
               </a:rPr>
-              <a:t>Volunteer</a:t>
+              <a:t>Activities</a:t>
             </a:r>
-            <a:endParaRPr b="0" lang="en-US" sz="4400" spc="-1" strike="noStrike">
-              <a:solidFill>
-                <a:srgbClr val="000000"/>
-              </a:solidFill>
-              <a:latin typeface="Calibri"/>
+            <a:endParaRPr b="0" lang="en-IN" sz="4400" spc="-1" strike="noStrike">
+              <a:latin typeface="Arial"/>
             </a:endParaRPr>
           </a:p>
         </p:txBody>
       </p:sp>
       <p:graphicFrame>
         <p:nvGraphicFramePr>
-          <p:cNvPr id="107" name="Table 2"/>
+          <p:cNvPr id="95" name="Table 2"/>
           <p:cNvGraphicFramePr/>
           <p:nvPr/>
         </p:nvGraphicFramePr>
         <p:xfrm>
           <a:off x="838080" y="1825560"/>
-          <a:ext cx="10515240" cy="2435400"/>
+          <a:ext cx="10514880" cy="1071000"/>
         </p:xfrm>
         <a:graphic>
           <a:graphicData uri="http://schemas.openxmlformats.org/drawingml/2006/table">
@@ -5280,7 +4463,7 @@
                 <a:gridCol w="3504960"/>
                 <a:gridCol w="3505320"/>
               </a:tblGrid>
-              <a:tr h="405720">
+              <a:tr h="357120">
                 <a:tc>
                   <a:txBody>
                     <a:bodyPr/>
@@ -5429,7 +4612,7 @@
                   </a:tcPr>
                 </a:tc>
               </a:tr>
-              <a:tr h="405720">
+              <a:tr h="357120">
                 <a:tc>
                   <a:txBody>
                     <a:bodyPr/>
@@ -5578,7 +4761,7 @@
                   </a:tcPr>
                 </a:tc>
               </a:tr>
-              <a:tr h="405720">
+              <a:tr h="357120">
                 <a:tc>
                   <a:txBody>
                     <a:bodyPr/>
@@ -5595,7 +4778,7 @@
                           </a:solidFill>
                           <a:latin typeface="Calibri"/>
                         </a:rPr>
-                        <a:t>Email</a:t>
+                        <a:t>Value</a:t>
                       </a:r>
                       <a:endParaRPr b="0" lang="en-IN" sz="1800" spc="-1" strike="noStrike">
                         <a:latin typeface="Arial"/>
@@ -5644,7 +4827,7 @@
                           </a:solidFill>
                           <a:latin typeface="Calibri"/>
                         </a:rPr>
-                        <a:t>String</a:t>
+                        <a:t>Boolean</a:t>
                       </a:r>
                       <a:endParaRPr b="0" lang="en-IN" sz="1800" spc="-1" strike="noStrike">
                         <a:latin typeface="Arial"/>
@@ -5727,453 +4910,6 @@
                   </a:tcPr>
                 </a:tc>
               </a:tr>
-              <a:tr h="405720">
-                <a:tc>
-                  <a:txBody>
-                    <a:bodyPr/>
-                    <a:p>
-                      <a:pPr>
-                        <a:lnSpc>
-                          <a:spcPct val="100000"/>
-                        </a:lnSpc>
-                      </a:pPr>
-                      <a:r>
-                        <a:rPr b="0" lang="en-IN" sz="1800" spc="-1" strike="noStrike">
-                          <a:solidFill>
-                            <a:srgbClr val="000000"/>
-                          </a:solidFill>
-                          <a:latin typeface="Calibri"/>
-                        </a:rPr>
-                        <a:t>Address</a:t>
-                      </a:r>
-                      <a:endParaRPr b="0" lang="en-IN" sz="1800" spc="-1" strike="noStrike">
-                        <a:latin typeface="Arial"/>
-                      </a:endParaRPr>
-                    </a:p>
-                  </a:txBody>
-                  <a:tcPr marL="91440" marR="91440">
-                    <a:lnL w="12240">
-                      <a:solidFill>
-                        <a:srgbClr val="ffffff"/>
-                      </a:solidFill>
-                    </a:lnL>
-                    <a:lnR w="12240">
-                      <a:solidFill>
-                        <a:srgbClr val="ffffff"/>
-                      </a:solidFill>
-                    </a:lnR>
-                    <a:lnT w="12240">
-                      <a:solidFill>
-                        <a:srgbClr val="ffffff"/>
-                      </a:solidFill>
-                    </a:lnT>
-                    <a:lnB w="12240">
-                      <a:solidFill>
-                        <a:srgbClr val="ffffff"/>
-                      </a:solidFill>
-                    </a:lnB>
-                    <a:solidFill>
-                      <a:srgbClr val="d1deef"/>
-                    </a:solidFill>
-                  </a:tcPr>
-                </a:tc>
-                <a:tc>
-                  <a:txBody>
-                    <a:bodyPr/>
-                    <a:p>
-                      <a:pPr>
-                        <a:lnSpc>
-                          <a:spcPct val="100000"/>
-                        </a:lnSpc>
-                      </a:pPr>
-                      <a:r>
-                        <a:rPr b="0" lang="en-IN" sz="1800" spc="-1" strike="noStrike">
-                          <a:solidFill>
-                            <a:srgbClr val="000000"/>
-                          </a:solidFill>
-                          <a:latin typeface="Calibri"/>
-                        </a:rPr>
-                        <a:t>String</a:t>
-                      </a:r>
-                      <a:endParaRPr b="0" lang="en-IN" sz="1800" spc="-1" strike="noStrike">
-                        <a:latin typeface="Arial"/>
-                      </a:endParaRPr>
-                    </a:p>
-                  </a:txBody>
-                  <a:tcPr marL="91440" marR="91440">
-                    <a:lnL w="12240">
-                      <a:solidFill>
-                        <a:srgbClr val="ffffff"/>
-                      </a:solidFill>
-                    </a:lnL>
-                    <a:lnR w="12240">
-                      <a:solidFill>
-                        <a:srgbClr val="ffffff"/>
-                      </a:solidFill>
-                    </a:lnR>
-                    <a:lnT w="12240">
-                      <a:solidFill>
-                        <a:srgbClr val="ffffff"/>
-                      </a:solidFill>
-                    </a:lnT>
-                    <a:lnB w="12240">
-                      <a:solidFill>
-                        <a:srgbClr val="ffffff"/>
-                      </a:solidFill>
-                    </a:lnB>
-                    <a:solidFill>
-                      <a:srgbClr val="d1deef"/>
-                    </a:solidFill>
-                  </a:tcPr>
-                </a:tc>
-                <a:tc>
-                  <a:txBody>
-                    <a:bodyPr/>
-                    <a:p>
-                      <a:pPr>
-                        <a:lnSpc>
-                          <a:spcPct val="100000"/>
-                        </a:lnSpc>
-                      </a:pPr>
-                      <a:r>
-                        <a:rPr b="0" lang="en-IN" sz="1800" spc="-1" strike="noStrike">
-                          <a:solidFill>
-                            <a:srgbClr val="000000"/>
-                          </a:solidFill>
-                          <a:latin typeface="Calibri"/>
-                        </a:rPr>
-                        <a:t>Required</a:t>
-                      </a:r>
-                      <a:endParaRPr b="0" lang="en-IN" sz="1800" spc="-1" strike="noStrike">
-                        <a:latin typeface="Arial"/>
-                      </a:endParaRPr>
-                    </a:p>
-                  </a:txBody>
-                  <a:tcPr marL="91440" marR="91440">
-                    <a:lnL w="12240">
-                      <a:solidFill>
-                        <a:srgbClr val="ffffff"/>
-                      </a:solidFill>
-                    </a:lnL>
-                    <a:lnR w="12240">
-                      <a:solidFill>
-                        <a:srgbClr val="ffffff"/>
-                      </a:solidFill>
-                    </a:lnR>
-                    <a:lnT w="12240">
-                      <a:solidFill>
-                        <a:srgbClr val="ffffff"/>
-                      </a:solidFill>
-                    </a:lnT>
-                    <a:lnB w="12240">
-                      <a:solidFill>
-                        <a:srgbClr val="ffffff"/>
-                      </a:solidFill>
-                    </a:lnB>
-                    <a:solidFill>
-                      <a:srgbClr val="d1deef"/>
-                    </a:solidFill>
-                  </a:tcPr>
-                </a:tc>
-              </a:tr>
-              <a:tr h="405720">
-                <a:tc>
-                  <a:txBody>
-                    <a:bodyPr/>
-                    <a:p>
-                      <a:pPr>
-                        <a:lnSpc>
-                          <a:spcPct val="100000"/>
-                        </a:lnSpc>
-                      </a:pPr>
-                      <a:r>
-                        <a:rPr b="0" lang="en-IN" sz="1800" spc="-1" strike="noStrike">
-                          <a:solidFill>
-                            <a:srgbClr val="000000"/>
-                          </a:solidFill>
-                          <a:latin typeface="Calibri"/>
-                        </a:rPr>
-                        <a:t>Company</a:t>
-                      </a:r>
-                      <a:endParaRPr b="0" lang="en-IN" sz="1800" spc="-1" strike="noStrike">
-                        <a:latin typeface="Arial"/>
-                      </a:endParaRPr>
-                    </a:p>
-                  </a:txBody>
-                  <a:tcPr marL="91440" marR="91440">
-                    <a:lnL w="12240">
-                      <a:solidFill>
-                        <a:srgbClr val="ffffff"/>
-                      </a:solidFill>
-                    </a:lnL>
-                    <a:lnR w="12240">
-                      <a:solidFill>
-                        <a:srgbClr val="ffffff"/>
-                      </a:solidFill>
-                    </a:lnR>
-                    <a:lnT w="12240">
-                      <a:solidFill>
-                        <a:srgbClr val="ffffff"/>
-                      </a:solidFill>
-                    </a:lnT>
-                    <a:lnB w="12240">
-                      <a:solidFill>
-                        <a:srgbClr val="ffffff"/>
-                      </a:solidFill>
-                    </a:lnB>
-                    <a:solidFill>
-                      <a:srgbClr val="e9eff7"/>
-                    </a:solidFill>
-                  </a:tcPr>
-                </a:tc>
-                <a:tc>
-                  <a:txBody>
-                    <a:bodyPr/>
-                    <a:p>
-                      <a:pPr>
-                        <a:lnSpc>
-                          <a:spcPct val="100000"/>
-                        </a:lnSpc>
-                      </a:pPr>
-                      <a:r>
-                        <a:rPr b="0" lang="en-IN" sz="1800" spc="-1" strike="noStrike">
-                          <a:solidFill>
-                            <a:srgbClr val="000000"/>
-                          </a:solidFill>
-                          <a:latin typeface="Calibri"/>
-                        </a:rPr>
-                        <a:t>String</a:t>
-                      </a:r>
-                      <a:endParaRPr b="0" lang="en-IN" sz="1800" spc="-1" strike="noStrike">
-                        <a:latin typeface="Arial"/>
-                      </a:endParaRPr>
-                    </a:p>
-                  </a:txBody>
-                  <a:tcPr marL="91440" marR="91440">
-                    <a:lnL w="12240">
-                      <a:solidFill>
-                        <a:srgbClr val="ffffff"/>
-                      </a:solidFill>
-                    </a:lnL>
-                    <a:lnR w="12240">
-                      <a:solidFill>
-                        <a:srgbClr val="ffffff"/>
-                      </a:solidFill>
-                    </a:lnR>
-                    <a:lnT w="12240">
-                      <a:solidFill>
-                        <a:srgbClr val="ffffff"/>
-                      </a:solidFill>
-                    </a:lnT>
-                    <a:lnB w="12240">
-                      <a:solidFill>
-                        <a:srgbClr val="ffffff"/>
-                      </a:solidFill>
-                    </a:lnB>
-                    <a:solidFill>
-                      <a:srgbClr val="e9eff7"/>
-                    </a:solidFill>
-                  </a:tcPr>
-                </a:tc>
-                <a:tc>
-                  <a:txBody>
-                    <a:bodyPr/>
-                    <a:p>
-                      <a:pPr>
-                        <a:lnSpc>
-                          <a:spcPct val="100000"/>
-                        </a:lnSpc>
-                      </a:pPr>
-                      <a:r>
-                        <a:rPr b="0" lang="en-IN" sz="1800" spc="-1" strike="noStrike">
-                          <a:solidFill>
-                            <a:srgbClr val="000000"/>
-                          </a:solidFill>
-                          <a:latin typeface="Calibri"/>
-                        </a:rPr>
-                        <a:t>Not Required</a:t>
-                      </a:r>
-                      <a:endParaRPr b="0" lang="en-IN" sz="1800" spc="-1" strike="noStrike">
-                        <a:latin typeface="Arial"/>
-                      </a:endParaRPr>
-                    </a:p>
-                  </a:txBody>
-                  <a:tcPr marL="91440" marR="91440">
-                    <a:lnL w="12240">
-                      <a:solidFill>
-                        <a:srgbClr val="ffffff"/>
-                      </a:solidFill>
-                    </a:lnL>
-                    <a:lnR w="12240">
-                      <a:solidFill>
-                        <a:srgbClr val="ffffff"/>
-                      </a:solidFill>
-                    </a:lnR>
-                    <a:lnT w="12240">
-                      <a:solidFill>
-                        <a:srgbClr val="ffffff"/>
-                      </a:solidFill>
-                    </a:lnT>
-                    <a:lnB w="12240">
-                      <a:solidFill>
-                        <a:srgbClr val="ffffff"/>
-                      </a:solidFill>
-                    </a:lnB>
-                    <a:solidFill>
-                      <a:srgbClr val="e9eff7"/>
-                    </a:solidFill>
-                  </a:tcPr>
-                </a:tc>
-              </a:tr>
-              <a:tr h="406800">
-                <a:tc>
-                  <a:txBody>
-                    <a:bodyPr/>
-                    <a:p>
-                      <a:pPr>
-                        <a:lnSpc>
-                          <a:spcPct val="100000"/>
-                        </a:lnSpc>
-                      </a:pPr>
-                      <a:r>
-                        <a:rPr b="0" lang="en-IN" sz="1800" spc="-1" strike="noStrike">
-                          <a:solidFill>
-                            <a:srgbClr val="000000"/>
-                          </a:solidFill>
-                          <a:latin typeface="Calibri"/>
-                        </a:rPr>
-                        <a:t>Event</a:t>
-                      </a:r>
-                      <a:endParaRPr b="0" lang="en-IN" sz="1800" spc="-1" strike="noStrike">
-                        <a:latin typeface="Arial"/>
-                      </a:endParaRPr>
-                    </a:p>
-                  </a:txBody>
-                  <a:tcPr marL="91440" marR="91440">
-                    <a:lnL w="12240">
-                      <a:solidFill>
-                        <a:srgbClr val="ffffff"/>
-                      </a:solidFill>
-                    </a:lnL>
-                    <a:lnR w="12240">
-                      <a:solidFill>
-                        <a:srgbClr val="ffffff"/>
-                      </a:solidFill>
-                    </a:lnR>
-                    <a:lnT w="12240">
-                      <a:solidFill>
-                        <a:srgbClr val="ffffff"/>
-                      </a:solidFill>
-                    </a:lnT>
-                    <a:lnB w="12240">
-                      <a:solidFill>
-                        <a:srgbClr val="ffffff"/>
-                      </a:solidFill>
-                    </a:lnB>
-                    <a:solidFill>
-                      <a:srgbClr val="d1deef"/>
-                    </a:solidFill>
-                  </a:tcPr>
-                </a:tc>
-                <a:tc>
-                  <a:txBody>
-                    <a:bodyPr/>
-                    <a:p>
-                      <a:pPr>
-                        <a:lnSpc>
-                          <a:spcPct val="100000"/>
-                        </a:lnSpc>
-                      </a:pPr>
-                      <a:r>
-                        <a:rPr b="0" lang="en-IN" sz="1800" spc="-1" strike="noStrike">
-                          <a:solidFill>
-                            <a:srgbClr val="000000"/>
-                          </a:solidFill>
-                          <a:latin typeface="Calibri"/>
-                        </a:rPr>
-                        <a:t>ObjectId</a:t>
-                      </a:r>
-                      <a:endParaRPr b="0" lang="en-IN" sz="1800" spc="-1" strike="noStrike">
-                        <a:latin typeface="Arial"/>
-                      </a:endParaRPr>
-                    </a:p>
-                  </a:txBody>
-                  <a:tcPr marL="91440" marR="91440">
-                    <a:lnL w="12240">
-                      <a:solidFill>
-                        <a:srgbClr val="ffffff"/>
-                      </a:solidFill>
-                    </a:lnL>
-                    <a:lnR w="12240">
-                      <a:solidFill>
-                        <a:srgbClr val="ffffff"/>
-                      </a:solidFill>
-                    </a:lnR>
-                    <a:lnT w="12240">
-                      <a:solidFill>
-                        <a:srgbClr val="ffffff"/>
-                      </a:solidFill>
-                    </a:lnT>
-                    <a:lnB w="12240">
-                      <a:solidFill>
-                        <a:srgbClr val="ffffff"/>
-                      </a:solidFill>
-                    </a:lnB>
-                    <a:solidFill>
-                      <a:srgbClr val="d1deef"/>
-                    </a:solidFill>
-                  </a:tcPr>
-                </a:tc>
-                <a:tc>
-                  <a:txBody>
-                    <a:bodyPr/>
-                    <a:p>
-                      <a:pPr>
-                        <a:lnSpc>
-                          <a:spcPct val="100000"/>
-                        </a:lnSpc>
-                      </a:pPr>
-                      <a:r>
-                        <a:rPr b="0" lang="en-IN" sz="1800" spc="-1" strike="noStrike">
-                          <a:solidFill>
-                            <a:srgbClr val="000000"/>
-                          </a:solidFill>
-                          <a:latin typeface="Calibri"/>
-                        </a:rPr>
-                        <a:t>Foreign Key</a:t>
-                      </a:r>
-                      <a:endParaRPr b="0" lang="en-IN" sz="1800" spc="-1" strike="noStrike">
-                        <a:latin typeface="Arial"/>
-                      </a:endParaRPr>
-                    </a:p>
-                  </a:txBody>
-                  <a:tcPr marL="91440" marR="91440">
-                    <a:lnL w="12240">
-                      <a:solidFill>
-                        <a:srgbClr val="ffffff"/>
-                      </a:solidFill>
-                    </a:lnL>
-                    <a:lnR w="12240">
-                      <a:solidFill>
-                        <a:srgbClr val="ffffff"/>
-                      </a:solidFill>
-                    </a:lnR>
-                    <a:lnT w="12240">
-                      <a:solidFill>
-                        <a:srgbClr val="ffffff"/>
-                      </a:solidFill>
-                    </a:lnT>
-                    <a:lnB w="12240">
-                      <a:solidFill>
-                        <a:srgbClr val="ffffff"/>
-                      </a:solidFill>
-                    </a:lnB>
-                    <a:solidFill>
-                      <a:srgbClr val="d1deef"/>
-                    </a:solidFill>
-                  </a:tcPr>
-                </a:tc>
-              </a:tr>
             </a:tbl>
           </a:graphicData>
         </a:graphic>
@@ -6183,10 +4919,10 @@
   <p:timing>
     <p:tnLst>
       <p:par>
-        <p:cTn id="15" dur="indefinite" restart="never" nodeType="tmRoot">
+        <p:cTn id="21" dur="indefinite" restart="never" nodeType="tmRoot">
           <p:childTnLst>
             <p:seq>
-              <p:cTn id="16" dur="indefinite" nodeType="mainSeq"/>
+              <p:cTn id="22" dur="indefinite" nodeType="mainSeq"/>
               <p:prevCondLst>
                 <p:cond delay="0" evt="onPrev">
                   <p:tgtEl>
@@ -6229,14 +4965,14 @@
       </p:grpSpPr>
       <p:sp>
         <p:nvSpPr>
-          <p:cNvPr id="108" name="TextShape 1"/>
-          <p:cNvSpPr txBox="1"/>
+          <p:cNvPr id="96" name="CustomShape 1"/>
+          <p:cNvSpPr/>
           <p:nvPr/>
         </p:nvSpPr>
         <p:spPr>
           <a:xfrm>
             <a:off x="838080" y="365040"/>
-            <a:ext cx="10515240" cy="1325160"/>
+            <a:ext cx="10514880" cy="1324800"/>
           </a:xfrm>
           <a:prstGeom prst="rect">
             <a:avLst/>
@@ -6246,8 +4982,14 @@
             <a:noFill/>
           </a:ln>
         </p:spPr>
-        <p:txBody>
-          <a:bodyPr anchor="ctr"/>
+        <p:style>
+          <a:lnRef idx="0"/>
+          <a:fillRef idx="0"/>
+          <a:effectRef idx="0"/>
+          <a:fontRef idx="minor"/>
+        </p:style>
+        <p:txBody>
+          <a:bodyPr lIns="90000" rIns="90000" tIns="45000" bIns="45000" anchor="ctr"/>
           <a:p>
             <a:pPr>
               <a:lnSpc>
@@ -6255,502 +4997,52 @@
               </a:lnSpc>
             </a:pPr>
             <a:r>
-              <a:rPr b="0" lang="en-US" sz="4400" spc="-1" strike="noStrike">
+              <a:rPr b="0" lang="en-IN" sz="4400" spc="-1" strike="noStrike">
                 <a:solidFill>
                   <a:srgbClr val="000000"/>
                 </a:solidFill>
                 <a:latin typeface="Calibri Light"/>
               </a:rPr>
-              <a:t>Activities</a:t>
+              <a:t>Git History</a:t>
             </a:r>
-            <a:endParaRPr b="0" lang="en-US" sz="4400" spc="-1" strike="noStrike">
-              <a:solidFill>
-                <a:srgbClr val="000000"/>
-              </a:solidFill>
-              <a:latin typeface="Calibri"/>
-            </a:endParaRPr>
-          </a:p>
-        </p:txBody>
-      </p:sp>
-      <p:graphicFrame>
-        <p:nvGraphicFramePr>
-          <p:cNvPr id="109" name="Table 2"/>
-          <p:cNvGraphicFramePr/>
+            <a:endParaRPr b="0" lang="en-IN" sz="4400" spc="-1" strike="noStrike">
+              <a:latin typeface="Arial"/>
+            </a:endParaRPr>
+          </a:p>
+        </p:txBody>
+      </p:sp>
+      <p:pic>
+        <p:nvPicPr>
+          <p:cNvPr id="97" name="Content Placeholder 3" descr=""/>
+          <p:cNvPicPr/>
           <p:nvPr/>
-        </p:nvGraphicFramePr>
-        <p:xfrm>
-          <a:off x="838080" y="1825560"/>
-          <a:ext cx="10515240" cy="648720"/>
-        </p:xfrm>
-        <a:graphic>
-          <a:graphicData uri="http://schemas.openxmlformats.org/drawingml/2006/table">
-            <a:tbl>
-              <a:tblPr/>
-              <a:tblGrid>
-                <a:gridCol w="3504960"/>
-                <a:gridCol w="3504960"/>
-                <a:gridCol w="3505320"/>
-              </a:tblGrid>
-              <a:tr h="357120">
-                <a:tc>
-                  <a:txBody>
-                    <a:bodyPr/>
-                    <a:p>
-                      <a:pPr>
-                        <a:lnSpc>
-                          <a:spcPct val="100000"/>
-                        </a:lnSpc>
-                      </a:pPr>
-                      <a:r>
-                        <a:rPr b="1" lang="en-IN" sz="1800" spc="-1" strike="noStrike">
-                          <a:solidFill>
-                            <a:srgbClr val="ffffff"/>
-                          </a:solidFill>
-                          <a:latin typeface="Calibri"/>
-                        </a:rPr>
-                        <a:t>Field</a:t>
-                      </a:r>
-                      <a:endParaRPr b="0" lang="en-IN" sz="1800" spc="-1" strike="noStrike">
-                        <a:latin typeface="Arial"/>
-                      </a:endParaRPr>
-                    </a:p>
-                  </a:txBody>
-                  <a:tcPr marL="91440" marR="91440">
-                    <a:lnL w="12240">
-                      <a:solidFill>
-                        <a:srgbClr val="ffffff"/>
-                      </a:solidFill>
-                    </a:lnL>
-                    <a:lnR w="12240">
-                      <a:solidFill>
-                        <a:srgbClr val="ffffff"/>
-                      </a:solidFill>
-                    </a:lnR>
-                    <a:lnT w="12240">
-                      <a:solidFill>
-                        <a:srgbClr val="ffffff"/>
-                      </a:solidFill>
-                    </a:lnT>
-                    <a:lnB w="38160">
-                      <a:solidFill>
-                        <a:srgbClr val="ffffff"/>
-                      </a:solidFill>
-                    </a:lnB>
-                    <a:solidFill>
-                      <a:srgbClr val="5b9bd5"/>
-                    </a:solidFill>
-                  </a:tcPr>
-                </a:tc>
-                <a:tc>
-                  <a:txBody>
-                    <a:bodyPr/>
-                    <a:p>
-                      <a:pPr>
-                        <a:lnSpc>
-                          <a:spcPct val="100000"/>
-                        </a:lnSpc>
-                      </a:pPr>
-                      <a:r>
-                        <a:rPr b="1" lang="en-IN" sz="1800" spc="-1" strike="noStrike">
-                          <a:solidFill>
-                            <a:srgbClr val="ffffff"/>
-                          </a:solidFill>
-                          <a:latin typeface="Calibri"/>
-                        </a:rPr>
-                        <a:t>Type</a:t>
-                      </a:r>
-                      <a:endParaRPr b="0" lang="en-IN" sz="1800" spc="-1" strike="noStrike">
-                        <a:latin typeface="Arial"/>
-                      </a:endParaRPr>
-                    </a:p>
-                  </a:txBody>
-                  <a:tcPr marL="91440" marR="91440">
-                    <a:lnL w="12240">
-                      <a:solidFill>
-                        <a:srgbClr val="ffffff"/>
-                      </a:solidFill>
-                    </a:lnL>
-                    <a:lnR w="12240">
-                      <a:solidFill>
-                        <a:srgbClr val="ffffff"/>
-                      </a:solidFill>
-                    </a:lnR>
-                    <a:lnT w="12240">
-                      <a:solidFill>
-                        <a:srgbClr val="ffffff"/>
-                      </a:solidFill>
-                    </a:lnT>
-                    <a:lnB w="38160">
-                      <a:solidFill>
-                        <a:srgbClr val="ffffff"/>
-                      </a:solidFill>
-                    </a:lnB>
-                    <a:solidFill>
-                      <a:srgbClr val="5b9bd5"/>
-                    </a:solidFill>
-                  </a:tcPr>
-                </a:tc>
-                <a:tc>
-                  <a:txBody>
-                    <a:bodyPr/>
-                    <a:p>
-                      <a:pPr>
-                        <a:lnSpc>
-                          <a:spcPct val="100000"/>
-                        </a:lnSpc>
-                      </a:pPr>
-                      <a:r>
-                        <a:rPr b="1" lang="en-IN" sz="1800" spc="-1" strike="noStrike">
-                          <a:solidFill>
-                            <a:srgbClr val="ffffff"/>
-                          </a:solidFill>
-                          <a:latin typeface="Calibri"/>
-                        </a:rPr>
-                        <a:t>Constraints</a:t>
-                      </a:r>
-                      <a:endParaRPr b="0" lang="en-IN" sz="1800" spc="-1" strike="noStrike">
-                        <a:latin typeface="Arial"/>
-                      </a:endParaRPr>
-                    </a:p>
-                  </a:txBody>
-                  <a:tcPr marL="91440" marR="91440">
-                    <a:lnL w="12240">
-                      <a:solidFill>
-                        <a:srgbClr val="ffffff"/>
-                      </a:solidFill>
-                    </a:lnL>
-                    <a:lnR w="12240">
-                      <a:solidFill>
-                        <a:srgbClr val="ffffff"/>
-                      </a:solidFill>
-                    </a:lnR>
-                    <a:lnT w="12240">
-                      <a:solidFill>
-                        <a:srgbClr val="ffffff"/>
-                      </a:solidFill>
-                    </a:lnT>
-                    <a:lnB w="38160">
-                      <a:solidFill>
-                        <a:srgbClr val="ffffff"/>
-                      </a:solidFill>
-                    </a:lnB>
-                    <a:solidFill>
-                      <a:srgbClr val="5b9bd5"/>
-                    </a:solidFill>
-                  </a:tcPr>
-                </a:tc>
-              </a:tr>
-              <a:tr h="357120">
-                <a:tc>
-                  <a:txBody>
-                    <a:bodyPr/>
-                    <a:p>
-                      <a:pPr>
-                        <a:lnSpc>
-                          <a:spcPct val="100000"/>
-                        </a:lnSpc>
-                      </a:pPr>
-                      <a:r>
-                        <a:rPr b="0" lang="en-IN" sz="1800" spc="-1" strike="noStrike">
-                          <a:solidFill>
-                            <a:srgbClr val="000000"/>
-                          </a:solidFill>
-                          <a:latin typeface="Calibri"/>
-                        </a:rPr>
-                        <a:t>Name</a:t>
-                      </a:r>
-                      <a:endParaRPr b="0" lang="en-IN" sz="1800" spc="-1" strike="noStrike">
-                        <a:latin typeface="Arial"/>
-                      </a:endParaRPr>
-                    </a:p>
-                  </a:txBody>
-                  <a:tcPr marL="91440" marR="91440">
-                    <a:lnL w="12240">
-                      <a:solidFill>
-                        <a:srgbClr val="ffffff"/>
-                      </a:solidFill>
-                    </a:lnL>
-                    <a:lnR w="12240">
-                      <a:solidFill>
-                        <a:srgbClr val="ffffff"/>
-                      </a:solidFill>
-                    </a:lnR>
-                    <a:lnT w="12240">
-                      <a:solidFill>
-                        <a:srgbClr val="ffffff"/>
-                      </a:solidFill>
-                    </a:lnT>
-                    <a:lnB w="12240">
-                      <a:solidFill>
-                        <a:srgbClr val="ffffff"/>
-                      </a:solidFill>
-                    </a:lnB>
-                    <a:solidFill>
-                      <a:srgbClr val="d1deef"/>
-                    </a:solidFill>
-                  </a:tcPr>
-                </a:tc>
-                <a:tc>
-                  <a:txBody>
-                    <a:bodyPr/>
-                    <a:p>
-                      <a:pPr>
-                        <a:lnSpc>
-                          <a:spcPct val="100000"/>
-                        </a:lnSpc>
-                      </a:pPr>
-                      <a:r>
-                        <a:rPr b="0" lang="en-IN" sz="1800" spc="-1" strike="noStrike">
-                          <a:solidFill>
-                            <a:srgbClr val="000000"/>
-                          </a:solidFill>
-                          <a:latin typeface="Calibri"/>
-                        </a:rPr>
-                        <a:t>String</a:t>
-                      </a:r>
-                      <a:endParaRPr b="0" lang="en-IN" sz="1800" spc="-1" strike="noStrike">
-                        <a:latin typeface="Arial"/>
-                      </a:endParaRPr>
-                    </a:p>
-                  </a:txBody>
-                  <a:tcPr marL="91440" marR="91440">
-                    <a:lnL w="12240">
-                      <a:solidFill>
-                        <a:srgbClr val="ffffff"/>
-                      </a:solidFill>
-                    </a:lnL>
-                    <a:lnR w="12240">
-                      <a:solidFill>
-                        <a:srgbClr val="ffffff"/>
-                      </a:solidFill>
-                    </a:lnR>
-                    <a:lnT w="12240">
-                      <a:solidFill>
-                        <a:srgbClr val="ffffff"/>
-                      </a:solidFill>
-                    </a:lnT>
-                    <a:lnB w="12240">
-                      <a:solidFill>
-                        <a:srgbClr val="ffffff"/>
-                      </a:solidFill>
-                    </a:lnB>
-                    <a:solidFill>
-                      <a:srgbClr val="d1deef"/>
-                    </a:solidFill>
-                  </a:tcPr>
-                </a:tc>
-                <a:tc>
-                  <a:txBody>
-                    <a:bodyPr/>
-                    <a:p>
-                      <a:pPr>
-                        <a:lnSpc>
-                          <a:spcPct val="100000"/>
-                        </a:lnSpc>
-                      </a:pPr>
-                      <a:r>
-                        <a:rPr b="0" lang="en-IN" sz="1800" spc="-1" strike="noStrike">
-                          <a:solidFill>
-                            <a:srgbClr val="000000"/>
-                          </a:solidFill>
-                          <a:latin typeface="Calibri"/>
-                        </a:rPr>
-                        <a:t>Required</a:t>
-                      </a:r>
-                      <a:endParaRPr b="0" lang="en-IN" sz="1800" spc="-1" strike="noStrike">
-                        <a:latin typeface="Arial"/>
-                      </a:endParaRPr>
-                    </a:p>
-                  </a:txBody>
-                  <a:tcPr marL="91440" marR="91440">
-                    <a:lnL w="12240">
-                      <a:solidFill>
-                        <a:srgbClr val="ffffff"/>
-                      </a:solidFill>
-                    </a:lnL>
-                    <a:lnR w="12240">
-                      <a:solidFill>
-                        <a:srgbClr val="ffffff"/>
-                      </a:solidFill>
-                    </a:lnR>
-                    <a:lnT w="12240">
-                      <a:solidFill>
-                        <a:srgbClr val="ffffff"/>
-                      </a:solidFill>
-                    </a:lnT>
-                    <a:lnB w="12240">
-                      <a:solidFill>
-                        <a:srgbClr val="ffffff"/>
-                      </a:solidFill>
-                    </a:lnB>
-                    <a:solidFill>
-                      <a:srgbClr val="d1deef"/>
-                    </a:solidFill>
-                  </a:tcPr>
-                </a:tc>
-              </a:tr>
-              <a:tr h="357120">
-                <a:tc>
-                  <a:txBody>
-                    <a:bodyPr/>
-                    <a:p>
-                      <a:pPr>
-                        <a:lnSpc>
-                          <a:spcPct val="100000"/>
-                        </a:lnSpc>
-                      </a:pPr>
-                      <a:r>
-                        <a:rPr b="0" lang="en-IN" sz="1800" spc="-1" strike="noStrike">
-                          <a:solidFill>
-                            <a:srgbClr val="000000"/>
-                          </a:solidFill>
-                          <a:latin typeface="Calibri"/>
-                        </a:rPr>
-                        <a:t>Value</a:t>
-                      </a:r>
-                      <a:endParaRPr b="0" lang="en-IN" sz="1800" spc="-1" strike="noStrike">
-                        <a:latin typeface="Arial"/>
-                      </a:endParaRPr>
-                    </a:p>
-                  </a:txBody>
-                  <a:tcPr marL="91440" marR="91440">
-                    <a:lnL w="12240">
-                      <a:solidFill>
-                        <a:srgbClr val="ffffff"/>
-                      </a:solidFill>
-                    </a:lnL>
-                    <a:lnR w="12240">
-                      <a:solidFill>
-                        <a:srgbClr val="ffffff"/>
-                      </a:solidFill>
-                    </a:lnR>
-                    <a:lnT w="12240">
-                      <a:solidFill>
-                        <a:srgbClr val="ffffff"/>
-                      </a:solidFill>
-                    </a:lnT>
-                    <a:lnB w="12240">
-                      <a:solidFill>
-                        <a:srgbClr val="ffffff"/>
-                      </a:solidFill>
-                    </a:lnB>
-                    <a:solidFill>
-                      <a:srgbClr val="e9eff7"/>
-                    </a:solidFill>
-                  </a:tcPr>
-                </a:tc>
-                <a:tc>
-                  <a:txBody>
-                    <a:bodyPr/>
-                    <a:p>
-                      <a:pPr>
-                        <a:lnSpc>
-                          <a:spcPct val="100000"/>
-                        </a:lnSpc>
-                      </a:pPr>
-                      <a:r>
-                        <a:rPr b="0" lang="en-IN" sz="1800" spc="-1" strike="noStrike">
-                          <a:solidFill>
-                            <a:srgbClr val="000000"/>
-                          </a:solidFill>
-                          <a:latin typeface="Calibri"/>
-                        </a:rPr>
-                        <a:t>Boolean</a:t>
-                      </a:r>
-                      <a:endParaRPr b="0" lang="en-IN" sz="1800" spc="-1" strike="noStrike">
-                        <a:latin typeface="Arial"/>
-                      </a:endParaRPr>
-                    </a:p>
-                  </a:txBody>
-                  <a:tcPr marL="91440" marR="91440">
-                    <a:lnL w="12240">
-                      <a:solidFill>
-                        <a:srgbClr val="ffffff"/>
-                      </a:solidFill>
-                    </a:lnL>
-                    <a:lnR w="12240">
-                      <a:solidFill>
-                        <a:srgbClr val="ffffff"/>
-                      </a:solidFill>
-                    </a:lnR>
-                    <a:lnT w="12240">
-                      <a:solidFill>
-                        <a:srgbClr val="ffffff"/>
-                      </a:solidFill>
-                    </a:lnT>
-                    <a:lnB w="12240">
-                      <a:solidFill>
-                        <a:srgbClr val="ffffff"/>
-                      </a:solidFill>
-                    </a:lnB>
-                    <a:solidFill>
-                      <a:srgbClr val="e9eff7"/>
-                    </a:solidFill>
-                  </a:tcPr>
-                </a:tc>
-                <a:tc>
-                  <a:txBody>
-                    <a:bodyPr/>
-                    <a:p>
-                      <a:pPr>
-                        <a:lnSpc>
-                          <a:spcPct val="100000"/>
-                        </a:lnSpc>
-                      </a:pPr>
-                      <a:r>
-                        <a:rPr b="0" lang="en-IN" sz="1800" spc="-1" strike="noStrike">
-                          <a:solidFill>
-                            <a:srgbClr val="000000"/>
-                          </a:solidFill>
-                          <a:latin typeface="Calibri"/>
-                        </a:rPr>
-                        <a:t>Required</a:t>
-                      </a:r>
-                      <a:endParaRPr b="0" lang="en-IN" sz="1800" spc="-1" strike="noStrike">
-                        <a:latin typeface="Arial"/>
-                      </a:endParaRPr>
-                    </a:p>
-                  </a:txBody>
-                  <a:tcPr marL="91440" marR="91440">
-                    <a:lnL w="12240">
-                      <a:solidFill>
-                        <a:srgbClr val="ffffff"/>
-                      </a:solidFill>
-                    </a:lnL>
-                    <a:lnR w="12240">
-                      <a:solidFill>
-                        <a:srgbClr val="ffffff"/>
-                      </a:solidFill>
-                    </a:lnR>
-                    <a:lnT w="12240">
-                      <a:solidFill>
-                        <a:srgbClr val="ffffff"/>
-                      </a:solidFill>
-                    </a:lnT>
-                    <a:lnB w="12240">
-                      <a:solidFill>
-                        <a:srgbClr val="ffffff"/>
-                      </a:solidFill>
-                    </a:lnB>
-                    <a:solidFill>
-                      <a:srgbClr val="e9eff7"/>
-                    </a:solidFill>
-                  </a:tcPr>
-                </a:tc>
-              </a:tr>
-            </a:tbl>
-          </a:graphicData>
-        </a:graphic>
-      </p:graphicFrame>
+        </p:nvPicPr>
+        <p:blipFill>
+          <a:blip r:embed="rId1"/>
+          <a:stretch/>
+        </p:blipFill>
+        <p:spPr>
+          <a:xfrm>
+            <a:off x="2228040" y="1825560"/>
+            <a:ext cx="7734960" cy="4350600"/>
+          </a:xfrm>
+          <a:prstGeom prst="rect">
+            <a:avLst/>
+          </a:prstGeom>
+          <a:ln>
+            <a:noFill/>
+          </a:ln>
+        </p:spPr>
+      </p:pic>
     </p:spTree>
   </p:cSld>
   <p:timing>
     <p:tnLst>
       <p:par>
-        <p:cTn id="17" dur="indefinite" restart="never" nodeType="tmRoot">
+        <p:cTn id="23" dur="indefinite" restart="never" nodeType="tmRoot">
           <p:childTnLst>
             <p:seq>
-              <p:cTn id="18" dur="indefinite" nodeType="mainSeq"/>
+              <p:cTn id="24" dur="indefinite" nodeType="mainSeq"/>
               <p:prevCondLst>
                 <p:cond delay="0" evt="onPrev">
                   <p:tgtEl>
@@ -6791,54 +5083,9 @@
           <a:chExt cx="0" cy="0"/>
         </a:xfrm>
       </p:grpSpPr>
-      <p:sp>
-        <p:nvSpPr>
-          <p:cNvPr id="110" name="TextShape 1"/>
-          <p:cNvSpPr txBox="1"/>
-          <p:nvPr/>
-        </p:nvSpPr>
-        <p:spPr>
-          <a:xfrm>
-            <a:off x="838080" y="365040"/>
-            <a:ext cx="10515240" cy="1325160"/>
-          </a:xfrm>
-          <a:prstGeom prst="rect">
-            <a:avLst/>
-          </a:prstGeom>
-          <a:noFill/>
-          <a:ln>
-            <a:noFill/>
-          </a:ln>
-        </p:spPr>
-        <p:txBody>
-          <a:bodyPr anchor="ctr"/>
-          <a:p>
-            <a:pPr>
-              <a:lnSpc>
-                <a:spcPct val="90000"/>
-              </a:lnSpc>
-            </a:pPr>
-            <a:r>
-              <a:rPr b="0" lang="en-US" sz="4400" spc="-1" strike="noStrike">
-                <a:solidFill>
-                  <a:srgbClr val="000000"/>
-                </a:solidFill>
-                <a:latin typeface="Calibri Light"/>
-              </a:rPr>
-              <a:t>Git History</a:t>
-            </a:r>
-            <a:endParaRPr b="0" lang="en-US" sz="4400" spc="-1" strike="noStrike">
-              <a:solidFill>
-                <a:srgbClr val="000000"/>
-              </a:solidFill>
-              <a:latin typeface="Calibri"/>
-            </a:endParaRPr>
-          </a:p>
-        </p:txBody>
-      </p:sp>
       <p:pic>
         <p:nvPicPr>
-          <p:cNvPr id="111" name="Content Placeholder 3" descr=""/>
+          <p:cNvPr id="98" name="Content Placeholder 3" descr=""/>
           <p:cNvPicPr/>
           <p:nvPr/>
         </p:nvPicPr>
@@ -6848,8 +5095,8 @@
         </p:blipFill>
         <p:spPr>
           <a:xfrm>
-            <a:off x="2228040" y="1825560"/>
-            <a:ext cx="7735320" cy="4350960"/>
+            <a:off x="0" y="0"/>
+            <a:ext cx="12085560" cy="6797880"/>
           </a:xfrm>
           <a:prstGeom prst="rect">
             <a:avLst/>
@@ -6864,10 +5111,10 @@
   <p:timing>
     <p:tnLst>
       <p:par>
-        <p:cTn id="19" dur="indefinite" restart="never" nodeType="tmRoot">
+        <p:cTn id="25" dur="indefinite" restart="never" nodeType="tmRoot">
           <p:childTnLst>
             <p:seq>
-              <p:cTn id="20" dur="indefinite" nodeType="mainSeq"/>
+              <p:cTn id="26" dur="indefinite" nodeType="mainSeq"/>
               <p:prevCondLst>
                 <p:cond delay="0" evt="onPrev">
                   <p:tgtEl>
@@ -6910,7 +5157,7 @@
       </p:grpSpPr>
       <p:pic>
         <p:nvPicPr>
-          <p:cNvPr id="112" name="Content Placeholder 3" descr=""/>
+          <p:cNvPr id="99" name="Content Placeholder 3" descr=""/>
           <p:cNvPicPr/>
           <p:nvPr/>
         </p:nvPicPr>
@@ -6920,8 +5167,8 @@
         </p:blipFill>
         <p:spPr>
           <a:xfrm>
-            <a:off x="0" y="0"/>
-            <a:ext cx="12085920" cy="6798240"/>
+            <a:off x="69840" y="0"/>
+            <a:ext cx="12054600" cy="6780240"/>
           </a:xfrm>
           <a:prstGeom prst="rect">
             <a:avLst/>
@@ -6936,82 +5183,10 @@
   <p:timing>
     <p:tnLst>
       <p:par>
-        <p:cTn id="21" dur="indefinite" restart="never" nodeType="tmRoot">
+        <p:cTn id="27" dur="indefinite" restart="never" nodeType="tmRoot">
           <p:childTnLst>
             <p:seq>
-              <p:cTn id="22" dur="indefinite" nodeType="mainSeq"/>
-              <p:prevCondLst>
-                <p:cond delay="0" evt="onPrev">
-                  <p:tgtEl>
-                    <p:sldTgt/>
-                  </p:tgtEl>
-                </p:cond>
-              </p:prevCondLst>
-              <p:nextCondLst>
-                <p:cond delay="0" evt="onNext">
-                  <p:tgtEl>
-                    <p:sldTgt/>
-                  </p:tgtEl>
-                </p:cond>
-              </p:nextCondLst>
-            </p:seq>
-          </p:childTnLst>
-        </p:cTn>
-      </p:par>
-    </p:tnLst>
-  </p:timing>
-</p:sld>
-</file>
-
-<file path=ppt/slides/slide15.xml><?xml version="1.0" encoding="utf-8"?>
-<p:sld xmlns:a="http://schemas.openxmlformats.org/drawingml/2006/main" xmlns:p="http://schemas.openxmlformats.org/presentationml/2006/main" xmlns:r="http://schemas.openxmlformats.org/officeDocument/2006/relationships" xmlns:p14="http://schemas.microsoft.com/office/powerpoint/2010/main" xmlns:p15="http://schemas.microsoft.com/office/powerpoint/2012/main" xmlns:mc="http://schemas.openxmlformats.org/markup-compatibility/2006">
-  <p:cSld>
-    <p:spTree>
-      <p:nvGrpSpPr>
-        <p:cNvPr id="1" name=""/>
-        <p:cNvGrpSpPr/>
-        <p:nvPr/>
-      </p:nvGrpSpPr>
-      <p:grpSpPr>
-        <a:xfrm>
-          <a:off x="0" y="0"/>
-          <a:ext cx="0" cy="0"/>
-          <a:chOff x="0" y="0"/>
-          <a:chExt cx="0" cy="0"/>
-        </a:xfrm>
-      </p:grpSpPr>
-      <p:pic>
-        <p:nvPicPr>
-          <p:cNvPr id="113" name="Content Placeholder 3" descr=""/>
-          <p:cNvPicPr/>
-          <p:nvPr/>
-        </p:nvPicPr>
-        <p:blipFill>
-          <a:blip r:embed="rId1"/>
-          <a:stretch/>
-        </p:blipFill>
-        <p:spPr>
-          <a:xfrm>
-            <a:off x="69840" y="0"/>
-            <a:ext cx="12054960" cy="6780600"/>
-          </a:xfrm>
-          <a:prstGeom prst="rect">
-            <a:avLst/>
-          </a:prstGeom>
-          <a:ln>
-            <a:noFill/>
-          </a:ln>
-        </p:spPr>
-      </p:pic>
-    </p:spTree>
-  </p:cSld>
-  <p:timing>
-    <p:tnLst>
-      <p:par>
-        <p:cTn id="23" dur="indefinite" restart="never" nodeType="tmRoot">
-          <p:childTnLst>
-            <p:seq>
-              <p:cTn id="24" dur="indefinite" nodeType="mainSeq"/>
+              <p:cTn id="28" dur="indefinite" nodeType="mainSeq"/>
               <p:prevCondLst>
                 <p:cond delay="0" evt="onPrev">
                   <p:tgtEl>
@@ -7054,14 +5229,14 @@
       </p:grpSpPr>
       <p:sp>
         <p:nvSpPr>
-          <p:cNvPr id="90" name="TextShape 1"/>
-          <p:cNvSpPr txBox="1"/>
+          <p:cNvPr id="78" name="CustomShape 1"/>
+          <p:cNvSpPr/>
           <p:nvPr/>
         </p:nvSpPr>
         <p:spPr>
           <a:xfrm>
             <a:off x="838080" y="365040"/>
-            <a:ext cx="10515240" cy="1325160"/>
+            <a:ext cx="10514880" cy="1324800"/>
           </a:xfrm>
           <a:prstGeom prst="rect">
             <a:avLst/>
@@ -7071,8 +5246,14 @@
             <a:noFill/>
           </a:ln>
         </p:spPr>
-        <p:txBody>
-          <a:bodyPr anchor="ctr"/>
+        <p:style>
+          <a:lnRef idx="0"/>
+          <a:fillRef idx="0"/>
+          <a:effectRef idx="0"/>
+          <a:fontRef idx="minor"/>
+        </p:style>
+        <p:txBody>
+          <a:bodyPr lIns="90000" rIns="90000" tIns="45000" bIns="45000" anchor="ctr"/>
           <a:p>
             <a:pPr>
               <a:lnSpc>
@@ -7080,7 +5261,7 @@
               </a:lnSpc>
             </a:pPr>
             <a:r>
-              <a:rPr b="0" lang="en-US" sz="4400" spc="-1" strike="noStrike">
+              <a:rPr b="0" lang="en-IN" sz="4400" spc="-1" strike="noStrike">
                 <a:solidFill>
                   <a:srgbClr val="000000"/>
                 </a:solidFill>
@@ -7088,25 +5269,22 @@
               </a:rPr>
               <a:t>Description of Project</a:t>
             </a:r>
-            <a:endParaRPr b="0" lang="en-US" sz="4400" spc="-1" strike="noStrike">
-              <a:solidFill>
-                <a:srgbClr val="000000"/>
-              </a:solidFill>
-              <a:latin typeface="Calibri"/>
-            </a:endParaRPr>
-          </a:p>
-        </p:txBody>
-      </p:sp>
-      <p:sp>
-        <p:nvSpPr>
-          <p:cNvPr id="91" name="TextShape 2"/>
-          <p:cNvSpPr txBox="1"/>
+            <a:endParaRPr b="0" lang="en-IN" sz="4400" spc="-1" strike="noStrike">
+              <a:latin typeface="Arial"/>
+            </a:endParaRPr>
+          </a:p>
+        </p:txBody>
+      </p:sp>
+      <p:sp>
+        <p:nvSpPr>
+          <p:cNvPr id="79" name="CustomShape 2"/>
+          <p:cNvSpPr/>
           <p:nvPr/>
         </p:nvSpPr>
         <p:spPr>
           <a:xfrm>
             <a:off x="838080" y="1825560"/>
-            <a:ext cx="10515240" cy="4350960"/>
+            <a:ext cx="10514880" cy="4350600"/>
           </a:xfrm>
           <a:prstGeom prst="rect">
             <a:avLst/>
@@ -7116,8 +5294,14 @@
             <a:noFill/>
           </a:ln>
         </p:spPr>
-        <p:txBody>
-          <a:bodyPr>
+        <p:style>
+          <a:lnRef idx="0"/>
+          <a:fillRef idx="0"/>
+          <a:effectRef idx="0"/>
+          <a:fontRef idx="minor"/>
+        </p:style>
+        <p:txBody>
+          <a:bodyPr lIns="90000" rIns="90000" tIns="45000" bIns="45000">
             <a:normAutofit/>
           </a:bodyPr>
           <a:p>
@@ -7130,7 +5314,7 @@
               </a:spcBef>
             </a:pPr>
             <a:r>
-              <a:rPr b="0" lang="en-US" sz="2400" spc="-1" strike="noStrike">
+              <a:rPr b="0" lang="en-IN" sz="2400" spc="-1" strike="noStrike">
                 <a:solidFill>
                   <a:srgbClr val="000000"/>
                 </a:solidFill>
@@ -7138,11 +5322,8 @@
               </a:rPr>
               <a:t>The  main purpose of this is provide a solution for Event Management. Mainly co-ordintate different persons involved in the process of coordinating people. Failure of most events occur due to bad planning and manage people. It will reduce paper work as well as save time money and money which is used for managing people. The project have big scope to do. Provides portal for registration of participant  and volunteers according to the events. Provide participant details, Volunteer details and qr code scan and read facilities.</a:t>
             </a:r>
-            <a:endParaRPr b="0" lang="en-US" sz="2400" spc="-1" strike="noStrike">
-              <a:solidFill>
-                <a:srgbClr val="000000"/>
-              </a:solidFill>
-              <a:latin typeface="Calibri"/>
+            <a:endParaRPr b="0" lang="en-IN" sz="2400" spc="-1" strike="noStrike">
+              <a:latin typeface="Arial"/>
             </a:endParaRPr>
           </a:p>
         </p:txBody>
@@ -7198,14 +5379,14 @@
       </p:grpSpPr>
       <p:sp>
         <p:nvSpPr>
-          <p:cNvPr id="92" name="TextShape 1"/>
-          <p:cNvSpPr txBox="1"/>
+          <p:cNvPr id="80" name="CustomShape 1"/>
+          <p:cNvSpPr/>
           <p:nvPr/>
         </p:nvSpPr>
         <p:spPr>
           <a:xfrm>
             <a:off x="838080" y="365040"/>
-            <a:ext cx="2800800" cy="585000"/>
+            <a:ext cx="2800440" cy="584640"/>
           </a:xfrm>
           <a:prstGeom prst="rect">
             <a:avLst/>
@@ -7215,8 +5396,14 @@
             <a:noFill/>
           </a:ln>
         </p:spPr>
-        <p:txBody>
-          <a:bodyPr anchor="ctr">
+        <p:style>
+          <a:lnRef idx="0"/>
+          <a:fillRef idx="0"/>
+          <a:effectRef idx="0"/>
+          <a:fontRef idx="minor"/>
+        </p:style>
+        <p:txBody>
+          <a:bodyPr lIns="90000" rIns="90000" tIns="45000" bIns="45000" anchor="ctr">
             <a:normAutofit/>
           </a:bodyPr>
           <a:p>
@@ -7226,7 +5413,7 @@
               </a:lnSpc>
             </a:pPr>
             <a:r>
-              <a:rPr b="0" lang="en-US" sz="4400" spc="-1" strike="noStrike">
+              <a:rPr b="0" lang="en-IN" sz="4400" spc="-1" strike="noStrike">
                 <a:solidFill>
                   <a:srgbClr val="000000"/>
                 </a:solidFill>
@@ -7234,18 +5421,15 @@
               </a:rPr>
               <a:t>User Story</a:t>
             </a:r>
-            <a:endParaRPr b="0" lang="en-US" sz="4400" spc="-1" strike="noStrike">
-              <a:solidFill>
-                <a:srgbClr val="000000"/>
-              </a:solidFill>
-              <a:latin typeface="Calibri"/>
+            <a:endParaRPr b="0" lang="en-IN" sz="4400" spc="-1" strike="noStrike">
+              <a:latin typeface="Arial"/>
             </a:endParaRPr>
           </a:p>
         </p:txBody>
       </p:sp>
       <p:pic>
         <p:nvPicPr>
-          <p:cNvPr id="93" name="Content Placeholder 3" descr=""/>
+          <p:cNvPr id="81" name="Content Placeholder 3" descr=""/>
           <p:cNvPicPr/>
           <p:nvPr/>
         </p:nvPicPr>
@@ -7256,7 +5440,7 @@
         <p:spPr>
           <a:xfrm>
             <a:off x="0" y="950760"/>
-            <a:ext cx="11886840" cy="5747400"/>
+            <a:ext cx="11886480" cy="5747040"/>
           </a:xfrm>
           <a:prstGeom prst="rect">
             <a:avLst/>
@@ -7317,14 +5501,14 @@
       </p:grpSpPr>
       <p:sp>
         <p:nvSpPr>
-          <p:cNvPr id="94" name="TextShape 1"/>
-          <p:cNvSpPr txBox="1"/>
+          <p:cNvPr id="82" name="CustomShape 1"/>
+          <p:cNvSpPr/>
           <p:nvPr/>
         </p:nvSpPr>
         <p:spPr>
           <a:xfrm>
             <a:off x="838080" y="365040"/>
-            <a:ext cx="10515240" cy="1325160"/>
+            <a:ext cx="10514880" cy="1324800"/>
           </a:xfrm>
           <a:prstGeom prst="rect">
             <a:avLst/>
@@ -7334,8 +5518,14 @@
             <a:noFill/>
           </a:ln>
         </p:spPr>
-        <p:txBody>
-          <a:bodyPr anchor="ctr"/>
+        <p:style>
+          <a:lnRef idx="0"/>
+          <a:fillRef idx="0"/>
+          <a:effectRef idx="0"/>
+          <a:fontRef idx="minor"/>
+        </p:style>
+        <p:txBody>
+          <a:bodyPr lIns="90000" rIns="90000" tIns="45000" bIns="45000" anchor="ctr"/>
           <a:p>
             <a:pPr>
               <a:lnSpc>
@@ -7343,7 +5533,7 @@
               </a:lnSpc>
             </a:pPr>
             <a:r>
-              <a:rPr b="0" lang="en-US" sz="4400" spc="-1" strike="noStrike">
+              <a:rPr b="0" lang="en-IN" sz="4400" spc="-1" strike="noStrike">
                 <a:solidFill>
                   <a:srgbClr val="000000"/>
                 </a:solidFill>
@@ -7351,18 +5541,15 @@
               </a:rPr>
               <a:t>DFD</a:t>
             </a:r>
-            <a:endParaRPr b="0" lang="en-US" sz="4400" spc="-1" strike="noStrike">
-              <a:solidFill>
-                <a:srgbClr val="000000"/>
-              </a:solidFill>
-              <a:latin typeface="Calibri"/>
+            <a:endParaRPr b="0" lang="en-IN" sz="4400" spc="-1" strike="noStrike">
+              <a:latin typeface="Arial"/>
             </a:endParaRPr>
           </a:p>
         </p:txBody>
       </p:sp>
       <p:pic>
         <p:nvPicPr>
-          <p:cNvPr id="95" name="" descr=""/>
+          <p:cNvPr id="83" name="" descr=""/>
           <p:cNvPicPr/>
           <p:nvPr/>
         </p:nvPicPr>
@@ -7373,7 +5560,7 @@
         <p:spPr>
           <a:xfrm>
             <a:off x="837720" y="3393720"/>
-            <a:ext cx="10515240" cy="1214640"/>
+            <a:ext cx="10514880" cy="1214280"/>
           </a:xfrm>
           <a:prstGeom prst="rect">
             <a:avLst/>
@@ -7434,7 +5621,7 @@
       </p:grpSpPr>
       <p:pic>
         <p:nvPicPr>
-          <p:cNvPr id="96" name="" descr=""/>
+          <p:cNvPr id="84" name="" descr=""/>
           <p:cNvPicPr/>
           <p:nvPr/>
         </p:nvPicPr>
@@ -7445,7 +5632,7 @@
         <p:spPr>
           <a:xfrm>
             <a:off x="2731680" y="3089880"/>
-            <a:ext cx="6867000" cy="771120"/>
+            <a:ext cx="6866640" cy="770760"/>
           </a:xfrm>
           <a:prstGeom prst="rect">
             <a:avLst/>
@@ -7457,6 +5644,33 @@
       </p:pic>
     </p:spTree>
   </p:cSld>
+  <p:timing>
+    <p:tnLst>
+      <p:par>
+        <p:cTn id="9" dur="indefinite" restart="never" nodeType="tmRoot">
+          <p:childTnLst>
+            <p:seq>
+              <p:cTn id="10" dur="indefinite" nodeType="mainSeq"/>
+              <p:prevCondLst>
+                <p:cond delay="0" evt="onPrev">
+                  <p:tgtEl>
+                    <p:sldTgt/>
+                  </p:tgtEl>
+                </p:cond>
+              </p:prevCondLst>
+              <p:nextCondLst>
+                <p:cond delay="0" evt="onNext">
+                  <p:tgtEl>
+                    <p:sldTgt/>
+                  </p:tgtEl>
+                </p:cond>
+              </p:nextCondLst>
+            </p:seq>
+          </p:childTnLst>
+        </p:cTn>
+      </p:par>
+    </p:tnLst>
+  </p:timing>
 </p:sld>
 </file>
 
@@ -7479,7 +5693,7 @@
       </p:grpSpPr>
       <p:pic>
         <p:nvPicPr>
-          <p:cNvPr id="97" name="" descr=""/>
+          <p:cNvPr id="85" name="" descr=""/>
           <p:cNvPicPr/>
           <p:nvPr/>
         </p:nvPicPr>
@@ -7490,7 +5704,7 @@
         <p:spPr>
           <a:xfrm>
             <a:off x="2731680" y="3089880"/>
-            <a:ext cx="6867000" cy="771120"/>
+            <a:ext cx="6866640" cy="770760"/>
           </a:xfrm>
           <a:prstGeom prst="rect">
             <a:avLst/>
@@ -7502,6 +5716,33 @@
       </p:pic>
     </p:spTree>
   </p:cSld>
+  <p:timing>
+    <p:tnLst>
+      <p:par>
+        <p:cTn id="11" dur="indefinite" restart="never" nodeType="tmRoot">
+          <p:childTnLst>
+            <p:seq>
+              <p:cTn id="12" dur="indefinite" nodeType="mainSeq"/>
+              <p:prevCondLst>
+                <p:cond delay="0" evt="onPrev">
+                  <p:tgtEl>
+                    <p:sldTgt/>
+                  </p:tgtEl>
+                </p:cond>
+              </p:prevCondLst>
+              <p:nextCondLst>
+                <p:cond delay="0" evt="onNext">
+                  <p:tgtEl>
+                    <p:sldTgt/>
+                  </p:tgtEl>
+                </p:cond>
+              </p:nextCondLst>
+            </p:seq>
+          </p:childTnLst>
+        </p:cTn>
+      </p:par>
+    </p:tnLst>
+  </p:timing>
 </p:sld>
 </file>
 
@@ -7524,7 +5765,7 @@
       </p:grpSpPr>
       <p:pic>
         <p:nvPicPr>
-          <p:cNvPr id="98" name="" descr=""/>
+          <p:cNvPr id="86" name="" descr=""/>
           <p:cNvPicPr/>
           <p:nvPr/>
         </p:nvPicPr>
@@ -7535,7 +5776,7 @@
         <p:spPr>
           <a:xfrm>
             <a:off x="1791360" y="1825560"/>
-            <a:ext cx="8607960" cy="4350960"/>
+            <a:ext cx="8607600" cy="4350600"/>
           </a:xfrm>
           <a:prstGeom prst="rect">
             <a:avLst/>
@@ -7547,14 +5788,14 @@
       </p:pic>
       <p:sp>
         <p:nvSpPr>
-          <p:cNvPr id="99" name="TextShape 1"/>
-          <p:cNvSpPr txBox="1"/>
+          <p:cNvPr id="87" name="CustomShape 1"/>
+          <p:cNvSpPr/>
           <p:nvPr/>
         </p:nvSpPr>
         <p:spPr>
           <a:xfrm>
             <a:off x="838440" y="365400"/>
-            <a:ext cx="10515240" cy="1325160"/>
+            <a:ext cx="10514880" cy="1324800"/>
           </a:xfrm>
           <a:prstGeom prst="rect">
             <a:avLst/>
@@ -7564,11 +5805,22 @@
             <a:noFill/>
           </a:ln>
         </p:spPr>
+        <p:style>
+          <a:lnRef idx="0"/>
+          <a:fillRef idx="0"/>
+          <a:effectRef idx="0"/>
+          <a:fontRef idx="minor"/>
+        </p:style>
         <p:txBody>
           <a:bodyPr lIns="0" rIns="0" tIns="0" bIns="0" anchor="ctr"/>
           <a:p>
+            <a:pPr>
+              <a:lnSpc>
+                <a:spcPct val="100000"/>
+              </a:lnSpc>
+            </a:pPr>
             <a:r>
-              <a:rPr b="0" lang="en-US" sz="1800" spc="-1" strike="noStrike">
+              <a:rPr b="0" lang="en-IN" sz="1800" spc="-1" strike="noStrike">
                 <a:solidFill>
                   <a:srgbClr val="000000"/>
                 </a:solidFill>
@@ -7576,17 +5828,41 @@
               </a:rPr>
               <a:t>Level 2</a:t>
             </a:r>
-            <a:endParaRPr b="0" lang="en-US" sz="1800" spc="-1" strike="noStrike">
-              <a:solidFill>
-                <a:srgbClr val="000000"/>
-              </a:solidFill>
-              <a:latin typeface="Calibri"/>
+            <a:endParaRPr b="0" lang="en-IN" sz="1800" spc="-1" strike="noStrike">
+              <a:latin typeface="Arial"/>
             </a:endParaRPr>
           </a:p>
         </p:txBody>
       </p:sp>
     </p:spTree>
   </p:cSld>
+  <p:timing>
+    <p:tnLst>
+      <p:par>
+        <p:cTn id="13" dur="indefinite" restart="never" nodeType="tmRoot">
+          <p:childTnLst>
+            <p:seq>
+              <p:cTn id="14" dur="indefinite" nodeType="mainSeq"/>
+              <p:prevCondLst>
+                <p:cond delay="0" evt="onPrev">
+                  <p:tgtEl>
+                    <p:sldTgt/>
+                  </p:tgtEl>
+                </p:cond>
+              </p:prevCondLst>
+              <p:nextCondLst>
+                <p:cond delay="0" evt="onNext">
+                  <p:tgtEl>
+                    <p:sldTgt/>
+                  </p:tgtEl>
+                </p:cond>
+              </p:nextCondLst>
+            </p:seq>
+          </p:childTnLst>
+        </p:cTn>
+      </p:par>
+    </p:tnLst>
+  </p:timing>
 </p:sld>
 </file>
 
@@ -7609,14 +5885,14 @@
       </p:grpSpPr>
       <p:sp>
         <p:nvSpPr>
-          <p:cNvPr id="100" name="TextShape 1"/>
-          <p:cNvSpPr txBox="1"/>
+          <p:cNvPr id="88" name="CustomShape 1"/>
+          <p:cNvSpPr/>
           <p:nvPr/>
         </p:nvSpPr>
         <p:spPr>
           <a:xfrm>
             <a:off x="838080" y="365040"/>
-            <a:ext cx="10515240" cy="1325160"/>
+            <a:ext cx="10514880" cy="1324800"/>
           </a:xfrm>
           <a:prstGeom prst="rect">
             <a:avLst/>
@@ -7626,8 +5902,14 @@
             <a:noFill/>
           </a:ln>
         </p:spPr>
-        <p:txBody>
-          <a:bodyPr anchor="ctr"/>
+        <p:style>
+          <a:lnRef idx="0"/>
+          <a:fillRef idx="0"/>
+          <a:effectRef idx="0"/>
+          <a:fontRef idx="minor"/>
+        </p:style>
+        <p:txBody>
+          <a:bodyPr lIns="90000" rIns="90000" tIns="45000" bIns="45000" anchor="ctr"/>
           <a:p>
             <a:pPr>
               <a:lnSpc>
@@ -7635,32 +5917,29 @@
               </a:lnSpc>
             </a:pPr>
             <a:r>
-              <a:rPr b="0" lang="en-US" sz="4400" spc="-1" strike="noStrike">
+              <a:rPr b="0" lang="en-IN" sz="4400" spc="-1" strike="noStrike">
                 <a:solidFill>
                   <a:srgbClr val="000000"/>
                 </a:solidFill>
                 <a:latin typeface="Calibri Light"/>
               </a:rPr>
-              <a:t>Table Design - Coordinators</a:t>
+              <a:t>Events</a:t>
             </a:r>
-            <a:endParaRPr b="0" lang="en-US" sz="4400" spc="-1" strike="noStrike">
-              <a:solidFill>
-                <a:srgbClr val="000000"/>
-              </a:solidFill>
-              <a:latin typeface="Calibri"/>
+            <a:endParaRPr b="0" lang="en-IN" sz="4400" spc="-1" strike="noStrike">
+              <a:latin typeface="Arial"/>
             </a:endParaRPr>
           </a:p>
         </p:txBody>
       </p:sp>
       <p:graphicFrame>
         <p:nvGraphicFramePr>
-          <p:cNvPr id="101" name="Table 2"/>
+          <p:cNvPr id="89" name="Table 2"/>
           <p:cNvGraphicFramePr/>
           <p:nvPr/>
         </p:nvGraphicFramePr>
         <p:xfrm>
           <a:off x="838080" y="1825560"/>
-          <a:ext cx="10515240" cy="2435400"/>
+          <a:ext cx="10514880" cy="2435040"/>
         </p:xfrm>
         <a:graphic>
           <a:graphicData uri="http://schemas.openxmlformats.org/drawingml/2006/table">
@@ -7837,7 +6116,7 @@
                           </a:solidFill>
                           <a:latin typeface="Calibri"/>
                         </a:rPr>
-                        <a:t>Name</a:t>
+                        <a:t>Title</a:t>
                       </a:r>
                       <a:endParaRPr b="0" lang="en-IN" sz="1800" spc="-1" strike="noStrike">
                         <a:latin typeface="Arial"/>
@@ -7986,7 +6265,7 @@
                           </a:solidFill>
                           <a:latin typeface="Calibri"/>
                         </a:rPr>
-                        <a:t>Email</a:t>
+                        <a:t>EventType</a:t>
                       </a:r>
                       <a:endParaRPr b="0" lang="en-IN" sz="1800" spc="-1" strike="noStrike">
                         <a:latin typeface="Arial"/>
@@ -8135,7 +6414,7 @@
                           </a:solidFill>
                           <a:latin typeface="Calibri"/>
                         </a:rPr>
-                        <a:t>Password</a:t>
+                        <a:t>Description</a:t>
                       </a:r>
                       <a:endParaRPr b="0" lang="en-IN" sz="1800" spc="-1" strike="noStrike">
                         <a:latin typeface="Arial"/>
@@ -8284,7 +6563,7 @@
                           </a:solidFill>
                           <a:latin typeface="Calibri"/>
                         </a:rPr>
-                        <a:t>Companyname</a:t>
+                        <a:t>Volunteer</a:t>
                       </a:r>
                       <a:endParaRPr b="0" lang="en-IN" sz="1800" spc="-1" strike="noStrike">
                         <a:latin typeface="Arial"/>
@@ -8333,7 +6612,7 @@
                           </a:solidFill>
                           <a:latin typeface="Calibri"/>
                         </a:rPr>
-                        <a:t>String</a:t>
+                        <a:t>Boolean</a:t>
                       </a:r>
                       <a:endParaRPr b="0" lang="en-IN" sz="1800" spc="-1" strike="noStrike">
                         <a:latin typeface="Arial"/>
@@ -8433,7 +6712,7 @@
                           </a:solidFill>
                           <a:latin typeface="Calibri"/>
                         </a:rPr>
-                        <a:t>Date</a:t>
+                        <a:t>Coordinator</a:t>
                       </a:r>
                       <a:endParaRPr b="0" lang="en-IN" sz="1800" spc="-1" strike="noStrike">
                         <a:latin typeface="Arial"/>
@@ -8482,7 +6761,7 @@
                           </a:solidFill>
                           <a:latin typeface="Calibri"/>
                         </a:rPr>
-                        <a:t>Date</a:t>
+                        <a:t>ObjectId</a:t>
                       </a:r>
                       <a:endParaRPr b="0" lang="en-IN" sz="1800" spc="-1" strike="noStrike">
                         <a:latin typeface="Arial"/>
@@ -8531,7 +6810,7 @@
                           </a:solidFill>
                           <a:latin typeface="Calibri"/>
                         </a:rPr>
-                        <a:t>Required</a:t>
+                        <a:t>Foreign Key</a:t>
                       </a:r>
                       <a:endParaRPr b="0" lang="en-IN" sz="1800" spc="-1" strike="noStrike">
                         <a:latin typeface="Arial"/>
@@ -8574,10 +6853,10 @@
   <p:timing>
     <p:tnLst>
       <p:par>
-        <p:cTn id="9" dur="indefinite" restart="never" nodeType="tmRoot">
+        <p:cTn id="15" dur="indefinite" restart="never" nodeType="tmRoot">
           <p:childTnLst>
             <p:seq>
-              <p:cTn id="10" dur="indefinite" nodeType="mainSeq"/>
+              <p:cTn id="16" dur="indefinite" nodeType="mainSeq"/>
               <p:prevCondLst>
                 <p:cond delay="0" evt="onPrev">
                   <p:tgtEl>
@@ -8620,14 +6899,14 @@
       </p:grpSpPr>
       <p:sp>
         <p:nvSpPr>
-          <p:cNvPr id="102" name="TextShape 1"/>
-          <p:cNvSpPr txBox="1"/>
+          <p:cNvPr id="90" name="CustomShape 1"/>
+          <p:cNvSpPr/>
           <p:nvPr/>
         </p:nvSpPr>
         <p:spPr>
           <a:xfrm>
             <a:off x="838080" y="365040"/>
-            <a:ext cx="10515240" cy="1325160"/>
+            <a:ext cx="10514880" cy="1324800"/>
           </a:xfrm>
           <a:prstGeom prst="rect">
             <a:avLst/>
@@ -8637,8 +6916,14 @@
             <a:noFill/>
           </a:ln>
         </p:spPr>
-        <p:txBody>
-          <a:bodyPr anchor="ctr"/>
+        <p:style>
+          <a:lnRef idx="0"/>
+          <a:fillRef idx="0"/>
+          <a:effectRef idx="0"/>
+          <a:fontRef idx="minor"/>
+        </p:style>
+        <p:txBody>
+          <a:bodyPr lIns="90000" rIns="90000" tIns="45000" bIns="45000" anchor="ctr"/>
           <a:p>
             <a:pPr>
               <a:lnSpc>
@@ -8646,32 +6931,29 @@
               </a:lnSpc>
             </a:pPr>
             <a:r>
-              <a:rPr b="0" lang="en-US" sz="4400" spc="-1" strike="noStrike">
+              <a:rPr b="0" lang="en-IN" sz="4400" spc="-1" strike="noStrike">
                 <a:solidFill>
                   <a:srgbClr val="000000"/>
                 </a:solidFill>
                 <a:latin typeface="Calibri Light"/>
               </a:rPr>
-              <a:t>Events</a:t>
+              <a:t>Participants</a:t>
             </a:r>
-            <a:endParaRPr b="0" lang="en-US" sz="4400" spc="-1" strike="noStrike">
-              <a:solidFill>
-                <a:srgbClr val="000000"/>
-              </a:solidFill>
-              <a:latin typeface="Calibri"/>
+            <a:endParaRPr b="0" lang="en-IN" sz="4400" spc="-1" strike="noStrike">
+              <a:latin typeface="Arial"/>
             </a:endParaRPr>
           </a:p>
         </p:txBody>
       </p:sp>
       <p:graphicFrame>
         <p:nvGraphicFramePr>
-          <p:cNvPr id="103" name="Table 2"/>
+          <p:cNvPr id="91" name="Table 2"/>
           <p:cNvGraphicFramePr/>
           <p:nvPr/>
         </p:nvGraphicFramePr>
         <p:xfrm>
           <a:off x="838080" y="1825560"/>
-          <a:ext cx="10515240" cy="2435400"/>
+          <a:ext cx="10514880" cy="2435040"/>
         </p:xfrm>
         <a:graphic>
           <a:graphicData uri="http://schemas.openxmlformats.org/drawingml/2006/table">
@@ -8848,7 +7130,7 @@
                           </a:solidFill>
                           <a:latin typeface="Calibri"/>
                         </a:rPr>
-                        <a:t>Title</a:t>
+                        <a:t>Name</a:t>
                       </a:r>
                       <a:endParaRPr b="0" lang="en-IN" sz="1800" spc="-1" strike="noStrike">
                         <a:latin typeface="Arial"/>
@@ -8997,7 +7279,7 @@
                           </a:solidFill>
                           <a:latin typeface="Calibri"/>
                         </a:rPr>
-                        <a:t>EventType</a:t>
+                        <a:t>Email</a:t>
                       </a:r>
                       <a:endParaRPr b="0" lang="en-IN" sz="1800" spc="-1" strike="noStrike">
                         <a:latin typeface="Arial"/>
@@ -9146,7 +7428,7 @@
                           </a:solidFill>
                           <a:latin typeface="Calibri"/>
                         </a:rPr>
-                        <a:t>Description</a:t>
+                        <a:t>Address</a:t>
                       </a:r>
                       <a:endParaRPr b="0" lang="en-IN" sz="1800" spc="-1" strike="noStrike">
                         <a:latin typeface="Arial"/>
@@ -9295,7 +7577,7 @@
                           </a:solidFill>
                           <a:latin typeface="Calibri"/>
                         </a:rPr>
-                        <a:t>Volunteer</a:t>
+                        <a:t>Company</a:t>
                       </a:r>
                       <a:endParaRPr b="0" lang="en-IN" sz="1800" spc="-1" strike="noStrike">
                         <a:latin typeface="Arial"/>
@@ -9344,7 +7626,7 @@
                           </a:solidFill>
                           <a:latin typeface="Calibri"/>
                         </a:rPr>
-                        <a:t>Boolean</a:t>
+                        <a:t>String</a:t>
                       </a:r>
                       <a:endParaRPr b="0" lang="en-IN" sz="1800" spc="-1" strike="noStrike">
                         <a:latin typeface="Arial"/>
@@ -9444,7 +7726,7 @@
                           </a:solidFill>
                           <a:latin typeface="Calibri"/>
                         </a:rPr>
-                        <a:t>Coordinator</a:t>
+                        <a:t>Event</a:t>
                       </a:r>
                       <a:endParaRPr b="0" lang="en-IN" sz="1800" spc="-1" strike="noStrike">
                         <a:latin typeface="Arial"/>
@@ -9585,10 +7867,10 @@
   <p:timing>
     <p:tnLst>
       <p:par>
-        <p:cTn id="11" dur="indefinite" restart="never" nodeType="tmRoot">
+        <p:cTn id="17" dur="indefinite" restart="never" nodeType="tmRoot">
           <p:childTnLst>
             <p:seq>
-              <p:cTn id="12" dur="indefinite" nodeType="mainSeq"/>
+              <p:cTn id="18" dur="indefinite" nodeType="mainSeq"/>
               <p:prevCondLst>
                 <p:cond delay="0" evt="onPrev">
                   <p:tgtEl>
@@ -10056,227 +8338,4 @@
     </a:fmtScheme>
   </a:themeElements>
 </a:theme>
-</file>
-
-<file path=ppt/theme/theme3.xml><?xml version="1.0" encoding="utf-8"?>
-<a:theme xmlns:a="http://schemas.openxmlformats.org/drawingml/2006/main" name="Office Theme">
-  <a:themeElements>
-    <a:clrScheme name="Office">
-      <a:dk1>
-        <a:sysClr val="windowText" lastClr="000000"/>
-      </a:dk1>
-      <a:lt1>
-        <a:sysClr val="window" lastClr="FFFFFF"/>
-      </a:lt1>
-      <a:dk2>
-        <a:srgbClr val="44546a"/>
-      </a:dk2>
-      <a:lt2>
-        <a:srgbClr val="e7e6e6"/>
-      </a:lt2>
-      <a:accent1>
-        <a:srgbClr val="5b9bd5"/>
-      </a:accent1>
-      <a:accent2>
-        <a:srgbClr val="ed7d31"/>
-      </a:accent2>
-      <a:accent3>
-        <a:srgbClr val="a5a5a5"/>
-      </a:accent3>
-      <a:accent4>
-        <a:srgbClr val="ffc000"/>
-      </a:accent4>
-      <a:accent5>
-        <a:srgbClr val="4472c4"/>
-      </a:accent5>
-      <a:accent6>
-        <a:srgbClr val="70ad47"/>
-      </a:accent6>
-      <a:hlink>
-        <a:srgbClr val="0563c1"/>
-      </a:hlink>
-      <a:folHlink>
-        <a:srgbClr val="954f72"/>
-      </a:folHlink>
-    </a:clrScheme>
-    <a:fontScheme name="Office">
-      <a:majorFont>
-        <a:latin typeface="Arial"/>
-        <a:ea typeface="DejaVu Sans"/>
-        <a:cs typeface="DejaVu Sans"/>
-      </a:majorFont>
-      <a:minorFont>
-        <a:latin typeface="Arial"/>
-        <a:ea typeface="DejaVu Sans"/>
-        <a:cs typeface="DejaVu Sans"/>
-      </a:minorFont>
-    </a:fontScheme>
-    <a:fmtScheme name="Office">
-      <a:fillStyleLst>
-        <a:solidFill>
-          <a:schemeClr val="phClr"/>
-        </a:solidFill>
-        <a:gradFill rotWithShape="1">
-          <a:gsLst>
-            <a:gs pos="0">
-              <a:schemeClr val="phClr">
-                <a:tint val="50000"/>
-                <a:satMod val="300000"/>
-              </a:schemeClr>
-            </a:gs>
-            <a:gs pos="35000">
-              <a:schemeClr val="phClr">
-                <a:tint val="37000"/>
-                <a:satMod val="300000"/>
-              </a:schemeClr>
-            </a:gs>
-            <a:gs pos="100000">
-              <a:schemeClr val="phClr">
-                <a:tint val="15000"/>
-                <a:satMod val="350000"/>
-              </a:schemeClr>
-            </a:gs>
-          </a:gsLst>
-          <a:lin ang="16200000" scaled="1"/>
-        </a:gradFill>
-        <a:gradFill rotWithShape="1">
-          <a:gsLst>
-            <a:gs pos="0">
-              <a:schemeClr val="phClr">
-                <a:shade val="51000"/>
-                <a:satMod val="130000"/>
-              </a:schemeClr>
-            </a:gs>
-            <a:gs pos="80000">
-              <a:schemeClr val="phClr">
-                <a:shade val="93000"/>
-                <a:satMod val="130000"/>
-              </a:schemeClr>
-            </a:gs>
-            <a:gs pos="100000">
-              <a:schemeClr val="phClr">
-                <a:shade val="94000"/>
-                <a:satMod val="135000"/>
-              </a:schemeClr>
-            </a:gs>
-          </a:gsLst>
-          <a:lin ang="16200000" scaled="0"/>
-        </a:gradFill>
-      </a:fillStyleLst>
-      <a:lnStyleLst>
-        <a:ln w="9525" cap="flat" cmpd="sng" algn="ctr">
-          <a:solidFill>
-            <a:schemeClr val="phClr">
-              <a:shade val="95000"/>
-              <a:satMod val="105000"/>
-            </a:schemeClr>
-          </a:solidFill>
-          <a:prstDash val="solid"/>
-        </a:ln>
-        <a:ln w="25400" cap="flat" cmpd="sng" algn="ctr">
-          <a:solidFill>
-            <a:schemeClr val="phClr"/>
-          </a:solidFill>
-          <a:prstDash val="solid"/>
-        </a:ln>
-        <a:ln w="38100" cap="flat" cmpd="sng" algn="ctr">
-          <a:solidFill>
-            <a:schemeClr val="phClr"/>
-          </a:solidFill>
-          <a:prstDash val="solid"/>
-        </a:ln>
-      </a:lnStyleLst>
-      <a:effectStyleLst>
-        <a:effectStyle>
-          <a:effectLst>
-            <a:outerShdw blurRad="40000" dist="20000" dir="5400000" rotWithShape="0">
-              <a:srgbClr val="000000">
-                <a:alpha val="38000"/>
-              </a:srgbClr>
-            </a:outerShdw>
-          </a:effectLst>
-        </a:effectStyle>
-        <a:effectStyle>
-          <a:effectLst>
-            <a:outerShdw blurRad="40000" dist="23000" dir="5400000" rotWithShape="0">
-              <a:srgbClr val="000000">
-                <a:alpha val="35000"/>
-              </a:srgbClr>
-            </a:outerShdw>
-          </a:effectLst>
-        </a:effectStyle>
-        <a:effectStyle>
-          <a:effectLst>
-            <a:outerShdw blurRad="40000" dist="23000" dir="5400000" rotWithShape="0">
-              <a:srgbClr val="000000">
-                <a:alpha val="35000"/>
-              </a:srgbClr>
-            </a:outerShdw>
-          </a:effectLst>
-          <a:scene3d>
-            <a:camera prst="orthographicFront">
-              <a:rot lat="0" lon="0" rev="0"/>
-            </a:camera>
-            <a:lightRig rig="threePt" dir="t">
-              <a:rot lat="0" lon="0" rev="1200000"/>
-            </a:lightRig>
-          </a:scene3d>
-          <a:sp3d>
-            <a:bevelT w="63500" h="25400"/>
-          </a:sp3d>
-        </a:effectStyle>
-      </a:effectStyleLst>
-      <a:bgFillStyleLst>
-        <a:solidFill>
-          <a:schemeClr val="phClr"/>
-        </a:solidFill>
-        <a:gradFill rotWithShape="1">
-          <a:gsLst>
-            <a:gs pos="0">
-              <a:schemeClr val="phClr">
-                <a:tint val="40000"/>
-                <a:satMod val="350000"/>
-              </a:schemeClr>
-            </a:gs>
-            <a:gs pos="40000">
-              <a:schemeClr val="phClr">
-                <a:tint val="45000"/>
-                <a:shade val="99000"/>
-                <a:satMod val="350000"/>
-              </a:schemeClr>
-            </a:gs>
-            <a:gs pos="100000">
-              <a:schemeClr val="phClr">
-                <a:shade val="20000"/>
-                <a:satMod val="255000"/>
-              </a:schemeClr>
-            </a:gs>
-          </a:gsLst>
-          <a:path path="circle">
-            <a:fillToRect l="50000" t="-80000" r="50000" b="180000"/>
-          </a:path>
-        </a:gradFill>
-        <a:gradFill rotWithShape="1">
-          <a:gsLst>
-            <a:gs pos="0">
-              <a:schemeClr val="phClr">
-                <a:tint val="80000"/>
-                <a:satMod val="300000"/>
-              </a:schemeClr>
-            </a:gs>
-            <a:gs pos="100000">
-              <a:schemeClr val="phClr">
-                <a:shade val="30000"/>
-                <a:satMod val="200000"/>
-              </a:schemeClr>
-            </a:gs>
-          </a:gsLst>
-          <a:path path="circle">
-            <a:fillToRect l="50000" t="50000" r="50000" b="50000"/>
-          </a:path>
-        </a:gradFill>
-      </a:bgFillStyleLst>
-    </a:fmtScheme>
-  </a:themeElements>
-</a:theme>
 </file>